--- a/Presentazione_python_base.pptx
+++ b/Presentazione_python_base.pptx
@@ -6,24 +6,23 @@
     <p:sldMasterId id="2147483660" r:id="rId5"/>
   </p:sldMasterIdLst>
   <p:handoutMasterIdLst>
-    <p:handoutMasterId r:id="rId21"/>
+    <p:handoutMasterId r:id="rId20"/>
   </p:handoutMasterIdLst>
   <p:sldIdLst>
     <p:sldId id="257" r:id="rId6"/>
-    <p:sldId id="261" r:id="rId7"/>
-    <p:sldId id="265" r:id="rId8"/>
-    <p:sldId id="267" r:id="rId9"/>
-    <p:sldId id="260" r:id="rId10"/>
-    <p:sldId id="262" r:id="rId11"/>
-    <p:sldId id="263" r:id="rId12"/>
-    <p:sldId id="268" r:id="rId13"/>
-    <p:sldId id="264" r:id="rId14"/>
-    <p:sldId id="266" r:id="rId15"/>
-    <p:sldId id="269" r:id="rId16"/>
-    <p:sldId id="270" r:id="rId17"/>
-    <p:sldId id="271" r:id="rId18"/>
-    <p:sldId id="272" r:id="rId19"/>
-    <p:sldId id="259" r:id="rId20"/>
+    <p:sldId id="265" r:id="rId7"/>
+    <p:sldId id="267" r:id="rId8"/>
+    <p:sldId id="260" r:id="rId9"/>
+    <p:sldId id="262" r:id="rId10"/>
+    <p:sldId id="263" r:id="rId11"/>
+    <p:sldId id="268" r:id="rId12"/>
+    <p:sldId id="264" r:id="rId13"/>
+    <p:sldId id="266" r:id="rId14"/>
+    <p:sldId id="269" r:id="rId15"/>
+    <p:sldId id="270" r:id="rId16"/>
+    <p:sldId id="271" r:id="rId17"/>
+    <p:sldId id="272" r:id="rId18"/>
+    <p:sldId id="259" r:id="rId19"/>
   </p:sldIdLst>
   <p:sldSz cx="12192000" cy="6858000"/>
   <p:notesSz cx="6858000" cy="9144000"/>
@@ -283,7 +282,7 @@
           <a:p>
             <a:fld id="{0A69FFCA-9520-4AE8-9003-3CDBD32AD1F7}" type="datetimeFigureOut">
               <a:rPr lang="it-IT" smtClean="0"/>
-              <a:t>26/05/23</a:t>
+              <a:t>17/05/2024</a:t>
             </a:fld>
             <a:endParaRPr lang="it-IT"/>
           </a:p>
@@ -606,7 +605,7 @@
           <a:p>
             <a:fld id="{B45E0B5E-EF14-49BC-9938-66AC511EF316}" type="datetimeFigureOut">
               <a:rPr lang="it-IT" smtClean="0"/>
-              <a:t>26/05/23</a:t>
+              <a:t>17/05/2024</a:t>
             </a:fld>
             <a:endParaRPr lang="it-IT"/>
           </a:p>
@@ -814,7 +813,7 @@
           <a:p>
             <a:fld id="{B45E0B5E-EF14-49BC-9938-66AC511EF316}" type="datetimeFigureOut">
               <a:rPr lang="it-IT" smtClean="0"/>
-              <a:t>26/05/23</a:t>
+              <a:t>17/05/2024</a:t>
             </a:fld>
             <a:endParaRPr lang="it-IT"/>
           </a:p>
@@ -1034,7 +1033,7 @@
           <a:p>
             <a:fld id="{7DA65446-026D-43F1-889C-C97CB3FD3B36}" type="datetimeFigureOut">
               <a:rPr lang="it-IT" smtClean="0"/>
-              <a:t>26/05/23</a:t>
+              <a:t>17/05/2024</a:t>
             </a:fld>
             <a:endParaRPr lang="it-IT"/>
           </a:p>
@@ -1232,7 +1231,7 @@
           <a:p>
             <a:fld id="{7DA65446-026D-43F1-889C-C97CB3FD3B36}" type="datetimeFigureOut">
               <a:rPr lang="it-IT" smtClean="0"/>
-              <a:t>26/05/23</a:t>
+              <a:t>17/05/2024</a:t>
             </a:fld>
             <a:endParaRPr lang="it-IT"/>
           </a:p>
@@ -1507,7 +1506,7 @@
           <a:p>
             <a:fld id="{7DA65446-026D-43F1-889C-C97CB3FD3B36}" type="datetimeFigureOut">
               <a:rPr lang="it-IT" smtClean="0"/>
-              <a:t>26/05/23</a:t>
+              <a:t>17/05/2024</a:t>
             </a:fld>
             <a:endParaRPr lang="it-IT"/>
           </a:p>
@@ -1772,7 +1771,7 @@
           <a:p>
             <a:fld id="{7DA65446-026D-43F1-889C-C97CB3FD3B36}" type="datetimeFigureOut">
               <a:rPr lang="it-IT" smtClean="0"/>
-              <a:t>26/05/23</a:t>
+              <a:t>17/05/2024</a:t>
             </a:fld>
             <a:endParaRPr lang="it-IT"/>
           </a:p>
@@ -2184,7 +2183,7 @@
           <a:p>
             <a:fld id="{7DA65446-026D-43F1-889C-C97CB3FD3B36}" type="datetimeFigureOut">
               <a:rPr lang="it-IT" smtClean="0"/>
-              <a:t>26/05/23</a:t>
+              <a:t>17/05/2024</a:t>
             </a:fld>
             <a:endParaRPr lang="it-IT"/>
           </a:p>
@@ -2325,7 +2324,7 @@
           <a:p>
             <a:fld id="{7DA65446-026D-43F1-889C-C97CB3FD3B36}" type="datetimeFigureOut">
               <a:rPr lang="it-IT" smtClean="0"/>
-              <a:t>26/05/23</a:t>
+              <a:t>17/05/2024</a:t>
             </a:fld>
             <a:endParaRPr lang="it-IT"/>
           </a:p>
@@ -2438,7 +2437,7 @@
           <a:p>
             <a:fld id="{7DA65446-026D-43F1-889C-C97CB3FD3B36}" type="datetimeFigureOut">
               <a:rPr lang="it-IT" smtClean="0"/>
-              <a:t>26/05/23</a:t>
+              <a:t>17/05/2024</a:t>
             </a:fld>
             <a:endParaRPr lang="it-IT"/>
           </a:p>
@@ -2749,7 +2748,7 @@
           <a:p>
             <a:fld id="{7DA65446-026D-43F1-889C-C97CB3FD3B36}" type="datetimeFigureOut">
               <a:rPr lang="it-IT" smtClean="0"/>
-              <a:t>26/05/23</a:t>
+              <a:t>17/05/2024</a:t>
             </a:fld>
             <a:endParaRPr lang="it-IT"/>
           </a:p>
@@ -3260,7 +3259,7 @@
           <a:p>
             <a:fld id="{7DA65446-026D-43F1-889C-C97CB3FD3B36}" type="datetimeFigureOut">
               <a:rPr lang="it-IT" smtClean="0"/>
-              <a:t>26/05/23</a:t>
+              <a:t>17/05/2024</a:t>
             </a:fld>
             <a:endParaRPr lang="it-IT"/>
           </a:p>
@@ -3458,7 +3457,7 @@
           <a:p>
             <a:fld id="{7DA65446-026D-43F1-889C-C97CB3FD3B36}" type="datetimeFigureOut">
               <a:rPr lang="it-IT" smtClean="0"/>
-              <a:t>26/05/23</a:t>
+              <a:t>17/05/2024</a:t>
             </a:fld>
             <a:endParaRPr lang="it-IT"/>
           </a:p>
@@ -3666,7 +3665,7 @@
           <a:p>
             <a:fld id="{7DA65446-026D-43F1-889C-C97CB3FD3B36}" type="datetimeFigureOut">
               <a:rPr lang="it-IT" smtClean="0"/>
-              <a:t>26/05/23</a:t>
+              <a:t>17/05/2024</a:t>
             </a:fld>
             <a:endParaRPr lang="it-IT"/>
           </a:p>
@@ -4284,7 +4283,7 @@
           <a:p>
             <a:fld id="{B45E0B5E-EF14-49BC-9938-66AC511EF316}" type="datetimeFigureOut">
               <a:rPr lang="it-IT" smtClean="0"/>
-              <a:t>26/05/23</a:t>
+              <a:t>17/05/2024</a:t>
             </a:fld>
             <a:endParaRPr lang="it-IT"/>
           </a:p>
@@ -4712,7 +4711,7 @@
           <a:p>
             <a:fld id="{B45E0B5E-EF14-49BC-9938-66AC511EF316}" type="datetimeFigureOut">
               <a:rPr lang="it-IT" smtClean="0"/>
-              <a:t>26/05/23</a:t>
+              <a:t>17/05/2024</a:t>
             </a:fld>
             <a:endParaRPr lang="it-IT"/>
           </a:p>
@@ -4853,7 +4852,7 @@
           <a:p>
             <a:fld id="{B45E0B5E-EF14-49BC-9938-66AC511EF316}" type="datetimeFigureOut">
               <a:rPr lang="it-IT" smtClean="0"/>
-              <a:t>26/05/23</a:t>
+              <a:t>17/05/2024</a:t>
             </a:fld>
             <a:endParaRPr lang="it-IT"/>
           </a:p>
@@ -4966,7 +4965,7 @@
           <a:p>
             <a:fld id="{B45E0B5E-EF14-49BC-9938-66AC511EF316}" type="datetimeFigureOut">
               <a:rPr lang="it-IT" smtClean="0"/>
-              <a:t>26/05/23</a:t>
+              <a:t>17/05/2024</a:t>
             </a:fld>
             <a:endParaRPr lang="it-IT"/>
           </a:p>
@@ -5277,7 +5276,7 @@
           <a:p>
             <a:fld id="{B45E0B5E-EF14-49BC-9938-66AC511EF316}" type="datetimeFigureOut">
               <a:rPr lang="it-IT" smtClean="0"/>
-              <a:t>26/05/23</a:t>
+              <a:t>17/05/2024</a:t>
             </a:fld>
             <a:endParaRPr lang="it-IT"/>
           </a:p>
@@ -5565,7 +5564,7 @@
           <a:p>
             <a:fld id="{B45E0B5E-EF14-49BC-9938-66AC511EF316}" type="datetimeFigureOut">
               <a:rPr lang="it-IT" smtClean="0"/>
-              <a:t>26/05/23</a:t>
+              <a:t>17/05/2024</a:t>
             </a:fld>
             <a:endParaRPr lang="it-IT"/>
           </a:p>
@@ -5806,7 +5805,7 @@
           <a:p>
             <a:fld id="{B45E0B5E-EF14-49BC-9938-66AC511EF316}" type="datetimeFigureOut">
               <a:rPr lang="it-IT" smtClean="0"/>
-              <a:t>26/05/23</a:t>
+              <a:t>17/05/2024</a:t>
             </a:fld>
             <a:endParaRPr lang="it-IT"/>
           </a:p>
@@ -6390,7 +6389,7 @@
           <a:p>
             <a:fld id="{7DA65446-026D-43F1-889C-C97CB3FD3B36}" type="datetimeFigureOut">
               <a:rPr lang="it-IT" smtClean="0"/>
-              <a:t>26/05/23</a:t>
+              <a:t>17/05/2024</a:t>
             </a:fld>
             <a:endParaRPr lang="it-IT"/>
           </a:p>
@@ -6916,7 +6915,7 @@
         <p:spPr>
           <a:xfrm>
             <a:off x="1140821" y="3992881"/>
-            <a:ext cx="6252755" cy="1200329"/>
+            <a:ext cx="6687563" cy="1569660"/>
           </a:xfrm>
           <a:prstGeom prst="rect">
             <a:avLst/>
@@ -6960,7 +6959,7 @@
                 <a:ea typeface="Lato" panose="020F0502020204030203" pitchFamily="34" charset="0"/>
                 <a:cs typeface="Lato" panose="020F0502020204030203" pitchFamily="34" charset="0"/>
               </a:rPr>
-              <a:t>Data Scientist – NTT Data</a:t>
+              <a:t>Data Scientist – Università Vita-Salute San Raffaele</a:t>
             </a:r>
           </a:p>
         </p:txBody>
@@ -7010,7 +7009,7 @@
         <p:spPr>
           <a:xfrm>
             <a:off x="606829" y="426315"/>
-            <a:ext cx="5872120" cy="369332"/>
+            <a:ext cx="4097597" cy="369332"/>
           </a:xfrm>
           <a:prstGeom prst="rect">
             <a:avLst/>
@@ -7025,17 +7024,22 @@
           <a:p>
             <a:r>
               <a:rPr lang="en-IT" dirty="0"/>
-              <a:t>SET UP DELL’AMBIENTE : JUPYTER NOTEBOOK e GIT</a:t>
-            </a:r>
+              <a:t>INTRODUZIONE GIORNO </a:t>
+            </a:r>
+            <a:r>
+              <a:rPr lang="it-IT" dirty="0"/>
+              <a:t>1 – Parte 2</a:t>
+            </a:r>
+            <a:endParaRPr lang="en-IT" dirty="0"/>
           </a:p>
         </p:txBody>
       </p:sp>
       <p:sp>
         <p:nvSpPr>
-          <p:cNvPr id="2" name="TextBox 1">
+          <p:cNvPr id="4" name="TextBox 3">
             <a:extLst>
               <a:ext uri="{FF2B5EF4-FFF2-40B4-BE49-F238E27FC236}">
-                <a16:creationId xmlns:a16="http://schemas.microsoft.com/office/drawing/2014/main" id="{617948EC-24CE-9AC8-D840-C8937CCA029C}"/>
+                <a16:creationId xmlns:a16="http://schemas.microsoft.com/office/drawing/2014/main" id="{ABF4E3CA-9D35-82E8-9523-56C21A80ACE9}"/>
               </a:ext>
             </a:extLst>
           </p:cNvPr>
@@ -7044,8 +7048,8 @@
         </p:nvSpPr>
         <p:spPr>
           <a:xfrm>
-            <a:off x="419238" y="1060704"/>
-            <a:ext cx="11499827" cy="4801314"/>
+            <a:off x="606829" y="1033391"/>
+            <a:ext cx="10750019" cy="3139321"/>
           </a:xfrm>
           <a:prstGeom prst="rect">
             <a:avLst/>
@@ -7053,52 +7057,487 @@
           <a:noFill/>
         </p:spPr>
         <p:txBody>
-          <a:bodyPr wrap="square" rtlCol="0">
+          <a:bodyPr wrap="square">
             <a:spAutoFit/>
           </a:bodyPr>
           <a:lstStyle/>
           <a:p>
-            <a:r>
-              <a:rPr lang="en-IT" dirty="0">
-                <a:solidFill>
-                  <a:srgbClr val="374151"/>
-                </a:solidFill>
-                <a:latin typeface="Söhne"/>
-              </a:rPr>
-              <a:t>Dopo l’installazione di anaconda, procediamo con l’apertura di anaconda navigator. Nella home saranno visibili diverse applicazioni, apriamo </a:t>
-            </a:r>
-            <a:r>
-              <a:rPr lang="en-IT" b="1" dirty="0">
-                <a:solidFill>
-                  <a:srgbClr val="374151"/>
-                </a:solidFill>
-                <a:latin typeface="Söhne"/>
-              </a:rPr>
-              <a:t>jupyter notebook</a:t>
-            </a:r>
-            <a:r>
-              <a:rPr lang="en-IT" dirty="0">
-                <a:solidFill>
-                  <a:srgbClr val="374151"/>
-                </a:solidFill>
-                <a:latin typeface="Söhne"/>
-              </a:rPr>
-              <a:t>.</a:t>
-            </a:r>
-          </a:p>
-          <a:p>
-            <a:r>
-              <a:rPr lang="en-IT" dirty="0">
-                <a:solidFill>
-                  <a:srgbClr val="374151"/>
-                </a:solidFill>
-                <a:latin typeface="Söhne"/>
-              </a:rPr>
-              <a:t>Per recuperare in modo semplice il materiale preparato per il corso possiamo usare GitHub.</a:t>
-            </a:r>
-          </a:p>
-          <a:p>
-            <a:endParaRPr lang="en-IT" dirty="0">
+            <a:pPr algn="l"/>
+            <a:r>
+              <a:rPr lang="en-GB" dirty="0" err="1">
+                <a:solidFill>
+                  <a:srgbClr val="374151"/>
+                </a:solidFill>
+                <a:latin typeface="Söhne"/>
+              </a:rPr>
+              <a:t>Oggi</a:t>
+            </a:r>
+            <a:r>
+              <a:rPr lang="en-GB" dirty="0">
+                <a:solidFill>
+                  <a:srgbClr val="374151"/>
+                </a:solidFill>
+                <a:latin typeface="Söhne"/>
+              </a:rPr>
+              <a:t> </a:t>
+            </a:r>
+            <a:r>
+              <a:rPr lang="en-GB" dirty="0" err="1">
+                <a:solidFill>
+                  <a:srgbClr val="374151"/>
+                </a:solidFill>
+                <a:latin typeface="Söhne"/>
+              </a:rPr>
+              <a:t>tratteremo</a:t>
+            </a:r>
+            <a:r>
+              <a:rPr lang="en-GB" dirty="0">
+                <a:solidFill>
+                  <a:srgbClr val="374151"/>
+                </a:solidFill>
+                <a:latin typeface="Söhne"/>
+              </a:rPr>
+              <a:t> le diverse </a:t>
+            </a:r>
+            <a:r>
+              <a:rPr lang="en-GB" dirty="0" err="1">
+                <a:solidFill>
+                  <a:srgbClr val="374151"/>
+                </a:solidFill>
+                <a:latin typeface="Söhne"/>
+              </a:rPr>
+              <a:t>strutture</a:t>
+            </a:r>
+            <a:r>
+              <a:rPr lang="en-GB" dirty="0">
+                <a:solidFill>
+                  <a:srgbClr val="374151"/>
+                </a:solidFill>
+                <a:latin typeface="Söhne"/>
+              </a:rPr>
+              <a:t> </a:t>
+            </a:r>
+            <a:r>
+              <a:rPr lang="en-GB" dirty="0" err="1">
+                <a:solidFill>
+                  <a:srgbClr val="374151"/>
+                </a:solidFill>
+                <a:latin typeface="Söhne"/>
+              </a:rPr>
+              <a:t>dati</a:t>
+            </a:r>
+            <a:r>
+              <a:rPr lang="en-GB" dirty="0">
+                <a:solidFill>
+                  <a:srgbClr val="374151"/>
+                </a:solidFill>
+                <a:latin typeface="Söhne"/>
+              </a:rPr>
+              <a:t> in python e il </a:t>
+            </a:r>
+            <a:r>
+              <a:rPr lang="en-GB" dirty="0" err="1">
+                <a:solidFill>
+                  <a:srgbClr val="374151"/>
+                </a:solidFill>
+                <a:latin typeface="Söhne"/>
+              </a:rPr>
+              <a:t>loro</a:t>
+            </a:r>
+            <a:r>
+              <a:rPr lang="en-GB" dirty="0">
+                <a:solidFill>
+                  <a:srgbClr val="374151"/>
+                </a:solidFill>
+                <a:latin typeface="Söhne"/>
+              </a:rPr>
+              <a:t> </a:t>
+            </a:r>
+            <a:r>
+              <a:rPr lang="en-GB" dirty="0" err="1">
+                <a:solidFill>
+                  <a:srgbClr val="374151"/>
+                </a:solidFill>
+                <a:latin typeface="Söhne"/>
+              </a:rPr>
+              <a:t>utilizzo</a:t>
+            </a:r>
+            <a:r>
+              <a:rPr lang="en-GB" dirty="0">
+                <a:solidFill>
+                  <a:srgbClr val="374151"/>
+                </a:solidFill>
+                <a:latin typeface="Söhne"/>
+              </a:rPr>
+              <a:t> (</a:t>
+            </a:r>
+            <a:r>
+              <a:rPr lang="en-GB" dirty="0" err="1">
+                <a:solidFill>
+                  <a:srgbClr val="374151"/>
+                </a:solidFill>
+                <a:latin typeface="Söhne"/>
+              </a:rPr>
+              <a:t>liste</a:t>
+            </a:r>
+            <a:r>
+              <a:rPr lang="en-GB" dirty="0">
+                <a:solidFill>
+                  <a:srgbClr val="374151"/>
+                </a:solidFill>
+                <a:latin typeface="Söhne"/>
+              </a:rPr>
+              <a:t>, tuple, </a:t>
+            </a:r>
+            <a:r>
+              <a:rPr lang="en-GB" dirty="0" err="1">
+                <a:solidFill>
+                  <a:srgbClr val="374151"/>
+                </a:solidFill>
+                <a:latin typeface="Söhne"/>
+              </a:rPr>
+              <a:t>dizionari</a:t>
+            </a:r>
+            <a:r>
+              <a:rPr lang="en-GB" dirty="0">
+                <a:solidFill>
+                  <a:srgbClr val="374151"/>
+                </a:solidFill>
+                <a:latin typeface="Söhne"/>
+              </a:rPr>
+              <a:t>, set). </a:t>
+            </a:r>
+          </a:p>
+          <a:p>
+            <a:pPr algn="l"/>
+            <a:r>
+              <a:rPr lang="en-GB" dirty="0" err="1">
+                <a:solidFill>
+                  <a:srgbClr val="374151"/>
+                </a:solidFill>
+                <a:latin typeface="Söhne"/>
+              </a:rPr>
+              <a:t>Oltre</a:t>
+            </a:r>
+            <a:r>
+              <a:rPr lang="en-GB" dirty="0">
+                <a:solidFill>
+                  <a:srgbClr val="374151"/>
+                </a:solidFill>
+                <a:latin typeface="Söhne"/>
+              </a:rPr>
+              <a:t> a </a:t>
+            </a:r>
+            <a:r>
+              <a:rPr lang="en-GB" dirty="0" err="1">
+                <a:solidFill>
+                  <a:srgbClr val="374151"/>
+                </a:solidFill>
+                <a:latin typeface="Söhne"/>
+              </a:rPr>
+              <a:t>questo</a:t>
+            </a:r>
+            <a:r>
+              <a:rPr lang="en-GB" dirty="0">
+                <a:solidFill>
+                  <a:srgbClr val="374151"/>
+                </a:solidFill>
+                <a:latin typeface="Söhne"/>
+              </a:rPr>
+              <a:t> </a:t>
+            </a:r>
+            <a:r>
+              <a:rPr lang="en-GB" dirty="0" err="1">
+                <a:solidFill>
+                  <a:srgbClr val="374151"/>
+                </a:solidFill>
+                <a:latin typeface="Söhne"/>
+              </a:rPr>
+              <a:t>tratteremo</a:t>
+            </a:r>
+            <a:r>
+              <a:rPr lang="en-GB" dirty="0">
+                <a:solidFill>
+                  <a:srgbClr val="374151"/>
+                </a:solidFill>
+                <a:latin typeface="Söhne"/>
+              </a:rPr>
+              <a:t> due </a:t>
+            </a:r>
+            <a:r>
+              <a:rPr lang="en-GB" dirty="0" err="1">
+                <a:solidFill>
+                  <a:srgbClr val="374151"/>
+                </a:solidFill>
+                <a:latin typeface="Söhne"/>
+              </a:rPr>
+              <a:t>argomenti</a:t>
+            </a:r>
+            <a:r>
+              <a:rPr lang="en-GB" dirty="0">
+                <a:solidFill>
+                  <a:srgbClr val="374151"/>
+                </a:solidFill>
+                <a:latin typeface="Söhne"/>
+              </a:rPr>
+              <a:t> </a:t>
+            </a:r>
+            <a:r>
+              <a:rPr lang="en-GB" dirty="0" err="1">
+                <a:solidFill>
+                  <a:srgbClr val="374151"/>
+                </a:solidFill>
+                <a:latin typeface="Söhne"/>
+              </a:rPr>
+              <a:t>fondamentali</a:t>
+            </a:r>
+            <a:r>
+              <a:rPr lang="en-GB" dirty="0">
+                <a:solidFill>
+                  <a:srgbClr val="374151"/>
+                </a:solidFill>
+                <a:latin typeface="Söhne"/>
+              </a:rPr>
+              <a:t> per </a:t>
+            </a:r>
+            <a:r>
+              <a:rPr lang="en-GB" dirty="0" err="1">
+                <a:solidFill>
+                  <a:srgbClr val="374151"/>
+                </a:solidFill>
+                <a:latin typeface="Söhne"/>
+              </a:rPr>
+              <a:t>scrivere</a:t>
+            </a:r>
+            <a:r>
+              <a:rPr lang="en-GB" dirty="0">
+                <a:solidFill>
+                  <a:srgbClr val="374151"/>
+                </a:solidFill>
+                <a:latin typeface="Söhne"/>
+              </a:rPr>
+              <a:t> </a:t>
+            </a:r>
+            <a:r>
+              <a:rPr lang="en-GB" dirty="0" err="1">
+                <a:solidFill>
+                  <a:srgbClr val="374151"/>
+                </a:solidFill>
+                <a:latin typeface="Söhne"/>
+              </a:rPr>
+              <a:t>programmi</a:t>
+            </a:r>
+            <a:r>
+              <a:rPr lang="en-GB" dirty="0">
+                <a:solidFill>
+                  <a:srgbClr val="374151"/>
+                </a:solidFill>
+                <a:latin typeface="Söhne"/>
+              </a:rPr>
+              <a:t> di </a:t>
+            </a:r>
+            <a:r>
+              <a:rPr lang="en-GB" dirty="0" err="1">
+                <a:solidFill>
+                  <a:srgbClr val="374151"/>
+                </a:solidFill>
+                <a:latin typeface="Söhne"/>
+              </a:rPr>
+              <a:t>una</a:t>
+            </a:r>
+            <a:r>
+              <a:rPr lang="en-GB" dirty="0">
+                <a:solidFill>
+                  <a:srgbClr val="374151"/>
+                </a:solidFill>
+                <a:latin typeface="Söhne"/>
+              </a:rPr>
+              <a:t> </a:t>
+            </a:r>
+            <a:r>
+              <a:rPr lang="en-GB" dirty="0" err="1">
+                <a:solidFill>
+                  <a:srgbClr val="374151"/>
+                </a:solidFill>
+                <a:latin typeface="Söhne"/>
+              </a:rPr>
+              <a:t>certa</a:t>
+            </a:r>
+            <a:r>
+              <a:rPr lang="en-GB" dirty="0">
+                <a:solidFill>
+                  <a:srgbClr val="374151"/>
+                </a:solidFill>
+                <a:latin typeface="Söhne"/>
+              </a:rPr>
+              <a:t> </a:t>
+            </a:r>
+            <a:r>
+              <a:rPr lang="en-GB" dirty="0" err="1">
+                <a:solidFill>
+                  <a:srgbClr val="374151"/>
+                </a:solidFill>
+                <a:latin typeface="Söhne"/>
+              </a:rPr>
+              <a:t>complessità</a:t>
+            </a:r>
+            <a:r>
+              <a:rPr lang="en-GB" dirty="0">
+                <a:solidFill>
+                  <a:srgbClr val="374151"/>
+                </a:solidFill>
+                <a:latin typeface="Söhne"/>
+              </a:rPr>
+              <a:t> in python, </a:t>
+            </a:r>
+            <a:r>
+              <a:rPr lang="en-GB" dirty="0" err="1">
+                <a:solidFill>
+                  <a:srgbClr val="374151"/>
+                </a:solidFill>
+                <a:latin typeface="Söhne"/>
+              </a:rPr>
+              <a:t>ovvero</a:t>
+            </a:r>
+            <a:r>
+              <a:rPr lang="en-GB" dirty="0">
+                <a:solidFill>
+                  <a:srgbClr val="374151"/>
+                </a:solidFill>
+                <a:latin typeface="Söhne"/>
+              </a:rPr>
+              <a:t> </a:t>
+            </a:r>
+            <a:r>
+              <a:rPr lang="en-GB" dirty="0" err="1">
+                <a:solidFill>
+                  <a:srgbClr val="374151"/>
+                </a:solidFill>
+                <a:latin typeface="Söhne"/>
+              </a:rPr>
+              <a:t>l’uso</a:t>
+            </a:r>
+            <a:r>
+              <a:rPr lang="en-GB" dirty="0">
+                <a:solidFill>
+                  <a:srgbClr val="374151"/>
+                </a:solidFill>
+                <a:latin typeface="Söhne"/>
+              </a:rPr>
+              <a:t> di </a:t>
+            </a:r>
+            <a:r>
+              <a:rPr lang="en-GB" dirty="0" err="1">
+                <a:solidFill>
+                  <a:srgbClr val="374151"/>
+                </a:solidFill>
+                <a:latin typeface="Söhne"/>
+              </a:rPr>
+              <a:t>funzioni</a:t>
+            </a:r>
+            <a:r>
+              <a:rPr lang="en-GB" dirty="0">
+                <a:solidFill>
+                  <a:srgbClr val="374151"/>
+                </a:solidFill>
+                <a:latin typeface="Söhne"/>
+              </a:rPr>
+              <a:t> e la </a:t>
+            </a:r>
+            <a:r>
+              <a:rPr lang="en-GB" dirty="0" err="1">
+                <a:solidFill>
+                  <a:srgbClr val="374151"/>
+                </a:solidFill>
+                <a:latin typeface="Söhne"/>
+              </a:rPr>
+              <a:t>gestione</a:t>
+            </a:r>
+            <a:r>
+              <a:rPr lang="en-GB" dirty="0">
+                <a:solidFill>
+                  <a:srgbClr val="374151"/>
+                </a:solidFill>
+                <a:latin typeface="Söhne"/>
+              </a:rPr>
+              <a:t> </a:t>
+            </a:r>
+            <a:r>
+              <a:rPr lang="en-GB" dirty="0" err="1">
+                <a:solidFill>
+                  <a:srgbClr val="374151"/>
+                </a:solidFill>
+                <a:latin typeface="Söhne"/>
+              </a:rPr>
+              <a:t>delle</a:t>
+            </a:r>
+            <a:r>
+              <a:rPr lang="en-GB" dirty="0">
+                <a:solidFill>
+                  <a:srgbClr val="374151"/>
+                </a:solidFill>
+                <a:latin typeface="Söhne"/>
+              </a:rPr>
+              <a:t> </a:t>
+            </a:r>
+            <a:r>
+              <a:rPr lang="en-GB" dirty="0" err="1">
+                <a:solidFill>
+                  <a:srgbClr val="374151"/>
+                </a:solidFill>
+                <a:latin typeface="Söhne"/>
+              </a:rPr>
+              <a:t>eccezioni</a:t>
+            </a:r>
+            <a:r>
+              <a:rPr lang="en-GB" dirty="0">
+                <a:solidFill>
+                  <a:srgbClr val="374151"/>
+                </a:solidFill>
+                <a:latin typeface="Söhne"/>
+              </a:rPr>
+              <a:t> e </a:t>
+            </a:r>
+            <a:r>
+              <a:rPr lang="en-GB" dirty="0" err="1">
+                <a:solidFill>
+                  <a:srgbClr val="374151"/>
+                </a:solidFill>
+                <a:latin typeface="Söhne"/>
+              </a:rPr>
+              <a:t>degli</a:t>
+            </a:r>
+            <a:r>
+              <a:rPr lang="en-GB" dirty="0">
+                <a:solidFill>
+                  <a:srgbClr val="374151"/>
+                </a:solidFill>
+                <a:latin typeface="Söhne"/>
+              </a:rPr>
+              <a:t> </a:t>
+            </a:r>
+            <a:r>
+              <a:rPr lang="en-GB" dirty="0" err="1">
+                <a:solidFill>
+                  <a:srgbClr val="374151"/>
+                </a:solidFill>
+                <a:latin typeface="Söhne"/>
+              </a:rPr>
+              <a:t>errori</a:t>
+            </a:r>
+            <a:r>
+              <a:rPr lang="en-GB" dirty="0">
+                <a:solidFill>
+                  <a:srgbClr val="374151"/>
+                </a:solidFill>
+                <a:latin typeface="Söhne"/>
+              </a:rPr>
+              <a:t>. </a:t>
+            </a:r>
+          </a:p>
+          <a:p>
+            <a:pPr algn="l"/>
+            <a:endParaRPr lang="en-GB" dirty="0">
               <a:solidFill>
                 <a:srgbClr val="374151"/>
               </a:solidFill>
@@ -7106,375 +7545,633 @@
             </a:endParaRPr>
           </a:p>
           <a:p>
-            <a:r>
-              <a:rPr lang="it-IT" b="1" dirty="0" err="1">
-                <a:solidFill>
-                  <a:srgbClr val="374151"/>
-                </a:solidFill>
-                <a:latin typeface="Söhne"/>
-              </a:rPr>
-              <a:t>Git</a:t>
-            </a:r>
-            <a:r>
-              <a:rPr lang="it-IT" dirty="0">
-                <a:solidFill>
-                  <a:srgbClr val="374151"/>
-                </a:solidFill>
-                <a:latin typeface="Söhne"/>
-              </a:rPr>
-              <a:t> è un sistema di controllo versione distribuito per gestire le modifiche al codice</a:t>
-            </a:r>
-            <a:r>
-              <a:rPr lang="en-IT" dirty="0">
-                <a:solidFill>
-                  <a:srgbClr val="374151"/>
-                </a:solidFill>
-                <a:latin typeface="Söhne"/>
-              </a:rPr>
-              <a:t>, mentre </a:t>
-            </a:r>
-            <a:r>
-              <a:rPr lang="it-IT" dirty="0">
-                <a:solidFill>
-                  <a:srgbClr val="374151"/>
-                </a:solidFill>
-                <a:latin typeface="Söhne"/>
-              </a:rPr>
-              <a:t>GitHub è una piattaforma di hosting di repository </a:t>
-            </a:r>
-            <a:r>
-              <a:rPr lang="it-IT" dirty="0" err="1">
-                <a:solidFill>
-                  <a:srgbClr val="374151"/>
-                </a:solidFill>
-                <a:latin typeface="Söhne"/>
-              </a:rPr>
-              <a:t>Git</a:t>
-            </a:r>
-            <a:r>
-              <a:rPr lang="en-IT" dirty="0">
-                <a:solidFill>
-                  <a:srgbClr val="374151"/>
-                </a:solidFill>
-                <a:latin typeface="Söhne"/>
-              </a:rPr>
-              <a:t>, che permette </a:t>
-            </a:r>
-            <a:r>
-              <a:rPr lang="it-IT" dirty="0">
-                <a:solidFill>
-                  <a:srgbClr val="374151"/>
-                </a:solidFill>
-                <a:latin typeface="Söhne"/>
-              </a:rPr>
-              <a:t>agli sviluppatori di condividere e collaborare su progetti in modo efficiente.</a:t>
-            </a:r>
-            <a:endParaRPr lang="en-IT" dirty="0">
+            <a:pPr algn="l"/>
+            <a:r>
+              <a:rPr lang="en-GB" dirty="0">
+                <a:solidFill>
+                  <a:srgbClr val="374151"/>
+                </a:solidFill>
+                <a:latin typeface="Söhne"/>
+              </a:rPr>
+              <a:t>Le </a:t>
+            </a:r>
+            <a:r>
+              <a:rPr lang="en-GB" b="1" dirty="0" err="1">
+                <a:solidFill>
+                  <a:srgbClr val="374151"/>
+                </a:solidFill>
+                <a:latin typeface="Söhne"/>
+              </a:rPr>
+              <a:t>funzioni</a:t>
+            </a:r>
+            <a:r>
+              <a:rPr lang="en-GB" dirty="0">
+                <a:solidFill>
+                  <a:srgbClr val="374151"/>
+                </a:solidFill>
+                <a:latin typeface="Söhne"/>
+              </a:rPr>
+              <a:t> </a:t>
+            </a:r>
+            <a:r>
+              <a:rPr lang="en-GB" dirty="0" err="1">
+                <a:solidFill>
+                  <a:srgbClr val="374151"/>
+                </a:solidFill>
+                <a:latin typeface="Söhne"/>
+              </a:rPr>
+              <a:t>permettono</a:t>
+            </a:r>
+            <a:r>
+              <a:rPr lang="en-GB" dirty="0">
+                <a:solidFill>
+                  <a:srgbClr val="374151"/>
+                </a:solidFill>
+                <a:latin typeface="Söhne"/>
+              </a:rPr>
+              <a:t> di:</a:t>
+            </a:r>
+          </a:p>
+          <a:p>
+            <a:pPr algn="l"/>
+            <a:endParaRPr lang="en-GB" dirty="0">
+              <a:solidFill>
+                <a:srgbClr val="000000"/>
+              </a:solidFill>
+              <a:latin typeface="-webkit-standard"/>
+            </a:endParaRPr>
+          </a:p>
+          <a:p>
+            <a:pPr marL="285750" indent="-285750">
+              <a:buFont typeface="Arial" panose="020B0604020202020204" pitchFamily="34" charset="0"/>
+              <a:buChar char="•"/>
+            </a:pPr>
+            <a:r>
+              <a:rPr lang="en-GB" dirty="0" err="1">
+                <a:solidFill>
+                  <a:srgbClr val="374151"/>
+                </a:solidFill>
+                <a:latin typeface="Söhne"/>
+              </a:rPr>
+              <a:t>rendere</a:t>
+            </a:r>
+            <a:r>
+              <a:rPr lang="en-GB" dirty="0">
+                <a:solidFill>
+                  <a:srgbClr val="374151"/>
+                </a:solidFill>
+                <a:latin typeface="Söhne"/>
+              </a:rPr>
+              <a:t> il </a:t>
+            </a:r>
+            <a:r>
+              <a:rPr lang="en-GB" dirty="0" err="1">
+                <a:solidFill>
+                  <a:srgbClr val="374151"/>
+                </a:solidFill>
+                <a:latin typeface="Söhne"/>
+              </a:rPr>
+              <a:t>codice</a:t>
+            </a:r>
+            <a:r>
+              <a:rPr lang="en-GB" dirty="0">
+                <a:solidFill>
+                  <a:srgbClr val="374151"/>
+                </a:solidFill>
+                <a:latin typeface="Söhne"/>
+              </a:rPr>
+              <a:t> </a:t>
+            </a:r>
+            <a:r>
+              <a:rPr lang="en-GB" b="1" dirty="0" err="1">
+                <a:solidFill>
+                  <a:srgbClr val="374151"/>
+                </a:solidFill>
+                <a:latin typeface="Söhne"/>
+              </a:rPr>
+              <a:t>modulare</a:t>
+            </a:r>
+            <a:r>
+              <a:rPr lang="en-GB" dirty="0">
+                <a:solidFill>
+                  <a:srgbClr val="374151"/>
+                </a:solidFill>
+                <a:latin typeface="Söhne"/>
+              </a:rPr>
+              <a:t> e di </a:t>
+            </a:r>
+            <a:r>
+              <a:rPr lang="en-GB" dirty="0" err="1">
+                <a:solidFill>
+                  <a:srgbClr val="374151"/>
+                </a:solidFill>
+                <a:latin typeface="Söhne"/>
+              </a:rPr>
+              <a:t>conseguenza</a:t>
+            </a:r>
+            <a:r>
+              <a:rPr lang="en-GB" dirty="0">
+                <a:solidFill>
+                  <a:srgbClr val="374151"/>
+                </a:solidFill>
+                <a:latin typeface="Söhne"/>
+              </a:rPr>
+              <a:t> </a:t>
+            </a:r>
+            <a:r>
+              <a:rPr lang="en-GB" dirty="0" err="1">
+                <a:solidFill>
+                  <a:srgbClr val="374151"/>
+                </a:solidFill>
+                <a:latin typeface="Söhne"/>
+              </a:rPr>
+              <a:t>testabile</a:t>
+            </a:r>
+            <a:r>
+              <a:rPr lang="en-GB" dirty="0">
+                <a:solidFill>
+                  <a:srgbClr val="374151"/>
+                </a:solidFill>
+                <a:latin typeface="Söhne"/>
+              </a:rPr>
+              <a:t> e </a:t>
+            </a:r>
+            <a:r>
+              <a:rPr lang="en-GB" b="1" dirty="0" err="1">
+                <a:solidFill>
+                  <a:srgbClr val="374151"/>
+                </a:solidFill>
+                <a:latin typeface="Söhne"/>
+              </a:rPr>
+              <a:t>riutilizzabile</a:t>
+            </a:r>
+            <a:r>
+              <a:rPr lang="en-GB" dirty="0">
+                <a:solidFill>
+                  <a:srgbClr val="374151"/>
+                </a:solidFill>
+                <a:latin typeface="Söhne"/>
+              </a:rPr>
+              <a:t> senza </a:t>
+            </a:r>
+            <a:r>
+              <a:rPr lang="en-GB" dirty="0" err="1">
+                <a:solidFill>
+                  <a:srgbClr val="374151"/>
+                </a:solidFill>
+                <a:latin typeface="Söhne"/>
+              </a:rPr>
+              <a:t>ripetizioni</a:t>
+            </a:r>
+            <a:r>
+              <a:rPr lang="en-GB" dirty="0">
+                <a:solidFill>
+                  <a:srgbClr val="374151"/>
+                </a:solidFill>
+                <a:latin typeface="Söhne"/>
+              </a:rPr>
+              <a:t>, </a:t>
+            </a:r>
+            <a:r>
+              <a:rPr lang="en-GB" dirty="0" err="1">
+                <a:solidFill>
+                  <a:srgbClr val="374151"/>
+                </a:solidFill>
+                <a:latin typeface="Söhne"/>
+              </a:rPr>
+              <a:t>dunque</a:t>
+            </a:r>
+            <a:r>
+              <a:rPr lang="en-GB" dirty="0">
+                <a:solidFill>
+                  <a:srgbClr val="374151"/>
+                </a:solidFill>
+                <a:latin typeface="Söhne"/>
+              </a:rPr>
+              <a:t> </a:t>
+            </a:r>
+            <a:r>
+              <a:rPr lang="en-GB" dirty="0" err="1">
+                <a:solidFill>
+                  <a:srgbClr val="374151"/>
+                </a:solidFill>
+                <a:latin typeface="Söhne"/>
+              </a:rPr>
+              <a:t>più</a:t>
+            </a:r>
+            <a:r>
+              <a:rPr lang="en-GB" dirty="0">
+                <a:solidFill>
+                  <a:srgbClr val="374151"/>
+                </a:solidFill>
+                <a:latin typeface="Söhne"/>
+              </a:rPr>
+              <a:t> </a:t>
+            </a:r>
+            <a:r>
+              <a:rPr lang="en-GB" dirty="0" err="1">
+                <a:solidFill>
+                  <a:srgbClr val="374151"/>
+                </a:solidFill>
+                <a:latin typeface="Söhne"/>
+              </a:rPr>
+              <a:t>organizzato</a:t>
+            </a:r>
+            <a:r>
+              <a:rPr lang="en-GB" dirty="0">
+                <a:solidFill>
+                  <a:srgbClr val="374151"/>
+                </a:solidFill>
+                <a:latin typeface="Söhne"/>
+              </a:rPr>
+              <a:t> e </a:t>
+            </a:r>
+            <a:r>
+              <a:rPr lang="en-GB" b="1" dirty="0" err="1">
+                <a:solidFill>
+                  <a:srgbClr val="374151"/>
+                </a:solidFill>
+                <a:latin typeface="Söhne"/>
+              </a:rPr>
+              <a:t>leggibile</a:t>
+            </a:r>
+            <a:r>
+              <a:rPr lang="en-GB" dirty="0">
+                <a:solidFill>
+                  <a:srgbClr val="374151"/>
+                </a:solidFill>
+                <a:latin typeface="Söhne"/>
+              </a:rPr>
+              <a:t>. In </a:t>
+            </a:r>
+            <a:r>
+              <a:rPr lang="en-GB" dirty="0" err="1">
+                <a:solidFill>
+                  <a:srgbClr val="374151"/>
+                </a:solidFill>
+                <a:latin typeface="Söhne"/>
+              </a:rPr>
+              <a:t>più</a:t>
+            </a:r>
+            <a:r>
+              <a:rPr lang="en-GB" dirty="0">
+                <a:solidFill>
+                  <a:srgbClr val="374151"/>
+                </a:solidFill>
+                <a:latin typeface="Söhne"/>
+              </a:rPr>
+              <a:t> il </a:t>
+            </a:r>
+            <a:r>
+              <a:rPr lang="en-GB" dirty="0" err="1">
+                <a:solidFill>
+                  <a:srgbClr val="374151"/>
+                </a:solidFill>
+                <a:latin typeface="Söhne"/>
+              </a:rPr>
+              <a:t>codice</a:t>
+            </a:r>
+            <a:r>
+              <a:rPr lang="en-GB" dirty="0">
+                <a:solidFill>
+                  <a:srgbClr val="374151"/>
+                </a:solidFill>
+                <a:latin typeface="Söhne"/>
+              </a:rPr>
+              <a:t> </a:t>
+            </a:r>
+            <a:r>
+              <a:rPr lang="en-GB" dirty="0" err="1">
+                <a:solidFill>
+                  <a:srgbClr val="374151"/>
+                </a:solidFill>
+                <a:latin typeface="Söhne"/>
+              </a:rPr>
+              <a:t>è</a:t>
+            </a:r>
+            <a:r>
+              <a:rPr lang="en-GB" dirty="0">
+                <a:solidFill>
+                  <a:srgbClr val="374151"/>
+                </a:solidFill>
+                <a:latin typeface="Söhne"/>
+              </a:rPr>
+              <a:t> </a:t>
+            </a:r>
+            <a:r>
+              <a:rPr lang="en-GB" dirty="0" err="1">
+                <a:solidFill>
+                  <a:srgbClr val="374151"/>
+                </a:solidFill>
+                <a:latin typeface="Söhne"/>
+              </a:rPr>
+              <a:t>più</a:t>
+            </a:r>
+            <a:r>
+              <a:rPr lang="en-GB" dirty="0">
+                <a:solidFill>
+                  <a:srgbClr val="374151"/>
+                </a:solidFill>
+                <a:latin typeface="Söhne"/>
+              </a:rPr>
+              <a:t> </a:t>
+            </a:r>
+            <a:r>
+              <a:rPr lang="en-GB" dirty="0" err="1">
+                <a:solidFill>
+                  <a:srgbClr val="374151"/>
+                </a:solidFill>
+                <a:latin typeface="Söhne"/>
+              </a:rPr>
+              <a:t>facilmente</a:t>
+            </a:r>
+            <a:r>
+              <a:rPr lang="en-GB" dirty="0">
+                <a:solidFill>
+                  <a:srgbClr val="374151"/>
+                </a:solidFill>
+                <a:latin typeface="Söhne"/>
+              </a:rPr>
+              <a:t> </a:t>
+            </a:r>
+            <a:r>
+              <a:rPr lang="en-GB" dirty="0" err="1">
+                <a:solidFill>
+                  <a:srgbClr val="374151"/>
+                </a:solidFill>
+                <a:latin typeface="Söhne"/>
+              </a:rPr>
+              <a:t>modificabile</a:t>
+            </a:r>
+            <a:r>
+              <a:rPr lang="en-GB" dirty="0">
+                <a:solidFill>
+                  <a:srgbClr val="374151"/>
+                </a:solidFill>
+                <a:latin typeface="Söhne"/>
+              </a:rPr>
+              <a:t> </a:t>
+            </a:r>
+            <a:r>
+              <a:rPr lang="en-GB" dirty="0" err="1">
+                <a:solidFill>
+                  <a:srgbClr val="374151"/>
+                </a:solidFill>
+                <a:latin typeface="Söhne"/>
+              </a:rPr>
+              <a:t>tramite</a:t>
+            </a:r>
+            <a:r>
+              <a:rPr lang="en-GB" dirty="0">
+                <a:solidFill>
+                  <a:srgbClr val="374151"/>
+                </a:solidFill>
+                <a:latin typeface="Söhne"/>
+              </a:rPr>
+              <a:t> </a:t>
+            </a:r>
+            <a:r>
+              <a:rPr lang="en-GB" dirty="0" err="1">
+                <a:solidFill>
+                  <a:srgbClr val="374151"/>
+                </a:solidFill>
+                <a:latin typeface="Söhne"/>
+              </a:rPr>
+              <a:t>parametri</a:t>
+            </a:r>
+            <a:r>
+              <a:rPr lang="en-GB" dirty="0">
+                <a:solidFill>
+                  <a:srgbClr val="374151"/>
+                </a:solidFill>
+                <a:latin typeface="Söhne"/>
+              </a:rPr>
+              <a:t>.</a:t>
+            </a:r>
+          </a:p>
+          <a:p>
+            <a:pPr marL="285750" indent="-285750">
+              <a:buFont typeface="Arial" panose="020B0604020202020204" pitchFamily="34" charset="0"/>
+              <a:buChar char="•"/>
+            </a:pPr>
+            <a:r>
+              <a:rPr lang="en-GB" dirty="0" err="1">
+                <a:solidFill>
+                  <a:srgbClr val="374151"/>
+                </a:solidFill>
+                <a:latin typeface="Söhne"/>
+              </a:rPr>
+              <a:t>Mascherare</a:t>
+            </a:r>
+            <a:r>
+              <a:rPr lang="en-GB" dirty="0">
+                <a:solidFill>
+                  <a:srgbClr val="374151"/>
+                </a:solidFill>
+                <a:latin typeface="Söhne"/>
+              </a:rPr>
+              <a:t> la </a:t>
+            </a:r>
+            <a:r>
+              <a:rPr lang="en-GB" dirty="0" err="1">
+                <a:solidFill>
+                  <a:srgbClr val="374151"/>
+                </a:solidFill>
+                <a:latin typeface="Söhne"/>
+              </a:rPr>
+              <a:t>complessità</a:t>
+            </a:r>
+            <a:r>
+              <a:rPr lang="en-GB" dirty="0">
+                <a:solidFill>
+                  <a:srgbClr val="374151"/>
+                </a:solidFill>
+                <a:latin typeface="Söhne"/>
+              </a:rPr>
+              <a:t> e </a:t>
+            </a:r>
+            <a:r>
+              <a:rPr lang="en-GB" dirty="0" err="1">
+                <a:solidFill>
+                  <a:srgbClr val="374151"/>
+                </a:solidFill>
+                <a:latin typeface="Söhne"/>
+              </a:rPr>
+              <a:t>astrarre</a:t>
+            </a:r>
+            <a:r>
+              <a:rPr lang="en-GB" dirty="0">
+                <a:solidFill>
+                  <a:srgbClr val="374151"/>
+                </a:solidFill>
+                <a:latin typeface="Söhne"/>
+              </a:rPr>
+              <a:t> </a:t>
+            </a:r>
+            <a:r>
+              <a:rPr lang="en-GB" dirty="0" err="1">
+                <a:solidFill>
+                  <a:srgbClr val="374151"/>
+                </a:solidFill>
+                <a:latin typeface="Söhne"/>
+              </a:rPr>
+              <a:t>dai</a:t>
+            </a:r>
+            <a:r>
+              <a:rPr lang="en-GB" dirty="0">
+                <a:solidFill>
+                  <a:srgbClr val="374151"/>
+                </a:solidFill>
+                <a:latin typeface="Söhne"/>
+              </a:rPr>
+              <a:t> </a:t>
+            </a:r>
+            <a:r>
+              <a:rPr lang="en-GB" dirty="0" err="1">
+                <a:solidFill>
+                  <a:srgbClr val="374151"/>
+                </a:solidFill>
+                <a:latin typeface="Söhne"/>
+              </a:rPr>
+              <a:t>dettagli</a:t>
+            </a:r>
+            <a:r>
+              <a:rPr lang="en-GB" dirty="0">
+                <a:solidFill>
+                  <a:srgbClr val="374151"/>
+                </a:solidFill>
+                <a:latin typeface="Söhne"/>
+              </a:rPr>
+              <a:t>, </a:t>
+            </a:r>
+            <a:r>
+              <a:rPr lang="en-GB" dirty="0" err="1">
+                <a:solidFill>
+                  <a:srgbClr val="374151"/>
+                </a:solidFill>
+                <a:latin typeface="Söhne"/>
+              </a:rPr>
+              <a:t>rendendo</a:t>
+            </a:r>
+            <a:r>
+              <a:rPr lang="en-GB" dirty="0">
+                <a:solidFill>
+                  <a:srgbClr val="374151"/>
+                </a:solidFill>
+                <a:latin typeface="Söhne"/>
+              </a:rPr>
+              <a:t> il </a:t>
+            </a:r>
+            <a:r>
+              <a:rPr lang="en-GB" dirty="0" err="1">
+                <a:solidFill>
+                  <a:srgbClr val="374151"/>
+                </a:solidFill>
+                <a:latin typeface="Söhne"/>
+              </a:rPr>
+              <a:t>codice</a:t>
+            </a:r>
+            <a:r>
+              <a:rPr lang="en-GB" dirty="0">
+                <a:solidFill>
+                  <a:srgbClr val="374151"/>
+                </a:solidFill>
+                <a:latin typeface="Söhne"/>
+              </a:rPr>
+              <a:t> </a:t>
+            </a:r>
+            <a:r>
+              <a:rPr lang="en-GB" dirty="0" err="1">
+                <a:solidFill>
+                  <a:srgbClr val="374151"/>
+                </a:solidFill>
+                <a:latin typeface="Söhne"/>
+              </a:rPr>
+              <a:t>più</a:t>
+            </a:r>
+            <a:r>
+              <a:rPr lang="en-GB" dirty="0">
+                <a:solidFill>
+                  <a:srgbClr val="374151"/>
+                </a:solidFill>
+                <a:latin typeface="Söhne"/>
+              </a:rPr>
+              <a:t> </a:t>
+            </a:r>
+            <a:r>
+              <a:rPr lang="en-GB" dirty="0" err="1">
+                <a:solidFill>
+                  <a:srgbClr val="374151"/>
+                </a:solidFill>
+                <a:latin typeface="Söhne"/>
+              </a:rPr>
+              <a:t>leggibile</a:t>
+            </a:r>
+            <a:r>
+              <a:rPr lang="en-GB" dirty="0">
+                <a:solidFill>
+                  <a:srgbClr val="374151"/>
+                </a:solidFill>
+                <a:latin typeface="Söhne"/>
+              </a:rPr>
+              <a:t> e facile da </a:t>
+            </a:r>
+            <a:r>
+              <a:rPr lang="en-GB" dirty="0" err="1">
+                <a:solidFill>
+                  <a:srgbClr val="374151"/>
+                </a:solidFill>
+                <a:latin typeface="Söhne"/>
+              </a:rPr>
+              <a:t>utilizzare</a:t>
+            </a:r>
+            <a:r>
+              <a:rPr lang="en-GB" dirty="0">
+                <a:solidFill>
+                  <a:srgbClr val="374151"/>
+                </a:solidFill>
+                <a:latin typeface="Söhne"/>
+              </a:rPr>
+              <a:t> o </a:t>
+            </a:r>
+            <a:r>
+              <a:rPr lang="en-GB" dirty="0" err="1">
+                <a:solidFill>
+                  <a:srgbClr val="374151"/>
+                </a:solidFill>
+                <a:latin typeface="Söhne"/>
+              </a:rPr>
+              <a:t>estendere</a:t>
+            </a:r>
+            <a:r>
+              <a:rPr lang="en-GB" dirty="0">
+                <a:solidFill>
+                  <a:srgbClr val="374151"/>
+                </a:solidFill>
+                <a:latin typeface="Söhne"/>
+              </a:rPr>
+              <a:t>. </a:t>
+            </a:r>
+          </a:p>
+          <a:p>
+            <a:pPr marL="285750" indent="-285750" algn="l">
+              <a:buFontTx/>
+              <a:buChar char="-"/>
+            </a:pPr>
+            <a:endParaRPr lang="en-GB" b="0" i="0" dirty="0">
               <a:solidFill>
                 <a:srgbClr val="374151"/>
               </a:solidFill>
+              <a:effectLst/>
               <a:latin typeface="Söhne"/>
             </a:endParaRPr>
           </a:p>
-          <a:p>
-            <a:r>
-              <a:rPr lang="it-IT" dirty="0">
-                <a:solidFill>
-                  <a:srgbClr val="374151"/>
-                </a:solidFill>
-                <a:latin typeface="Söhne"/>
-              </a:rPr>
-              <a:t>Useremo una delle funzioni di </a:t>
-            </a:r>
-            <a:r>
-              <a:rPr lang="it-IT" dirty="0" err="1">
-                <a:solidFill>
-                  <a:srgbClr val="374151"/>
-                </a:solidFill>
-                <a:latin typeface="Söhne"/>
-              </a:rPr>
-              <a:t>git</a:t>
-            </a:r>
-            <a:r>
-              <a:rPr lang="it-IT" dirty="0">
-                <a:solidFill>
-                  <a:srgbClr val="374151"/>
-                </a:solidFill>
-                <a:latin typeface="Söhne"/>
-              </a:rPr>
-              <a:t>, </a:t>
-            </a:r>
-            <a:r>
-              <a:rPr lang="it-IT" i="1" dirty="0" err="1">
-                <a:solidFill>
-                  <a:srgbClr val="374151"/>
-                </a:solidFill>
-                <a:latin typeface="Söhne"/>
-              </a:rPr>
-              <a:t>git</a:t>
-            </a:r>
-            <a:r>
-              <a:rPr lang="it-IT" i="1" dirty="0">
-                <a:solidFill>
-                  <a:srgbClr val="374151"/>
-                </a:solidFill>
-                <a:latin typeface="Söhne"/>
-              </a:rPr>
-              <a:t> clone, </a:t>
-            </a:r>
-            <a:r>
-              <a:rPr lang="it-IT" dirty="0">
-                <a:solidFill>
-                  <a:srgbClr val="374151"/>
-                </a:solidFill>
-                <a:latin typeface="Söhne"/>
-              </a:rPr>
-              <a:t>per scaricare il materiale che ho caricato su una repository </a:t>
-            </a:r>
-            <a:r>
-              <a:rPr lang="it-IT" dirty="0" err="1">
-                <a:solidFill>
-                  <a:srgbClr val="374151"/>
-                </a:solidFill>
-                <a:latin typeface="Söhne"/>
-              </a:rPr>
-              <a:t>Github</a:t>
-            </a:r>
-            <a:r>
-              <a:rPr lang="en-IT" dirty="0">
-                <a:solidFill>
-                  <a:srgbClr val="374151"/>
-                </a:solidFill>
-                <a:latin typeface="Söhne"/>
-              </a:rPr>
-              <a:t>.</a:t>
-            </a:r>
-          </a:p>
-          <a:p>
-            <a:endParaRPr lang="en-IT" dirty="0">
-              <a:solidFill>
-                <a:srgbClr val="374151"/>
-              </a:solidFill>
-              <a:latin typeface="Söhne"/>
-            </a:endParaRPr>
-          </a:p>
-          <a:p>
-            <a:r>
-              <a:rPr lang="en-IT" dirty="0">
-                <a:solidFill>
-                  <a:srgbClr val="374151"/>
-                </a:solidFill>
-                <a:latin typeface="Söhne"/>
-              </a:rPr>
-              <a:t>Dalla schermata che si è aperta dopo aver eseguito jupyter notebook, apriamo un terminale (tasto new in alto a destra).</a:t>
-            </a:r>
-          </a:p>
-          <a:p>
-            <a:r>
-              <a:rPr lang="en-IT" dirty="0">
-                <a:solidFill>
-                  <a:srgbClr val="374151"/>
-                </a:solidFill>
-                <a:latin typeface="Söhne"/>
-              </a:rPr>
-              <a:t>Nel terminale eseguiamo il comando:</a:t>
-            </a:r>
-          </a:p>
-          <a:p>
-            <a:endParaRPr lang="en-IT" dirty="0">
-              <a:latin typeface="Calibri" panose="020F0502020204030204" pitchFamily="34" charset="0"/>
-              <a:cs typeface="Times New Roman" panose="02020603050405020304" pitchFamily="18" charset="0"/>
-            </a:endParaRPr>
-          </a:p>
-          <a:p>
-            <a:r>
-              <a:rPr lang="en-US" sz="1800" i="1" kern="100" dirty="0">
-                <a:effectLst/>
-                <a:latin typeface="Calibri" panose="020F0502020204030204" pitchFamily="34" charset="0"/>
-                <a:ea typeface="Calibri" panose="020F0502020204030204" pitchFamily="34" charset="0"/>
-                <a:cs typeface="Times New Roman" panose="02020603050405020304" pitchFamily="18" charset="0"/>
-              </a:rPr>
-              <a:t>git clone </a:t>
-            </a:r>
-            <a:r>
-              <a:rPr lang="en-US" sz="1800" u="sng" kern="100" dirty="0">
-                <a:solidFill>
-                  <a:srgbClr val="0563C1"/>
-                </a:solidFill>
-                <a:effectLst/>
-                <a:latin typeface="Calibri" panose="020F0502020204030204" pitchFamily="34" charset="0"/>
-                <a:ea typeface="Calibri" panose="020F0502020204030204" pitchFamily="34" charset="0"/>
-                <a:cs typeface="Times New Roman" panose="02020603050405020304" pitchFamily="18" charset="0"/>
-                <a:hlinkClick r:id="rId2"/>
-              </a:rPr>
-              <a:t>https://github.com/AndreaCorvaglia0/python-base</a:t>
-            </a:r>
-            <a:r>
-              <a:rPr lang="it-IT" sz="1800" kern="100" dirty="0">
-                <a:effectLst/>
-                <a:latin typeface="Calibri" panose="020F0502020204030204" pitchFamily="34" charset="0"/>
-                <a:ea typeface="Calibri" panose="020F0502020204030204" pitchFamily="34" charset="0"/>
-                <a:cs typeface="Times New Roman" panose="02020603050405020304" pitchFamily="18" charset="0"/>
-              </a:rPr>
-              <a:t> </a:t>
-            </a:r>
-            <a:endParaRPr lang="en-IT" sz="1800" kern="100" dirty="0">
-              <a:effectLst/>
-              <a:latin typeface="Calibri" panose="020F0502020204030204" pitchFamily="34" charset="0"/>
-              <a:ea typeface="Calibri" panose="020F0502020204030204" pitchFamily="34" charset="0"/>
-              <a:cs typeface="Times New Roman" panose="02020603050405020304" pitchFamily="18" charset="0"/>
-            </a:endParaRPr>
-          </a:p>
-          <a:p>
-            <a:endParaRPr lang="en-IT" dirty="0"/>
-          </a:p>
-          <a:p>
-            <a:r>
-              <a:rPr lang="it-IT" dirty="0">
-                <a:solidFill>
-                  <a:srgbClr val="374151"/>
-                </a:solidFill>
-                <a:latin typeface="Söhne"/>
-              </a:rPr>
-              <a:t>Nel caso in cui non risultasse installato </a:t>
-            </a:r>
-            <a:r>
-              <a:rPr lang="it-IT" dirty="0" err="1">
-                <a:solidFill>
-                  <a:srgbClr val="374151"/>
-                </a:solidFill>
-                <a:latin typeface="Söhne"/>
-              </a:rPr>
-              <a:t>git</a:t>
-            </a:r>
-            <a:r>
-              <a:rPr lang="it-IT" dirty="0">
-                <a:solidFill>
-                  <a:srgbClr val="374151"/>
-                </a:solidFill>
-                <a:latin typeface="Söhne"/>
-              </a:rPr>
-              <a:t>, basterà sempre da terminale installarlo usando </a:t>
-            </a:r>
-            <a:r>
-              <a:rPr lang="it-IT" dirty="0" err="1">
-                <a:solidFill>
-                  <a:srgbClr val="374151"/>
-                </a:solidFill>
-                <a:latin typeface="Söhne"/>
-              </a:rPr>
-              <a:t>conda</a:t>
-            </a:r>
-            <a:r>
-              <a:rPr lang="en-IT" dirty="0">
-                <a:solidFill>
-                  <a:srgbClr val="374151"/>
-                </a:solidFill>
-                <a:latin typeface="Söhne"/>
-              </a:rPr>
-              <a:t>:</a:t>
-            </a:r>
-          </a:p>
-          <a:p>
-            <a:endParaRPr lang="en-IT" sz="1800" kern="100" dirty="0">
-              <a:effectLst/>
-              <a:latin typeface="Calibri" panose="020F0502020204030204" pitchFamily="34" charset="0"/>
-              <a:ea typeface="Calibri" panose="020F0502020204030204" pitchFamily="34" charset="0"/>
-              <a:cs typeface="Times New Roman" panose="02020603050405020304" pitchFamily="18" charset="0"/>
-            </a:endParaRPr>
-          </a:p>
-          <a:p>
-            <a:r>
-              <a:rPr lang="it-IT" sz="1800" i="1" kern="100" dirty="0" err="1">
-                <a:effectLst/>
-                <a:latin typeface="Calibri" panose="020F0502020204030204" pitchFamily="34" charset="0"/>
-                <a:ea typeface="Calibri" panose="020F0502020204030204" pitchFamily="34" charset="0"/>
-                <a:cs typeface="Times New Roman" panose="02020603050405020304" pitchFamily="18" charset="0"/>
-              </a:rPr>
-              <a:t>conda</a:t>
-            </a:r>
-            <a:r>
-              <a:rPr lang="it-IT" sz="1800" i="1" kern="100" dirty="0">
-                <a:effectLst/>
-                <a:latin typeface="Calibri" panose="020F0502020204030204" pitchFamily="34" charset="0"/>
-                <a:ea typeface="Calibri" panose="020F0502020204030204" pitchFamily="34" charset="0"/>
-                <a:cs typeface="Times New Roman" panose="02020603050405020304" pitchFamily="18" charset="0"/>
-              </a:rPr>
-              <a:t> </a:t>
-            </a:r>
-            <a:r>
-              <a:rPr lang="it-IT" sz="1800" i="1" kern="100" dirty="0" err="1">
-                <a:effectLst/>
-                <a:latin typeface="Calibri" panose="020F0502020204030204" pitchFamily="34" charset="0"/>
-                <a:ea typeface="Calibri" panose="020F0502020204030204" pitchFamily="34" charset="0"/>
-                <a:cs typeface="Times New Roman" panose="02020603050405020304" pitchFamily="18" charset="0"/>
-              </a:rPr>
-              <a:t>install</a:t>
-            </a:r>
-            <a:r>
-              <a:rPr lang="it-IT" sz="1800" i="1" kern="100" dirty="0">
-                <a:effectLst/>
-                <a:latin typeface="Calibri" panose="020F0502020204030204" pitchFamily="34" charset="0"/>
-                <a:ea typeface="Calibri" panose="020F0502020204030204" pitchFamily="34" charset="0"/>
-                <a:cs typeface="Times New Roman" panose="02020603050405020304" pitchFamily="18" charset="0"/>
-              </a:rPr>
-              <a:t> -c anaconda </a:t>
-            </a:r>
-            <a:r>
-              <a:rPr lang="it-IT" sz="1800" i="1" kern="100" dirty="0" err="1">
-                <a:effectLst/>
-                <a:latin typeface="Calibri" panose="020F0502020204030204" pitchFamily="34" charset="0"/>
-                <a:ea typeface="Calibri" panose="020F0502020204030204" pitchFamily="34" charset="0"/>
-                <a:cs typeface="Times New Roman" panose="02020603050405020304" pitchFamily="18" charset="0"/>
-              </a:rPr>
-              <a:t>git</a:t>
-            </a:r>
-            <a:endParaRPr lang="en-IT" sz="1800" i="1" kern="100" dirty="0">
-              <a:effectLst/>
-              <a:latin typeface="Calibri" panose="020F0502020204030204" pitchFamily="34" charset="0"/>
-              <a:ea typeface="Calibri" panose="020F0502020204030204" pitchFamily="34" charset="0"/>
-              <a:cs typeface="Times New Roman" panose="02020603050405020304" pitchFamily="18" charset="0"/>
-            </a:endParaRPr>
-          </a:p>
-          <a:p>
-            <a:endParaRPr lang="en-IT" dirty="0"/>
-          </a:p>
         </p:txBody>
       </p:sp>
-      <p:pic>
-        <p:nvPicPr>
-          <p:cNvPr id="4" name="Picture 3">
-            <a:extLst>
-              <a:ext uri="{FF2B5EF4-FFF2-40B4-BE49-F238E27FC236}">
-                <a16:creationId xmlns:a16="http://schemas.microsoft.com/office/drawing/2014/main" id="{7AECE1EB-CF63-DC28-FF98-D11FAB1033F1}"/>
-              </a:ext>
-            </a:extLst>
-          </p:cNvPr>
-          <p:cNvPicPr>
-            <a:picLocks noChangeAspect="1"/>
-          </p:cNvPicPr>
-          <p:nvPr/>
-        </p:nvPicPr>
-        <p:blipFill>
-          <a:blip r:embed="rId3"/>
-          <a:stretch>
-            <a:fillRect/>
-          </a:stretch>
-        </p:blipFill>
-        <p:spPr>
-          <a:xfrm>
-            <a:off x="10378440" y="3838175"/>
-            <a:ext cx="1661921" cy="1870475"/>
-          </a:xfrm>
-          <a:prstGeom prst="rect">
-            <a:avLst/>
-          </a:prstGeom>
-        </p:spPr>
-      </p:pic>
     </p:spTree>
     <p:extLst>
       <p:ext uri="{BB962C8B-B14F-4D97-AF65-F5344CB8AC3E}">
-        <p14:creationId xmlns:p14="http://schemas.microsoft.com/office/powerpoint/2010/main" val="3120711540"/>
+        <p14:creationId xmlns:p14="http://schemas.microsoft.com/office/powerpoint/2010/main" val="106092832"/>
       </p:ext>
     </p:extLst>
   </p:cSld>
@@ -7516,7 +8213,7 @@
         <p:spPr>
           <a:xfrm>
             <a:off x="606829" y="426315"/>
-            <a:ext cx="3108543" cy="369332"/>
+            <a:ext cx="4039888" cy="646331"/>
           </a:xfrm>
           <a:prstGeom prst="rect">
             <a:avLst/>
@@ -7531,1207 +8228,13 @@
           <a:p>
             <a:r>
               <a:rPr lang="en-IT" dirty="0"/>
-              <a:t>INTRODUZIONE GIORNO 2</a:t>
-            </a:r>
-          </a:p>
-        </p:txBody>
-      </p:sp>
-      <p:sp>
-        <p:nvSpPr>
-          <p:cNvPr id="4" name="TextBox 3">
-            <a:extLst>
-              <a:ext uri="{FF2B5EF4-FFF2-40B4-BE49-F238E27FC236}">
-                <a16:creationId xmlns:a16="http://schemas.microsoft.com/office/drawing/2014/main" id="{ABF4E3CA-9D35-82E8-9523-56C21A80ACE9}"/>
-              </a:ext>
-            </a:extLst>
-          </p:cNvPr>
-          <p:cNvSpPr txBox="1"/>
-          <p:nvPr/>
-        </p:nvSpPr>
-        <p:spPr>
-          <a:xfrm>
-            <a:off x="606829" y="1033391"/>
-            <a:ext cx="10750019" cy="3139321"/>
-          </a:xfrm>
-          <a:prstGeom prst="rect">
-            <a:avLst/>
-          </a:prstGeom>
-          <a:noFill/>
-        </p:spPr>
-        <p:txBody>
-          <a:bodyPr wrap="square">
-            <a:spAutoFit/>
-          </a:bodyPr>
-          <a:lstStyle/>
-          <a:p>
-            <a:pPr algn="l"/>
-            <a:r>
-              <a:rPr lang="en-GB" dirty="0" err="1">
-                <a:solidFill>
-                  <a:srgbClr val="374151"/>
-                </a:solidFill>
-                <a:latin typeface="Söhne"/>
-              </a:rPr>
-              <a:t>Oggi</a:t>
-            </a:r>
-            <a:r>
-              <a:rPr lang="en-GB" dirty="0">
-                <a:solidFill>
-                  <a:srgbClr val="374151"/>
-                </a:solidFill>
-                <a:latin typeface="Söhne"/>
-              </a:rPr>
-              <a:t> </a:t>
-            </a:r>
-            <a:r>
-              <a:rPr lang="en-GB" dirty="0" err="1">
-                <a:solidFill>
-                  <a:srgbClr val="374151"/>
-                </a:solidFill>
-                <a:latin typeface="Söhne"/>
-              </a:rPr>
-              <a:t>tratteremo</a:t>
-            </a:r>
-            <a:r>
-              <a:rPr lang="en-GB" dirty="0">
-                <a:solidFill>
-                  <a:srgbClr val="374151"/>
-                </a:solidFill>
-                <a:latin typeface="Söhne"/>
-              </a:rPr>
-              <a:t> le diverse </a:t>
-            </a:r>
-            <a:r>
-              <a:rPr lang="en-GB" dirty="0" err="1">
-                <a:solidFill>
-                  <a:srgbClr val="374151"/>
-                </a:solidFill>
-                <a:latin typeface="Söhne"/>
-              </a:rPr>
-              <a:t>strutture</a:t>
-            </a:r>
-            <a:r>
-              <a:rPr lang="en-GB" dirty="0">
-                <a:solidFill>
-                  <a:srgbClr val="374151"/>
-                </a:solidFill>
-                <a:latin typeface="Söhne"/>
-              </a:rPr>
-              <a:t> </a:t>
-            </a:r>
-            <a:r>
-              <a:rPr lang="en-GB" dirty="0" err="1">
-                <a:solidFill>
-                  <a:srgbClr val="374151"/>
-                </a:solidFill>
-                <a:latin typeface="Söhne"/>
-              </a:rPr>
-              <a:t>dati</a:t>
-            </a:r>
-            <a:r>
-              <a:rPr lang="en-GB" dirty="0">
-                <a:solidFill>
-                  <a:srgbClr val="374151"/>
-                </a:solidFill>
-                <a:latin typeface="Söhne"/>
-              </a:rPr>
-              <a:t> in python e il </a:t>
-            </a:r>
-            <a:r>
-              <a:rPr lang="en-GB" dirty="0" err="1">
-                <a:solidFill>
-                  <a:srgbClr val="374151"/>
-                </a:solidFill>
-                <a:latin typeface="Söhne"/>
-              </a:rPr>
-              <a:t>loro</a:t>
-            </a:r>
-            <a:r>
-              <a:rPr lang="en-GB" dirty="0">
-                <a:solidFill>
-                  <a:srgbClr val="374151"/>
-                </a:solidFill>
-                <a:latin typeface="Söhne"/>
-              </a:rPr>
-              <a:t> </a:t>
-            </a:r>
-            <a:r>
-              <a:rPr lang="en-GB" dirty="0" err="1">
-                <a:solidFill>
-                  <a:srgbClr val="374151"/>
-                </a:solidFill>
-                <a:latin typeface="Söhne"/>
-              </a:rPr>
-              <a:t>utilizzo</a:t>
-            </a:r>
-            <a:r>
-              <a:rPr lang="en-GB" dirty="0">
-                <a:solidFill>
-                  <a:srgbClr val="374151"/>
-                </a:solidFill>
-                <a:latin typeface="Söhne"/>
-              </a:rPr>
-              <a:t> (</a:t>
-            </a:r>
-            <a:r>
-              <a:rPr lang="en-GB" dirty="0" err="1">
-                <a:solidFill>
-                  <a:srgbClr val="374151"/>
-                </a:solidFill>
-                <a:latin typeface="Söhne"/>
-              </a:rPr>
-              <a:t>liste</a:t>
-            </a:r>
-            <a:r>
-              <a:rPr lang="en-GB" dirty="0">
-                <a:solidFill>
-                  <a:srgbClr val="374151"/>
-                </a:solidFill>
-                <a:latin typeface="Söhne"/>
-              </a:rPr>
-              <a:t>, tuple, </a:t>
-            </a:r>
-            <a:r>
-              <a:rPr lang="en-GB" dirty="0" err="1">
-                <a:solidFill>
-                  <a:srgbClr val="374151"/>
-                </a:solidFill>
-                <a:latin typeface="Söhne"/>
-              </a:rPr>
-              <a:t>dizionari</a:t>
-            </a:r>
-            <a:r>
-              <a:rPr lang="en-GB" dirty="0">
-                <a:solidFill>
-                  <a:srgbClr val="374151"/>
-                </a:solidFill>
-                <a:latin typeface="Söhne"/>
-              </a:rPr>
-              <a:t>, set). </a:t>
-            </a:r>
-          </a:p>
-          <a:p>
-            <a:pPr algn="l"/>
-            <a:r>
-              <a:rPr lang="en-GB" dirty="0" err="1">
-                <a:solidFill>
-                  <a:srgbClr val="374151"/>
-                </a:solidFill>
-                <a:latin typeface="Söhne"/>
-              </a:rPr>
-              <a:t>Oltre</a:t>
-            </a:r>
-            <a:r>
-              <a:rPr lang="en-GB" dirty="0">
-                <a:solidFill>
-                  <a:srgbClr val="374151"/>
-                </a:solidFill>
-                <a:latin typeface="Söhne"/>
-              </a:rPr>
-              <a:t> a </a:t>
-            </a:r>
-            <a:r>
-              <a:rPr lang="en-GB" dirty="0" err="1">
-                <a:solidFill>
-                  <a:srgbClr val="374151"/>
-                </a:solidFill>
-                <a:latin typeface="Söhne"/>
-              </a:rPr>
-              <a:t>questo</a:t>
-            </a:r>
-            <a:r>
-              <a:rPr lang="en-GB" dirty="0">
-                <a:solidFill>
-                  <a:srgbClr val="374151"/>
-                </a:solidFill>
-                <a:latin typeface="Söhne"/>
-              </a:rPr>
-              <a:t> </a:t>
-            </a:r>
-            <a:r>
-              <a:rPr lang="en-GB" dirty="0" err="1">
-                <a:solidFill>
-                  <a:srgbClr val="374151"/>
-                </a:solidFill>
-                <a:latin typeface="Söhne"/>
-              </a:rPr>
-              <a:t>tratteremo</a:t>
-            </a:r>
-            <a:r>
-              <a:rPr lang="en-GB" dirty="0">
-                <a:solidFill>
-                  <a:srgbClr val="374151"/>
-                </a:solidFill>
-                <a:latin typeface="Söhne"/>
-              </a:rPr>
-              <a:t> due </a:t>
-            </a:r>
-            <a:r>
-              <a:rPr lang="en-GB" dirty="0" err="1">
-                <a:solidFill>
-                  <a:srgbClr val="374151"/>
-                </a:solidFill>
-                <a:latin typeface="Söhne"/>
-              </a:rPr>
-              <a:t>argomenti</a:t>
-            </a:r>
-            <a:r>
-              <a:rPr lang="en-GB" dirty="0">
-                <a:solidFill>
-                  <a:srgbClr val="374151"/>
-                </a:solidFill>
-                <a:latin typeface="Söhne"/>
-              </a:rPr>
-              <a:t> </a:t>
-            </a:r>
-            <a:r>
-              <a:rPr lang="en-GB" dirty="0" err="1">
-                <a:solidFill>
-                  <a:srgbClr val="374151"/>
-                </a:solidFill>
-                <a:latin typeface="Söhne"/>
-              </a:rPr>
-              <a:t>fondamentali</a:t>
-            </a:r>
-            <a:r>
-              <a:rPr lang="en-GB" dirty="0">
-                <a:solidFill>
-                  <a:srgbClr val="374151"/>
-                </a:solidFill>
-                <a:latin typeface="Söhne"/>
-              </a:rPr>
-              <a:t> per </a:t>
-            </a:r>
-            <a:r>
-              <a:rPr lang="en-GB" dirty="0" err="1">
-                <a:solidFill>
-                  <a:srgbClr val="374151"/>
-                </a:solidFill>
-                <a:latin typeface="Söhne"/>
-              </a:rPr>
-              <a:t>scrivere</a:t>
-            </a:r>
-            <a:r>
-              <a:rPr lang="en-GB" dirty="0">
-                <a:solidFill>
-                  <a:srgbClr val="374151"/>
-                </a:solidFill>
-                <a:latin typeface="Söhne"/>
-              </a:rPr>
-              <a:t> </a:t>
-            </a:r>
-            <a:r>
-              <a:rPr lang="en-GB" dirty="0" err="1">
-                <a:solidFill>
-                  <a:srgbClr val="374151"/>
-                </a:solidFill>
-                <a:latin typeface="Söhne"/>
-              </a:rPr>
-              <a:t>programmi</a:t>
-            </a:r>
-            <a:r>
-              <a:rPr lang="en-GB" dirty="0">
-                <a:solidFill>
-                  <a:srgbClr val="374151"/>
-                </a:solidFill>
-                <a:latin typeface="Söhne"/>
-              </a:rPr>
-              <a:t> di </a:t>
-            </a:r>
-            <a:r>
-              <a:rPr lang="en-GB" dirty="0" err="1">
-                <a:solidFill>
-                  <a:srgbClr val="374151"/>
-                </a:solidFill>
-                <a:latin typeface="Söhne"/>
-              </a:rPr>
-              <a:t>una</a:t>
-            </a:r>
-            <a:r>
-              <a:rPr lang="en-GB" dirty="0">
-                <a:solidFill>
-                  <a:srgbClr val="374151"/>
-                </a:solidFill>
-                <a:latin typeface="Söhne"/>
-              </a:rPr>
-              <a:t> </a:t>
-            </a:r>
-            <a:r>
-              <a:rPr lang="en-GB" dirty="0" err="1">
-                <a:solidFill>
-                  <a:srgbClr val="374151"/>
-                </a:solidFill>
-                <a:latin typeface="Söhne"/>
-              </a:rPr>
-              <a:t>certa</a:t>
-            </a:r>
-            <a:r>
-              <a:rPr lang="en-GB" dirty="0">
-                <a:solidFill>
-                  <a:srgbClr val="374151"/>
-                </a:solidFill>
-                <a:latin typeface="Söhne"/>
-              </a:rPr>
-              <a:t> </a:t>
-            </a:r>
-            <a:r>
-              <a:rPr lang="en-GB" dirty="0" err="1">
-                <a:solidFill>
-                  <a:srgbClr val="374151"/>
-                </a:solidFill>
-                <a:latin typeface="Söhne"/>
-              </a:rPr>
-              <a:t>complessità</a:t>
-            </a:r>
-            <a:r>
-              <a:rPr lang="en-GB" dirty="0">
-                <a:solidFill>
-                  <a:srgbClr val="374151"/>
-                </a:solidFill>
-                <a:latin typeface="Söhne"/>
-              </a:rPr>
-              <a:t> in python, </a:t>
-            </a:r>
-            <a:r>
-              <a:rPr lang="en-GB" dirty="0" err="1">
-                <a:solidFill>
-                  <a:srgbClr val="374151"/>
-                </a:solidFill>
-                <a:latin typeface="Söhne"/>
-              </a:rPr>
-              <a:t>ovvero</a:t>
-            </a:r>
-            <a:r>
-              <a:rPr lang="en-GB" dirty="0">
-                <a:solidFill>
-                  <a:srgbClr val="374151"/>
-                </a:solidFill>
-                <a:latin typeface="Söhne"/>
-              </a:rPr>
-              <a:t> </a:t>
-            </a:r>
-            <a:r>
-              <a:rPr lang="en-GB" dirty="0" err="1">
-                <a:solidFill>
-                  <a:srgbClr val="374151"/>
-                </a:solidFill>
-                <a:latin typeface="Söhne"/>
-              </a:rPr>
-              <a:t>l’uso</a:t>
-            </a:r>
-            <a:r>
-              <a:rPr lang="en-GB" dirty="0">
-                <a:solidFill>
-                  <a:srgbClr val="374151"/>
-                </a:solidFill>
-                <a:latin typeface="Söhne"/>
-              </a:rPr>
-              <a:t> di </a:t>
-            </a:r>
-            <a:r>
-              <a:rPr lang="en-GB" dirty="0" err="1">
-                <a:solidFill>
-                  <a:srgbClr val="374151"/>
-                </a:solidFill>
-                <a:latin typeface="Söhne"/>
-              </a:rPr>
-              <a:t>funzioni</a:t>
-            </a:r>
-            <a:r>
-              <a:rPr lang="en-GB" dirty="0">
-                <a:solidFill>
-                  <a:srgbClr val="374151"/>
-                </a:solidFill>
-                <a:latin typeface="Söhne"/>
-              </a:rPr>
-              <a:t> e la </a:t>
-            </a:r>
-            <a:r>
-              <a:rPr lang="en-GB" dirty="0" err="1">
-                <a:solidFill>
-                  <a:srgbClr val="374151"/>
-                </a:solidFill>
-                <a:latin typeface="Söhne"/>
-              </a:rPr>
-              <a:t>gestione</a:t>
-            </a:r>
-            <a:r>
-              <a:rPr lang="en-GB" dirty="0">
-                <a:solidFill>
-                  <a:srgbClr val="374151"/>
-                </a:solidFill>
-                <a:latin typeface="Söhne"/>
-              </a:rPr>
-              <a:t> </a:t>
-            </a:r>
-            <a:r>
-              <a:rPr lang="en-GB" dirty="0" err="1">
-                <a:solidFill>
-                  <a:srgbClr val="374151"/>
-                </a:solidFill>
-                <a:latin typeface="Söhne"/>
-              </a:rPr>
-              <a:t>delle</a:t>
-            </a:r>
-            <a:r>
-              <a:rPr lang="en-GB" dirty="0">
-                <a:solidFill>
-                  <a:srgbClr val="374151"/>
-                </a:solidFill>
-                <a:latin typeface="Söhne"/>
-              </a:rPr>
-              <a:t> </a:t>
-            </a:r>
-            <a:r>
-              <a:rPr lang="en-GB" dirty="0" err="1">
-                <a:solidFill>
-                  <a:srgbClr val="374151"/>
-                </a:solidFill>
-                <a:latin typeface="Söhne"/>
-              </a:rPr>
-              <a:t>eccezioni</a:t>
-            </a:r>
-            <a:r>
-              <a:rPr lang="en-GB" dirty="0">
-                <a:solidFill>
-                  <a:srgbClr val="374151"/>
-                </a:solidFill>
-                <a:latin typeface="Söhne"/>
-              </a:rPr>
-              <a:t> e </a:t>
-            </a:r>
-            <a:r>
-              <a:rPr lang="en-GB" dirty="0" err="1">
-                <a:solidFill>
-                  <a:srgbClr val="374151"/>
-                </a:solidFill>
-                <a:latin typeface="Söhne"/>
-              </a:rPr>
-              <a:t>degli</a:t>
-            </a:r>
-            <a:r>
-              <a:rPr lang="en-GB" dirty="0">
-                <a:solidFill>
-                  <a:srgbClr val="374151"/>
-                </a:solidFill>
-                <a:latin typeface="Söhne"/>
-              </a:rPr>
-              <a:t> </a:t>
-            </a:r>
-            <a:r>
-              <a:rPr lang="en-GB" dirty="0" err="1">
-                <a:solidFill>
-                  <a:srgbClr val="374151"/>
-                </a:solidFill>
-                <a:latin typeface="Söhne"/>
-              </a:rPr>
-              <a:t>errori</a:t>
-            </a:r>
-            <a:r>
-              <a:rPr lang="en-GB" dirty="0">
-                <a:solidFill>
-                  <a:srgbClr val="374151"/>
-                </a:solidFill>
-                <a:latin typeface="Söhne"/>
-              </a:rPr>
-              <a:t>. </a:t>
-            </a:r>
-          </a:p>
-          <a:p>
-            <a:pPr algn="l"/>
-            <a:endParaRPr lang="en-GB" dirty="0">
-              <a:solidFill>
-                <a:srgbClr val="374151"/>
-              </a:solidFill>
-              <a:latin typeface="Söhne"/>
-            </a:endParaRPr>
-          </a:p>
-          <a:p>
-            <a:pPr algn="l"/>
-            <a:r>
-              <a:rPr lang="en-GB" dirty="0">
-                <a:solidFill>
-                  <a:srgbClr val="374151"/>
-                </a:solidFill>
-                <a:latin typeface="Söhne"/>
-              </a:rPr>
-              <a:t>Le </a:t>
-            </a:r>
-            <a:r>
-              <a:rPr lang="en-GB" b="1" dirty="0" err="1">
-                <a:solidFill>
-                  <a:srgbClr val="374151"/>
-                </a:solidFill>
-                <a:latin typeface="Söhne"/>
-              </a:rPr>
-              <a:t>funzioni</a:t>
-            </a:r>
-            <a:r>
-              <a:rPr lang="en-GB" dirty="0">
-                <a:solidFill>
-                  <a:srgbClr val="374151"/>
-                </a:solidFill>
-                <a:latin typeface="Söhne"/>
-              </a:rPr>
-              <a:t> </a:t>
-            </a:r>
-            <a:r>
-              <a:rPr lang="en-GB" dirty="0" err="1">
-                <a:solidFill>
-                  <a:srgbClr val="374151"/>
-                </a:solidFill>
-                <a:latin typeface="Söhne"/>
-              </a:rPr>
-              <a:t>permettono</a:t>
-            </a:r>
-            <a:r>
-              <a:rPr lang="en-GB" dirty="0">
-                <a:solidFill>
-                  <a:srgbClr val="374151"/>
-                </a:solidFill>
-                <a:latin typeface="Söhne"/>
-              </a:rPr>
-              <a:t> di:</a:t>
-            </a:r>
-          </a:p>
-          <a:p>
-            <a:pPr algn="l"/>
-            <a:endParaRPr lang="en-GB" dirty="0">
-              <a:solidFill>
-                <a:srgbClr val="000000"/>
-              </a:solidFill>
-              <a:latin typeface="-webkit-standard"/>
-            </a:endParaRPr>
-          </a:p>
-          <a:p>
-            <a:pPr marL="285750" indent="-285750">
-              <a:buFont typeface="Arial" panose="020B0604020202020204" pitchFamily="34" charset="0"/>
-              <a:buChar char="•"/>
-            </a:pPr>
-            <a:r>
-              <a:rPr lang="en-GB" dirty="0" err="1">
-                <a:solidFill>
-                  <a:srgbClr val="374151"/>
-                </a:solidFill>
-                <a:latin typeface="Söhne"/>
-              </a:rPr>
-              <a:t>rendere</a:t>
-            </a:r>
-            <a:r>
-              <a:rPr lang="en-GB" dirty="0">
-                <a:solidFill>
-                  <a:srgbClr val="374151"/>
-                </a:solidFill>
-                <a:latin typeface="Söhne"/>
-              </a:rPr>
-              <a:t> il </a:t>
-            </a:r>
-            <a:r>
-              <a:rPr lang="en-GB" dirty="0" err="1">
-                <a:solidFill>
-                  <a:srgbClr val="374151"/>
-                </a:solidFill>
-                <a:latin typeface="Söhne"/>
-              </a:rPr>
-              <a:t>codice</a:t>
-            </a:r>
-            <a:r>
-              <a:rPr lang="en-GB" dirty="0">
-                <a:solidFill>
-                  <a:srgbClr val="374151"/>
-                </a:solidFill>
-                <a:latin typeface="Söhne"/>
-              </a:rPr>
-              <a:t> </a:t>
-            </a:r>
-            <a:r>
-              <a:rPr lang="en-GB" b="1" dirty="0" err="1">
-                <a:solidFill>
-                  <a:srgbClr val="374151"/>
-                </a:solidFill>
-                <a:latin typeface="Söhne"/>
-              </a:rPr>
-              <a:t>modulare</a:t>
-            </a:r>
-            <a:r>
-              <a:rPr lang="en-GB" dirty="0">
-                <a:solidFill>
-                  <a:srgbClr val="374151"/>
-                </a:solidFill>
-                <a:latin typeface="Söhne"/>
-              </a:rPr>
-              <a:t> e di </a:t>
-            </a:r>
-            <a:r>
-              <a:rPr lang="en-GB" dirty="0" err="1">
-                <a:solidFill>
-                  <a:srgbClr val="374151"/>
-                </a:solidFill>
-                <a:latin typeface="Söhne"/>
-              </a:rPr>
-              <a:t>conseguenza</a:t>
-            </a:r>
-            <a:r>
-              <a:rPr lang="en-GB" dirty="0">
-                <a:solidFill>
-                  <a:srgbClr val="374151"/>
-                </a:solidFill>
-                <a:latin typeface="Söhne"/>
-              </a:rPr>
-              <a:t> </a:t>
-            </a:r>
-            <a:r>
-              <a:rPr lang="en-GB" dirty="0" err="1">
-                <a:solidFill>
-                  <a:srgbClr val="374151"/>
-                </a:solidFill>
-                <a:latin typeface="Söhne"/>
-              </a:rPr>
-              <a:t>testabile</a:t>
-            </a:r>
-            <a:r>
-              <a:rPr lang="en-GB" dirty="0">
-                <a:solidFill>
-                  <a:srgbClr val="374151"/>
-                </a:solidFill>
-                <a:latin typeface="Söhne"/>
-              </a:rPr>
-              <a:t> e </a:t>
-            </a:r>
-            <a:r>
-              <a:rPr lang="en-GB" b="1" dirty="0" err="1">
-                <a:solidFill>
-                  <a:srgbClr val="374151"/>
-                </a:solidFill>
-                <a:latin typeface="Söhne"/>
-              </a:rPr>
-              <a:t>riutilizzabile</a:t>
-            </a:r>
-            <a:r>
-              <a:rPr lang="en-GB" dirty="0">
-                <a:solidFill>
-                  <a:srgbClr val="374151"/>
-                </a:solidFill>
-                <a:latin typeface="Söhne"/>
-              </a:rPr>
-              <a:t> senza </a:t>
-            </a:r>
-            <a:r>
-              <a:rPr lang="en-GB" dirty="0" err="1">
-                <a:solidFill>
-                  <a:srgbClr val="374151"/>
-                </a:solidFill>
-                <a:latin typeface="Söhne"/>
-              </a:rPr>
-              <a:t>ripetizioni</a:t>
-            </a:r>
-            <a:r>
-              <a:rPr lang="en-GB" dirty="0">
-                <a:solidFill>
-                  <a:srgbClr val="374151"/>
-                </a:solidFill>
-                <a:latin typeface="Söhne"/>
-              </a:rPr>
-              <a:t>, </a:t>
-            </a:r>
-            <a:r>
-              <a:rPr lang="en-GB" dirty="0" err="1">
-                <a:solidFill>
-                  <a:srgbClr val="374151"/>
-                </a:solidFill>
-                <a:latin typeface="Söhne"/>
-              </a:rPr>
-              <a:t>dunque</a:t>
-            </a:r>
-            <a:r>
-              <a:rPr lang="en-GB" dirty="0">
-                <a:solidFill>
-                  <a:srgbClr val="374151"/>
-                </a:solidFill>
-                <a:latin typeface="Söhne"/>
-              </a:rPr>
-              <a:t> </a:t>
-            </a:r>
-            <a:r>
-              <a:rPr lang="en-GB" dirty="0" err="1">
-                <a:solidFill>
-                  <a:srgbClr val="374151"/>
-                </a:solidFill>
-                <a:latin typeface="Söhne"/>
-              </a:rPr>
-              <a:t>più</a:t>
-            </a:r>
-            <a:r>
-              <a:rPr lang="en-GB" dirty="0">
-                <a:solidFill>
-                  <a:srgbClr val="374151"/>
-                </a:solidFill>
-                <a:latin typeface="Söhne"/>
-              </a:rPr>
-              <a:t> </a:t>
-            </a:r>
-            <a:r>
-              <a:rPr lang="en-GB" dirty="0" err="1">
-                <a:solidFill>
-                  <a:srgbClr val="374151"/>
-                </a:solidFill>
-                <a:latin typeface="Söhne"/>
-              </a:rPr>
-              <a:t>organizzato</a:t>
-            </a:r>
-            <a:r>
-              <a:rPr lang="en-GB" dirty="0">
-                <a:solidFill>
-                  <a:srgbClr val="374151"/>
-                </a:solidFill>
-                <a:latin typeface="Söhne"/>
-              </a:rPr>
-              <a:t> e </a:t>
-            </a:r>
-            <a:r>
-              <a:rPr lang="en-GB" b="1" dirty="0" err="1">
-                <a:solidFill>
-                  <a:srgbClr val="374151"/>
-                </a:solidFill>
-                <a:latin typeface="Söhne"/>
-              </a:rPr>
-              <a:t>leggibile</a:t>
-            </a:r>
-            <a:r>
-              <a:rPr lang="en-GB" dirty="0">
-                <a:solidFill>
-                  <a:srgbClr val="374151"/>
-                </a:solidFill>
-                <a:latin typeface="Söhne"/>
-              </a:rPr>
-              <a:t>. In </a:t>
-            </a:r>
-            <a:r>
-              <a:rPr lang="en-GB" dirty="0" err="1">
-                <a:solidFill>
-                  <a:srgbClr val="374151"/>
-                </a:solidFill>
-                <a:latin typeface="Söhne"/>
-              </a:rPr>
-              <a:t>più</a:t>
-            </a:r>
-            <a:r>
-              <a:rPr lang="en-GB" dirty="0">
-                <a:solidFill>
-                  <a:srgbClr val="374151"/>
-                </a:solidFill>
-                <a:latin typeface="Söhne"/>
-              </a:rPr>
-              <a:t> il </a:t>
-            </a:r>
-            <a:r>
-              <a:rPr lang="en-GB" dirty="0" err="1">
-                <a:solidFill>
-                  <a:srgbClr val="374151"/>
-                </a:solidFill>
-                <a:latin typeface="Söhne"/>
-              </a:rPr>
-              <a:t>codice</a:t>
-            </a:r>
-            <a:r>
-              <a:rPr lang="en-GB" dirty="0">
-                <a:solidFill>
-                  <a:srgbClr val="374151"/>
-                </a:solidFill>
-                <a:latin typeface="Söhne"/>
-              </a:rPr>
-              <a:t> </a:t>
-            </a:r>
-            <a:r>
-              <a:rPr lang="en-GB" dirty="0" err="1">
-                <a:solidFill>
-                  <a:srgbClr val="374151"/>
-                </a:solidFill>
-                <a:latin typeface="Söhne"/>
-              </a:rPr>
-              <a:t>è</a:t>
-            </a:r>
-            <a:r>
-              <a:rPr lang="en-GB" dirty="0">
-                <a:solidFill>
-                  <a:srgbClr val="374151"/>
-                </a:solidFill>
-                <a:latin typeface="Söhne"/>
-              </a:rPr>
-              <a:t> </a:t>
-            </a:r>
-            <a:r>
-              <a:rPr lang="en-GB" dirty="0" err="1">
-                <a:solidFill>
-                  <a:srgbClr val="374151"/>
-                </a:solidFill>
-                <a:latin typeface="Söhne"/>
-              </a:rPr>
-              <a:t>più</a:t>
-            </a:r>
-            <a:r>
-              <a:rPr lang="en-GB" dirty="0">
-                <a:solidFill>
-                  <a:srgbClr val="374151"/>
-                </a:solidFill>
-                <a:latin typeface="Söhne"/>
-              </a:rPr>
-              <a:t> </a:t>
-            </a:r>
-            <a:r>
-              <a:rPr lang="en-GB" dirty="0" err="1">
-                <a:solidFill>
-                  <a:srgbClr val="374151"/>
-                </a:solidFill>
-                <a:latin typeface="Söhne"/>
-              </a:rPr>
-              <a:t>facilmente</a:t>
-            </a:r>
-            <a:r>
-              <a:rPr lang="en-GB" dirty="0">
-                <a:solidFill>
-                  <a:srgbClr val="374151"/>
-                </a:solidFill>
-                <a:latin typeface="Söhne"/>
-              </a:rPr>
-              <a:t> </a:t>
-            </a:r>
-            <a:r>
-              <a:rPr lang="en-GB" dirty="0" err="1">
-                <a:solidFill>
-                  <a:srgbClr val="374151"/>
-                </a:solidFill>
-                <a:latin typeface="Söhne"/>
-              </a:rPr>
-              <a:t>modificabile</a:t>
-            </a:r>
-            <a:r>
-              <a:rPr lang="en-GB" dirty="0">
-                <a:solidFill>
-                  <a:srgbClr val="374151"/>
-                </a:solidFill>
-                <a:latin typeface="Söhne"/>
-              </a:rPr>
-              <a:t> </a:t>
-            </a:r>
-            <a:r>
-              <a:rPr lang="en-GB" dirty="0" err="1">
-                <a:solidFill>
-                  <a:srgbClr val="374151"/>
-                </a:solidFill>
-                <a:latin typeface="Söhne"/>
-              </a:rPr>
-              <a:t>tramite</a:t>
-            </a:r>
-            <a:r>
-              <a:rPr lang="en-GB" dirty="0">
-                <a:solidFill>
-                  <a:srgbClr val="374151"/>
-                </a:solidFill>
-                <a:latin typeface="Söhne"/>
-              </a:rPr>
-              <a:t> </a:t>
-            </a:r>
-            <a:r>
-              <a:rPr lang="en-GB" dirty="0" err="1">
-                <a:solidFill>
-                  <a:srgbClr val="374151"/>
-                </a:solidFill>
-                <a:latin typeface="Söhne"/>
-              </a:rPr>
-              <a:t>parametri</a:t>
-            </a:r>
-            <a:r>
-              <a:rPr lang="en-GB" dirty="0">
-                <a:solidFill>
-                  <a:srgbClr val="374151"/>
-                </a:solidFill>
-                <a:latin typeface="Söhne"/>
-              </a:rPr>
-              <a:t>.</a:t>
-            </a:r>
-          </a:p>
-          <a:p>
-            <a:pPr marL="285750" indent="-285750">
-              <a:buFont typeface="Arial" panose="020B0604020202020204" pitchFamily="34" charset="0"/>
-              <a:buChar char="•"/>
-            </a:pPr>
-            <a:r>
-              <a:rPr lang="en-GB" dirty="0" err="1">
-                <a:solidFill>
-                  <a:srgbClr val="374151"/>
-                </a:solidFill>
-                <a:latin typeface="Söhne"/>
-              </a:rPr>
-              <a:t>Mascherare</a:t>
-            </a:r>
-            <a:r>
-              <a:rPr lang="en-GB" dirty="0">
-                <a:solidFill>
-                  <a:srgbClr val="374151"/>
-                </a:solidFill>
-                <a:latin typeface="Söhne"/>
-              </a:rPr>
-              <a:t> la </a:t>
-            </a:r>
-            <a:r>
-              <a:rPr lang="en-GB" dirty="0" err="1">
-                <a:solidFill>
-                  <a:srgbClr val="374151"/>
-                </a:solidFill>
-                <a:latin typeface="Söhne"/>
-              </a:rPr>
-              <a:t>complessità</a:t>
-            </a:r>
-            <a:r>
-              <a:rPr lang="en-GB" dirty="0">
-                <a:solidFill>
-                  <a:srgbClr val="374151"/>
-                </a:solidFill>
-                <a:latin typeface="Söhne"/>
-              </a:rPr>
-              <a:t> e </a:t>
-            </a:r>
-            <a:r>
-              <a:rPr lang="en-GB" dirty="0" err="1">
-                <a:solidFill>
-                  <a:srgbClr val="374151"/>
-                </a:solidFill>
-                <a:latin typeface="Söhne"/>
-              </a:rPr>
-              <a:t>astrarre</a:t>
-            </a:r>
-            <a:r>
-              <a:rPr lang="en-GB" dirty="0">
-                <a:solidFill>
-                  <a:srgbClr val="374151"/>
-                </a:solidFill>
-                <a:latin typeface="Söhne"/>
-              </a:rPr>
-              <a:t> </a:t>
-            </a:r>
-            <a:r>
-              <a:rPr lang="en-GB" dirty="0" err="1">
-                <a:solidFill>
-                  <a:srgbClr val="374151"/>
-                </a:solidFill>
-                <a:latin typeface="Söhne"/>
-              </a:rPr>
-              <a:t>dai</a:t>
-            </a:r>
-            <a:r>
-              <a:rPr lang="en-GB" dirty="0">
-                <a:solidFill>
-                  <a:srgbClr val="374151"/>
-                </a:solidFill>
-                <a:latin typeface="Söhne"/>
-              </a:rPr>
-              <a:t> </a:t>
-            </a:r>
-            <a:r>
-              <a:rPr lang="en-GB" dirty="0" err="1">
-                <a:solidFill>
-                  <a:srgbClr val="374151"/>
-                </a:solidFill>
-                <a:latin typeface="Söhne"/>
-              </a:rPr>
-              <a:t>dettagli</a:t>
-            </a:r>
-            <a:r>
-              <a:rPr lang="en-GB" dirty="0">
-                <a:solidFill>
-                  <a:srgbClr val="374151"/>
-                </a:solidFill>
-                <a:latin typeface="Söhne"/>
-              </a:rPr>
-              <a:t>, </a:t>
-            </a:r>
-            <a:r>
-              <a:rPr lang="en-GB" dirty="0" err="1">
-                <a:solidFill>
-                  <a:srgbClr val="374151"/>
-                </a:solidFill>
-                <a:latin typeface="Söhne"/>
-              </a:rPr>
-              <a:t>rendendo</a:t>
-            </a:r>
-            <a:r>
-              <a:rPr lang="en-GB" dirty="0">
-                <a:solidFill>
-                  <a:srgbClr val="374151"/>
-                </a:solidFill>
-                <a:latin typeface="Söhne"/>
-              </a:rPr>
-              <a:t> il </a:t>
-            </a:r>
-            <a:r>
-              <a:rPr lang="en-GB" dirty="0" err="1">
-                <a:solidFill>
-                  <a:srgbClr val="374151"/>
-                </a:solidFill>
-                <a:latin typeface="Söhne"/>
-              </a:rPr>
-              <a:t>codice</a:t>
-            </a:r>
-            <a:r>
-              <a:rPr lang="en-GB" dirty="0">
-                <a:solidFill>
-                  <a:srgbClr val="374151"/>
-                </a:solidFill>
-                <a:latin typeface="Söhne"/>
-              </a:rPr>
-              <a:t> </a:t>
-            </a:r>
-            <a:r>
-              <a:rPr lang="en-GB" dirty="0" err="1">
-                <a:solidFill>
-                  <a:srgbClr val="374151"/>
-                </a:solidFill>
-                <a:latin typeface="Söhne"/>
-              </a:rPr>
-              <a:t>più</a:t>
-            </a:r>
-            <a:r>
-              <a:rPr lang="en-GB" dirty="0">
-                <a:solidFill>
-                  <a:srgbClr val="374151"/>
-                </a:solidFill>
-                <a:latin typeface="Söhne"/>
-              </a:rPr>
-              <a:t> </a:t>
-            </a:r>
-            <a:r>
-              <a:rPr lang="en-GB" dirty="0" err="1">
-                <a:solidFill>
-                  <a:srgbClr val="374151"/>
-                </a:solidFill>
-                <a:latin typeface="Söhne"/>
-              </a:rPr>
-              <a:t>leggibile</a:t>
-            </a:r>
-            <a:r>
-              <a:rPr lang="en-GB" dirty="0">
-                <a:solidFill>
-                  <a:srgbClr val="374151"/>
-                </a:solidFill>
-                <a:latin typeface="Söhne"/>
-              </a:rPr>
-              <a:t> e facile da </a:t>
-            </a:r>
-            <a:r>
-              <a:rPr lang="en-GB" dirty="0" err="1">
-                <a:solidFill>
-                  <a:srgbClr val="374151"/>
-                </a:solidFill>
-                <a:latin typeface="Söhne"/>
-              </a:rPr>
-              <a:t>utilizzare</a:t>
-            </a:r>
-            <a:r>
-              <a:rPr lang="en-GB" dirty="0">
-                <a:solidFill>
-                  <a:srgbClr val="374151"/>
-                </a:solidFill>
-                <a:latin typeface="Söhne"/>
-              </a:rPr>
-              <a:t> o </a:t>
-            </a:r>
-            <a:r>
-              <a:rPr lang="en-GB" dirty="0" err="1">
-                <a:solidFill>
-                  <a:srgbClr val="374151"/>
-                </a:solidFill>
-                <a:latin typeface="Söhne"/>
-              </a:rPr>
-              <a:t>estendere</a:t>
-            </a:r>
-            <a:r>
-              <a:rPr lang="en-GB" dirty="0">
-                <a:solidFill>
-                  <a:srgbClr val="374151"/>
-                </a:solidFill>
-                <a:latin typeface="Söhne"/>
-              </a:rPr>
-              <a:t>. </a:t>
-            </a:r>
-          </a:p>
-          <a:p>
-            <a:pPr marL="285750" indent="-285750" algn="l">
-              <a:buFontTx/>
-              <a:buChar char="-"/>
-            </a:pPr>
-            <a:endParaRPr lang="en-GB" b="0" i="0" dirty="0">
-              <a:solidFill>
-                <a:srgbClr val="374151"/>
-              </a:solidFill>
-              <a:effectLst/>
-              <a:latin typeface="Söhne"/>
-            </a:endParaRPr>
-          </a:p>
-        </p:txBody>
-      </p:sp>
-    </p:spTree>
-    <p:extLst>
-      <p:ext uri="{BB962C8B-B14F-4D97-AF65-F5344CB8AC3E}">
-        <p14:creationId xmlns:p14="http://schemas.microsoft.com/office/powerpoint/2010/main" val="106092832"/>
-      </p:ext>
-    </p:extLst>
-  </p:cSld>
-  <p:clrMapOvr>
-    <a:masterClrMapping/>
-  </p:clrMapOvr>
-</p:sld>
-</file>
-
-<file path=ppt/slides/slide12.xml><?xml version="1.0" encoding="utf-8"?>
-<p:sld xmlns:a="http://schemas.openxmlformats.org/drawingml/2006/main" xmlns:r="http://schemas.openxmlformats.org/officeDocument/2006/relationships" xmlns:p="http://schemas.openxmlformats.org/presentationml/2006/main">
-  <p:cSld>
-    <p:spTree>
-      <p:nvGrpSpPr>
-        <p:cNvPr id="1" name=""/>
-        <p:cNvGrpSpPr/>
-        <p:nvPr/>
-      </p:nvGrpSpPr>
-      <p:grpSpPr>
-        <a:xfrm>
-          <a:off x="0" y="0"/>
-          <a:ext cx="0" cy="0"/>
-          <a:chOff x="0" y="0"/>
-          <a:chExt cx="0" cy="0"/>
-        </a:xfrm>
-      </p:grpSpPr>
-      <p:sp>
-        <p:nvSpPr>
-          <p:cNvPr id="3" name="TextBox 2">
-            <a:extLst>
-              <a:ext uri="{FF2B5EF4-FFF2-40B4-BE49-F238E27FC236}">
-                <a16:creationId xmlns:a16="http://schemas.microsoft.com/office/drawing/2014/main" id="{BD722CEC-4EC5-32E1-87A6-A5CB6E3713B1}"/>
-              </a:ext>
-            </a:extLst>
-          </p:cNvPr>
-          <p:cNvSpPr txBox="1"/>
-          <p:nvPr/>
-        </p:nvSpPr>
-        <p:spPr>
-          <a:xfrm>
-            <a:off x="606829" y="426315"/>
-            <a:ext cx="3108543" cy="646331"/>
-          </a:xfrm>
-          <a:prstGeom prst="rect">
-            <a:avLst/>
-          </a:prstGeom>
-          <a:noFill/>
-        </p:spPr>
-        <p:txBody>
-          <a:bodyPr wrap="none" rtlCol="0">
-            <a:spAutoFit/>
-          </a:bodyPr>
-          <a:lstStyle/>
-          <a:p>
-            <a:r>
-              <a:rPr lang="en-IT" dirty="0"/>
-              <a:t>INTRODUZIONE GIORNO 3</a:t>
-            </a:r>
+              <a:t>INTRODUZIONE GIORNO </a:t>
+            </a:r>
+            <a:r>
+              <a:rPr lang="it-IT" dirty="0"/>
+              <a:t>2 - parte 1</a:t>
+            </a:r>
+            <a:endParaRPr lang="en-IT" dirty="0"/>
           </a:p>
           <a:p>
             <a:endParaRPr lang="en-IT" dirty="0"/>
@@ -10793,7 +10296,7 @@
 </p:sld>
 </file>
 
-<file path=ppt/slides/slide13.xml><?xml version="1.0" encoding="utf-8"?>
+<file path=ppt/slides/slide12.xml><?xml version="1.0" encoding="utf-8"?>
 <p:sld xmlns:a="http://schemas.openxmlformats.org/drawingml/2006/main" xmlns:r="http://schemas.openxmlformats.org/officeDocument/2006/relationships" xmlns:p="http://schemas.openxmlformats.org/presentationml/2006/main">
   <p:cSld>
     <p:spTree>
@@ -10825,7 +10328,7 @@
         <p:spPr>
           <a:xfrm>
             <a:off x="606829" y="426315"/>
-            <a:ext cx="3167855" cy="369332"/>
+            <a:ext cx="4148893" cy="369332"/>
           </a:xfrm>
           <a:prstGeom prst="rect">
             <a:avLst/>
@@ -10840,7 +10343,15 @@
           <a:p>
             <a:r>
               <a:rPr lang="en-IT" dirty="0"/>
-              <a:t>INTRODUZIONE GIORNO 4 </a:t>
+              <a:t>INTRODUZIONE GIORNO </a:t>
+            </a:r>
+            <a:r>
+              <a:rPr lang="it-IT" dirty="0"/>
+              <a:t>2 – parte 2</a:t>
+            </a:r>
+            <a:r>
+              <a:rPr lang="en-IT" dirty="0"/>
+              <a:t> </a:t>
             </a:r>
           </a:p>
         </p:txBody>
@@ -12238,7 +11749,7 @@
 </p:sld>
 </file>
 
-<file path=ppt/slides/slide14.xml><?xml version="1.0" encoding="utf-8"?>
+<file path=ppt/slides/slide13.xml><?xml version="1.0" encoding="utf-8"?>
 <p:sld xmlns:a="http://schemas.openxmlformats.org/drawingml/2006/main" xmlns:r="http://schemas.openxmlformats.org/officeDocument/2006/relationships" xmlns:p="http://schemas.openxmlformats.org/presentationml/2006/main">
   <p:cSld>
     <p:spTree>
@@ -14062,7 +13573,7 @@
 </p:sld>
 </file>
 
-<file path=ppt/slides/slide15.xml><?xml version="1.0" encoding="utf-8"?>
+<file path=ppt/slides/slide14.xml><?xml version="1.0" encoding="utf-8"?>
 <p:sld xmlns:a="http://schemas.openxmlformats.org/drawingml/2006/main" xmlns:r="http://schemas.openxmlformats.org/officeDocument/2006/relationships" xmlns:p="http://schemas.openxmlformats.org/presentationml/2006/main">
   <p:cSld>
     <p:spTree>
@@ -14155,8 +13666,8 @@
         </p:nvSpPr>
         <p:spPr>
           <a:xfrm>
-            <a:off x="515391" y="435523"/>
-            <a:ext cx="3235181" cy="369332"/>
+            <a:off x="606829" y="426315"/>
+            <a:ext cx="3677610" cy="369332"/>
           </a:xfrm>
           <a:prstGeom prst="rect">
             <a:avLst/>
@@ -14171,17 +13682,17 @@
           <a:p>
             <a:r>
               <a:rPr lang="en-IT" dirty="0"/>
-              <a:t>PRESENTAZIONE DOCENTE </a:t>
+              <a:t>PRESENTAZIONE PARTECIPANTI</a:t>
             </a:r>
           </a:p>
         </p:txBody>
       </p:sp>
       <p:sp>
         <p:nvSpPr>
-          <p:cNvPr id="6" name="TextBox 5">
+          <p:cNvPr id="5" name="TextBox 4">
             <a:extLst>
               <a:ext uri="{FF2B5EF4-FFF2-40B4-BE49-F238E27FC236}">
-                <a16:creationId xmlns:a16="http://schemas.microsoft.com/office/drawing/2014/main" id="{6419CDB8-6D29-6C9B-914F-FF6705C742B4}"/>
+                <a16:creationId xmlns:a16="http://schemas.microsoft.com/office/drawing/2014/main" id="{4A5AD20D-399C-729F-5208-DFF750BDE795}"/>
               </a:ext>
             </a:extLst>
           </p:cNvPr>
@@ -14190,8 +13701,8 @@
         </p:nvSpPr>
         <p:spPr>
           <a:xfrm>
-            <a:off x="515391" y="1201783"/>
-            <a:ext cx="3517310" cy="369332"/>
+            <a:off x="606829" y="1571115"/>
+            <a:ext cx="5032147" cy="1754326"/>
           </a:xfrm>
           <a:prstGeom prst="rect">
             <a:avLst/>
@@ -14206,1080 +13717,62 @@
           <a:p>
             <a:r>
               <a:rPr lang="en-IT" dirty="0"/>
-              <a:t>Andrea Corvaglia | Data Scientist</a:t>
-            </a:r>
-          </a:p>
-        </p:txBody>
-      </p:sp>
-      <p:sp>
-        <p:nvSpPr>
-          <p:cNvPr id="7" name="TextBox 6">
-            <a:extLst>
-              <a:ext uri="{FF2B5EF4-FFF2-40B4-BE49-F238E27FC236}">
-                <a16:creationId xmlns:a16="http://schemas.microsoft.com/office/drawing/2014/main" id="{774CB5DB-DAB2-CEEB-9010-199CFD5148AF}"/>
-              </a:ext>
-            </a:extLst>
-          </p:cNvPr>
-          <p:cNvSpPr txBox="1"/>
-          <p:nvPr/>
-        </p:nvSpPr>
-        <p:spPr>
-          <a:xfrm>
-            <a:off x="515391" y="2229577"/>
-            <a:ext cx="11296996" cy="2585323"/>
-          </a:xfrm>
-          <a:prstGeom prst="rect">
-            <a:avLst/>
-          </a:prstGeom>
-          <a:noFill/>
-        </p:spPr>
-        <p:txBody>
-          <a:bodyPr wrap="square" rtlCol="0">
-            <a:spAutoFit/>
-          </a:bodyPr>
-          <a:lstStyle/>
-          <a:p>
-            <a:r>
-              <a:rPr lang="en-GB" b="0" i="0" dirty="0" err="1">
-                <a:solidFill>
-                  <a:srgbClr val="374151"/>
-                </a:solidFill>
-                <a:effectLst/>
-                <a:latin typeface="Söhne"/>
-              </a:rPr>
-              <a:t>Sono</a:t>
-            </a:r>
-            <a:r>
-              <a:rPr lang="en-GB" b="0" i="0" dirty="0">
-                <a:solidFill>
-                  <a:srgbClr val="374151"/>
-                </a:solidFill>
-                <a:effectLst/>
-                <a:latin typeface="Söhne"/>
-              </a:rPr>
-              <a:t> un data scientist con </a:t>
-            </a:r>
-            <a:r>
-              <a:rPr lang="en-GB" b="0" i="0" dirty="0" err="1">
-                <a:solidFill>
-                  <a:srgbClr val="374151"/>
-                </a:solidFill>
-                <a:effectLst/>
-                <a:latin typeface="Söhne"/>
-              </a:rPr>
-              <a:t>una</a:t>
-            </a:r>
-            <a:r>
-              <a:rPr lang="en-GB" b="0" i="0" dirty="0">
-                <a:solidFill>
-                  <a:srgbClr val="374151"/>
-                </a:solidFill>
-                <a:effectLst/>
-                <a:latin typeface="Söhne"/>
-              </a:rPr>
-              <a:t> </a:t>
-            </a:r>
-            <a:r>
-              <a:rPr lang="en-GB" b="0" i="0" dirty="0" err="1">
-                <a:solidFill>
-                  <a:srgbClr val="374151"/>
-                </a:solidFill>
-                <a:effectLst/>
-                <a:latin typeface="Söhne"/>
-              </a:rPr>
-              <a:t>laurea</a:t>
-            </a:r>
-            <a:r>
-              <a:rPr lang="en-GB" b="0" i="0" dirty="0">
-                <a:solidFill>
-                  <a:srgbClr val="374151"/>
-                </a:solidFill>
-                <a:effectLst/>
-                <a:latin typeface="Söhne"/>
-              </a:rPr>
-              <a:t> </a:t>
-            </a:r>
-            <a:r>
-              <a:rPr lang="en-GB" b="0" i="0" dirty="0" err="1">
-                <a:solidFill>
-                  <a:srgbClr val="374151"/>
-                </a:solidFill>
-                <a:effectLst/>
-                <a:latin typeface="Söhne"/>
-              </a:rPr>
-              <a:t>triennale</a:t>
-            </a:r>
-            <a:r>
-              <a:rPr lang="en-GB" b="0" i="0" dirty="0">
-                <a:solidFill>
-                  <a:srgbClr val="374151"/>
-                </a:solidFill>
-                <a:effectLst/>
-                <a:latin typeface="Söhne"/>
-              </a:rPr>
-              <a:t> in </a:t>
-            </a:r>
-            <a:r>
-              <a:rPr lang="en-GB" b="0" i="0" dirty="0" err="1">
-                <a:solidFill>
-                  <a:srgbClr val="374151"/>
-                </a:solidFill>
-                <a:effectLst/>
-                <a:latin typeface="Söhne"/>
-              </a:rPr>
-              <a:t>fisica</a:t>
-            </a:r>
-            <a:r>
-              <a:rPr lang="en-GB" b="0" i="0" dirty="0">
-                <a:solidFill>
-                  <a:srgbClr val="374151"/>
-                </a:solidFill>
-                <a:effectLst/>
-                <a:latin typeface="Söhne"/>
-              </a:rPr>
-              <a:t> e </a:t>
-            </a:r>
-            <a:r>
-              <a:rPr lang="en-GB" b="0" i="0" dirty="0" err="1">
-                <a:solidFill>
-                  <a:srgbClr val="374151"/>
-                </a:solidFill>
-                <a:effectLst/>
-                <a:latin typeface="Söhne"/>
-              </a:rPr>
-              <a:t>una</a:t>
-            </a:r>
-            <a:r>
-              <a:rPr lang="en-GB" b="0" i="0" dirty="0">
-                <a:solidFill>
-                  <a:srgbClr val="374151"/>
-                </a:solidFill>
-                <a:effectLst/>
-                <a:latin typeface="Söhne"/>
-              </a:rPr>
-              <a:t> </a:t>
-            </a:r>
-            <a:r>
-              <a:rPr lang="en-GB" b="0" i="0" dirty="0" err="1">
-                <a:solidFill>
-                  <a:srgbClr val="374151"/>
-                </a:solidFill>
-                <a:effectLst/>
-                <a:latin typeface="Söhne"/>
-              </a:rPr>
-              <a:t>magistrale</a:t>
-            </a:r>
-            <a:r>
-              <a:rPr lang="en-GB" b="0" i="0" dirty="0">
-                <a:solidFill>
-                  <a:srgbClr val="374151"/>
-                </a:solidFill>
-                <a:effectLst/>
-                <a:latin typeface="Söhne"/>
-              </a:rPr>
-              <a:t> in data science. </a:t>
-            </a:r>
-            <a:r>
-              <a:rPr lang="en-GB" dirty="0" err="1">
-                <a:solidFill>
-                  <a:srgbClr val="374151"/>
-                </a:solidFill>
-                <a:latin typeface="Söhne"/>
-              </a:rPr>
-              <a:t>Lavoro</a:t>
-            </a:r>
-            <a:r>
-              <a:rPr lang="en-GB" dirty="0">
-                <a:solidFill>
-                  <a:srgbClr val="374151"/>
-                </a:solidFill>
-                <a:latin typeface="Söhne"/>
-              </a:rPr>
-              <a:t> </a:t>
-            </a:r>
-            <a:r>
-              <a:rPr lang="en-GB" dirty="0" err="1">
-                <a:solidFill>
-                  <a:srgbClr val="374151"/>
-                </a:solidFill>
-                <a:latin typeface="Söhne"/>
-              </a:rPr>
-              <a:t>presso</a:t>
-            </a:r>
-            <a:r>
-              <a:rPr lang="en-GB" dirty="0">
-                <a:solidFill>
-                  <a:srgbClr val="374151"/>
-                </a:solidFill>
-                <a:latin typeface="Söhne"/>
-              </a:rPr>
-              <a:t> NTT Data come </a:t>
-            </a:r>
-            <a:r>
-              <a:rPr lang="en-GB" dirty="0" err="1">
-                <a:solidFill>
-                  <a:srgbClr val="374151"/>
-                </a:solidFill>
-                <a:latin typeface="Söhne"/>
-              </a:rPr>
-              <a:t>consulente</a:t>
-            </a:r>
-            <a:r>
-              <a:rPr lang="en-GB" dirty="0">
-                <a:solidFill>
-                  <a:srgbClr val="374151"/>
-                </a:solidFill>
-                <a:latin typeface="Söhne"/>
-              </a:rPr>
-              <a:t>, </a:t>
-            </a:r>
-            <a:r>
-              <a:rPr lang="en-GB" dirty="0" err="1">
-                <a:solidFill>
-                  <a:srgbClr val="374151"/>
-                </a:solidFill>
-                <a:latin typeface="Söhne"/>
-              </a:rPr>
-              <a:t>perciò</a:t>
-            </a:r>
-            <a:r>
-              <a:rPr lang="en-GB" dirty="0">
-                <a:solidFill>
-                  <a:srgbClr val="374151"/>
-                </a:solidFill>
-                <a:latin typeface="Söhne"/>
-              </a:rPr>
-              <a:t> </a:t>
-            </a:r>
-            <a:r>
-              <a:rPr lang="en-GB" dirty="0" err="1">
-                <a:solidFill>
-                  <a:srgbClr val="374151"/>
-                </a:solidFill>
-                <a:latin typeface="Söhne"/>
-              </a:rPr>
-              <a:t>ho</a:t>
-            </a:r>
-            <a:r>
-              <a:rPr lang="en-GB" dirty="0">
-                <a:solidFill>
-                  <a:srgbClr val="374151"/>
-                </a:solidFill>
-                <a:latin typeface="Söhne"/>
-              </a:rPr>
-              <a:t> </a:t>
-            </a:r>
-            <a:r>
-              <a:rPr lang="en-GB" dirty="0" err="1">
-                <a:solidFill>
-                  <a:srgbClr val="374151"/>
-                </a:solidFill>
-                <a:latin typeface="Söhne"/>
-              </a:rPr>
-              <a:t>avuto</a:t>
-            </a:r>
-            <a:r>
-              <a:rPr lang="en-GB" dirty="0">
-                <a:solidFill>
-                  <a:srgbClr val="374151"/>
-                </a:solidFill>
-                <a:latin typeface="Söhne"/>
-              </a:rPr>
-              <a:t> modo di </a:t>
-            </a:r>
-            <a:r>
-              <a:rPr lang="en-GB" b="0" i="0" dirty="0" err="1">
-                <a:solidFill>
-                  <a:srgbClr val="374151"/>
-                </a:solidFill>
-                <a:effectLst/>
-                <a:latin typeface="Söhne"/>
-              </a:rPr>
-              <a:t>lavorare</a:t>
-            </a:r>
-            <a:r>
-              <a:rPr lang="en-GB" b="0" i="0" dirty="0">
-                <a:solidFill>
-                  <a:srgbClr val="374151"/>
-                </a:solidFill>
-                <a:effectLst/>
-                <a:latin typeface="Söhne"/>
-              </a:rPr>
-              <a:t> in </a:t>
-            </a:r>
-            <a:r>
-              <a:rPr lang="en-GB" b="0" i="0" dirty="0" err="1">
-                <a:solidFill>
-                  <a:srgbClr val="374151"/>
-                </a:solidFill>
-                <a:effectLst/>
-                <a:latin typeface="Söhne"/>
-              </a:rPr>
-              <a:t>diversi</a:t>
-            </a:r>
-            <a:r>
-              <a:rPr lang="en-GB" b="0" i="0" dirty="0">
-                <a:solidFill>
-                  <a:srgbClr val="374151"/>
-                </a:solidFill>
-                <a:effectLst/>
-                <a:latin typeface="Söhne"/>
-              </a:rPr>
-              <a:t> </a:t>
-            </a:r>
-            <a:r>
-              <a:rPr lang="en-GB" b="0" i="0" dirty="0" err="1">
-                <a:solidFill>
-                  <a:srgbClr val="374151"/>
-                </a:solidFill>
-                <a:effectLst/>
-                <a:latin typeface="Söhne"/>
-              </a:rPr>
-              <a:t>settori</a:t>
-            </a:r>
-            <a:r>
-              <a:rPr lang="en-GB" dirty="0">
-                <a:solidFill>
-                  <a:srgbClr val="374151"/>
-                </a:solidFill>
-                <a:latin typeface="Söhne"/>
-              </a:rPr>
-              <a:t>,</a:t>
-            </a:r>
-            <a:r>
-              <a:rPr lang="en-GB" b="0" i="0" dirty="0">
-                <a:solidFill>
-                  <a:srgbClr val="374151"/>
-                </a:solidFill>
-                <a:effectLst/>
-                <a:latin typeface="Söhne"/>
-              </a:rPr>
-              <a:t> </a:t>
-            </a:r>
-            <a:r>
-              <a:rPr lang="en-GB" b="0" i="0" dirty="0" err="1">
-                <a:solidFill>
-                  <a:srgbClr val="374151"/>
-                </a:solidFill>
-                <a:effectLst/>
-                <a:latin typeface="Söhne"/>
-              </a:rPr>
-              <a:t>tra</a:t>
-            </a:r>
-            <a:r>
-              <a:rPr lang="en-GB" b="0" i="0" dirty="0">
-                <a:solidFill>
-                  <a:srgbClr val="374151"/>
-                </a:solidFill>
-                <a:effectLst/>
-                <a:latin typeface="Söhne"/>
-              </a:rPr>
-              <a:t> cui il retail, </a:t>
-            </a:r>
-            <a:r>
-              <a:rPr lang="en-GB" b="0" i="0" dirty="0" err="1">
-                <a:solidFill>
-                  <a:srgbClr val="374151"/>
-                </a:solidFill>
-                <a:effectLst/>
-                <a:latin typeface="Söhne"/>
-              </a:rPr>
-              <a:t>l'industria</a:t>
-            </a:r>
-            <a:r>
-              <a:rPr lang="en-GB" b="0" i="0" dirty="0">
-                <a:solidFill>
-                  <a:srgbClr val="374151"/>
-                </a:solidFill>
-                <a:effectLst/>
-                <a:latin typeface="Söhne"/>
-              </a:rPr>
-              <a:t> </a:t>
-            </a:r>
-            <a:r>
-              <a:rPr lang="en-GB" b="0" i="0" dirty="0" err="1">
-                <a:solidFill>
-                  <a:srgbClr val="374151"/>
-                </a:solidFill>
-                <a:effectLst/>
-                <a:latin typeface="Söhne"/>
-              </a:rPr>
-              <a:t>automobilistica</a:t>
-            </a:r>
-            <a:r>
-              <a:rPr lang="en-GB" b="0" i="0" dirty="0">
-                <a:solidFill>
-                  <a:srgbClr val="374151"/>
-                </a:solidFill>
-                <a:effectLst/>
-                <a:latin typeface="Söhne"/>
-              </a:rPr>
-              <a:t> e il </a:t>
-            </a:r>
-            <a:r>
-              <a:rPr lang="en-GB" b="0" i="0" dirty="0" err="1">
-                <a:solidFill>
-                  <a:srgbClr val="374151"/>
-                </a:solidFill>
-                <a:effectLst/>
-                <a:latin typeface="Söhne"/>
-              </a:rPr>
-              <a:t>settore</a:t>
-            </a:r>
-            <a:r>
-              <a:rPr lang="en-GB" b="0" i="0" dirty="0">
-                <a:solidFill>
-                  <a:srgbClr val="374151"/>
-                </a:solidFill>
-                <a:effectLst/>
-                <a:latin typeface="Söhne"/>
-              </a:rPr>
-              <a:t> </a:t>
-            </a:r>
-            <a:r>
-              <a:rPr lang="en-GB" b="0" i="0" dirty="0" err="1">
-                <a:solidFill>
-                  <a:srgbClr val="374151"/>
-                </a:solidFill>
-                <a:effectLst/>
-                <a:latin typeface="Söhne"/>
-              </a:rPr>
-              <a:t>bancario</a:t>
-            </a:r>
-            <a:r>
-              <a:rPr lang="en-GB" b="0" i="0" dirty="0">
-                <a:solidFill>
-                  <a:srgbClr val="374151"/>
-                </a:solidFill>
-                <a:effectLst/>
-                <a:latin typeface="Söhne"/>
-              </a:rPr>
-              <a:t>.</a:t>
-            </a:r>
-          </a:p>
-          <a:p>
-            <a:endParaRPr lang="en-GB" dirty="0">
-              <a:solidFill>
-                <a:srgbClr val="374151"/>
-              </a:solidFill>
-              <a:latin typeface="Söhne"/>
-            </a:endParaRPr>
-          </a:p>
-          <a:p>
-            <a:r>
-              <a:rPr lang="en-GB" dirty="0">
-                <a:solidFill>
-                  <a:srgbClr val="374151"/>
-                </a:solidFill>
-                <a:latin typeface="Söhne"/>
-              </a:rPr>
-              <a:t>L</a:t>
-            </a:r>
-            <a:r>
-              <a:rPr lang="en-GB" b="0" i="0" dirty="0">
-                <a:solidFill>
-                  <a:srgbClr val="374151"/>
-                </a:solidFill>
-                <a:effectLst/>
-                <a:latin typeface="Söhne"/>
-              </a:rPr>
-              <a:t>a </a:t>
-            </a:r>
-            <a:r>
-              <a:rPr lang="en-GB" b="0" i="0" dirty="0" err="1">
-                <a:solidFill>
-                  <a:srgbClr val="374151"/>
-                </a:solidFill>
-                <a:effectLst/>
-                <a:latin typeface="Söhne"/>
-              </a:rPr>
-              <a:t>mia</a:t>
-            </a:r>
-            <a:r>
-              <a:rPr lang="en-GB" b="0" i="0" dirty="0">
-                <a:solidFill>
-                  <a:srgbClr val="374151"/>
-                </a:solidFill>
-                <a:effectLst/>
-                <a:latin typeface="Söhne"/>
-              </a:rPr>
-              <a:t> </a:t>
-            </a:r>
-            <a:r>
-              <a:rPr lang="en-GB" b="0" i="0" dirty="0" err="1">
-                <a:solidFill>
-                  <a:srgbClr val="374151"/>
-                </a:solidFill>
-                <a:effectLst/>
-                <a:latin typeface="Söhne"/>
-              </a:rPr>
-              <a:t>esperienza</a:t>
-            </a:r>
-            <a:r>
-              <a:rPr lang="en-GB" b="0" i="0" dirty="0">
-                <a:solidFill>
-                  <a:srgbClr val="374151"/>
-                </a:solidFill>
-                <a:effectLst/>
-                <a:latin typeface="Söhne"/>
-              </a:rPr>
-              <a:t> </a:t>
-            </a:r>
-            <a:r>
-              <a:rPr lang="en-GB" b="0" i="0" dirty="0" err="1">
-                <a:solidFill>
-                  <a:srgbClr val="374151"/>
-                </a:solidFill>
-                <a:effectLst/>
-                <a:latin typeface="Söhne"/>
-              </a:rPr>
-              <a:t>nel</a:t>
-            </a:r>
-            <a:r>
-              <a:rPr lang="en-GB" b="0" i="0" dirty="0">
-                <a:solidFill>
-                  <a:srgbClr val="374151"/>
-                </a:solidFill>
-                <a:effectLst/>
-                <a:latin typeface="Söhne"/>
-              </a:rPr>
-              <a:t> campo </a:t>
-            </a:r>
-            <a:r>
-              <a:rPr lang="en-GB" b="0" i="0" dirty="0" err="1">
-                <a:solidFill>
-                  <a:srgbClr val="374151"/>
-                </a:solidFill>
-                <a:effectLst/>
-                <a:latin typeface="Söhne"/>
-              </a:rPr>
-              <a:t>della</a:t>
-            </a:r>
-            <a:r>
-              <a:rPr lang="en-GB" b="0" i="0" dirty="0">
-                <a:solidFill>
-                  <a:srgbClr val="374151"/>
-                </a:solidFill>
-                <a:effectLst/>
-                <a:latin typeface="Söhne"/>
-              </a:rPr>
-              <a:t> Data Science mi ha </a:t>
-            </a:r>
-            <a:r>
-              <a:rPr lang="en-GB" b="0" i="0" dirty="0" err="1">
-                <a:solidFill>
-                  <a:srgbClr val="374151"/>
-                </a:solidFill>
-                <a:effectLst/>
-                <a:latin typeface="Söhne"/>
-              </a:rPr>
-              <a:t>permesso</a:t>
-            </a:r>
-            <a:r>
-              <a:rPr lang="en-GB" b="0" i="0" dirty="0">
-                <a:solidFill>
-                  <a:srgbClr val="374151"/>
-                </a:solidFill>
-                <a:effectLst/>
-                <a:latin typeface="Söhne"/>
-              </a:rPr>
-              <a:t> di </a:t>
-            </a:r>
-            <a:r>
-              <a:rPr lang="en-GB" b="0" i="0" dirty="0" err="1">
-                <a:solidFill>
-                  <a:srgbClr val="374151"/>
-                </a:solidFill>
-                <a:effectLst/>
-                <a:latin typeface="Söhne"/>
-              </a:rPr>
-              <a:t>sviluppare</a:t>
-            </a:r>
-            <a:r>
-              <a:rPr lang="en-GB" b="0" i="0" dirty="0">
-                <a:solidFill>
-                  <a:srgbClr val="374151"/>
-                </a:solidFill>
-                <a:effectLst/>
-                <a:latin typeface="Söhne"/>
-              </a:rPr>
-              <a:t> </a:t>
-            </a:r>
-            <a:r>
-              <a:rPr lang="en-GB" b="0" i="0" dirty="0" err="1">
-                <a:solidFill>
-                  <a:srgbClr val="374151"/>
-                </a:solidFill>
-                <a:effectLst/>
-                <a:latin typeface="Söhne"/>
-              </a:rPr>
-              <a:t>competenze</a:t>
-            </a:r>
-            <a:r>
-              <a:rPr lang="en-GB" b="0" i="0" dirty="0">
-                <a:solidFill>
-                  <a:srgbClr val="374151"/>
-                </a:solidFill>
-                <a:effectLst/>
-                <a:latin typeface="Söhne"/>
-              </a:rPr>
-              <a:t> </a:t>
-            </a:r>
-            <a:r>
-              <a:rPr lang="en-GB" b="0" i="0" dirty="0" err="1">
-                <a:solidFill>
-                  <a:srgbClr val="374151"/>
-                </a:solidFill>
-                <a:effectLst/>
-                <a:latin typeface="Söhne"/>
-              </a:rPr>
-              <a:t>avanzate</a:t>
-            </a:r>
-            <a:r>
-              <a:rPr lang="en-GB" b="0" i="0" dirty="0">
-                <a:solidFill>
-                  <a:srgbClr val="374151"/>
-                </a:solidFill>
-                <a:effectLst/>
-                <a:latin typeface="Söhne"/>
-              </a:rPr>
-              <a:t> </a:t>
-            </a:r>
-            <a:r>
-              <a:rPr lang="en-GB" b="0" i="0" dirty="0" err="1">
-                <a:solidFill>
-                  <a:srgbClr val="374151"/>
-                </a:solidFill>
-                <a:effectLst/>
-                <a:latin typeface="Söhne"/>
-              </a:rPr>
-              <a:t>nell'utilizzo</a:t>
-            </a:r>
-            <a:r>
-              <a:rPr lang="en-GB" b="0" i="0" dirty="0">
-                <a:solidFill>
-                  <a:srgbClr val="374151"/>
-                </a:solidFill>
-                <a:effectLst/>
-                <a:latin typeface="Söhne"/>
-              </a:rPr>
-              <a:t> di Python, in </a:t>
-            </a:r>
-            <a:r>
-              <a:rPr lang="en-GB" b="0" i="0" dirty="0" err="1">
-                <a:solidFill>
-                  <a:srgbClr val="374151"/>
-                </a:solidFill>
-                <a:effectLst/>
-                <a:latin typeface="Söhne"/>
-              </a:rPr>
-              <a:t>particolare</a:t>
-            </a:r>
-            <a:r>
-              <a:rPr lang="en-GB" b="0" i="0" dirty="0">
-                <a:solidFill>
-                  <a:srgbClr val="374151"/>
-                </a:solidFill>
-                <a:effectLst/>
-                <a:latin typeface="Söhne"/>
-              </a:rPr>
-              <a:t> </a:t>
-            </a:r>
-            <a:r>
-              <a:rPr lang="en-GB" b="0" i="0" dirty="0" err="1">
-                <a:solidFill>
-                  <a:srgbClr val="374151"/>
-                </a:solidFill>
-                <a:effectLst/>
-                <a:latin typeface="Söhne"/>
-              </a:rPr>
-              <a:t>nell'ambito</a:t>
-            </a:r>
-            <a:r>
-              <a:rPr lang="en-GB" b="0" i="0" dirty="0">
-                <a:solidFill>
-                  <a:srgbClr val="374151"/>
-                </a:solidFill>
-                <a:effectLst/>
-                <a:latin typeface="Söhne"/>
-              </a:rPr>
-              <a:t> del Machine Learning e del Deep Learning. </a:t>
-            </a:r>
-            <a:r>
-              <a:rPr lang="en-GB" b="0" i="0" dirty="0" err="1">
-                <a:solidFill>
-                  <a:srgbClr val="374151"/>
-                </a:solidFill>
-                <a:effectLst/>
-                <a:latin typeface="Söhne"/>
-              </a:rPr>
-              <a:t>Inoltre</a:t>
-            </a:r>
-            <a:r>
-              <a:rPr lang="en-GB" b="0" i="0" dirty="0">
-                <a:solidFill>
-                  <a:srgbClr val="374151"/>
-                </a:solidFill>
-                <a:effectLst/>
-                <a:latin typeface="Söhne"/>
-              </a:rPr>
-              <a:t>, </a:t>
-            </a:r>
-            <a:r>
-              <a:rPr lang="en-GB" b="0" i="0" dirty="0" err="1">
-                <a:solidFill>
-                  <a:srgbClr val="374151"/>
-                </a:solidFill>
-                <a:effectLst/>
-                <a:latin typeface="Söhne"/>
-              </a:rPr>
-              <a:t>ho</a:t>
-            </a:r>
-            <a:r>
-              <a:rPr lang="en-GB" b="0" i="0" dirty="0">
-                <a:solidFill>
-                  <a:srgbClr val="374151"/>
-                </a:solidFill>
-                <a:effectLst/>
-                <a:latin typeface="Söhne"/>
-              </a:rPr>
-              <a:t> </a:t>
-            </a:r>
-            <a:r>
-              <a:rPr lang="en-GB" b="0" i="0" dirty="0" err="1">
-                <a:solidFill>
-                  <a:srgbClr val="374151"/>
-                </a:solidFill>
-                <a:effectLst/>
-                <a:latin typeface="Söhne"/>
-              </a:rPr>
-              <a:t>acquisito</a:t>
-            </a:r>
-            <a:r>
-              <a:rPr lang="en-GB" b="0" i="0" dirty="0">
-                <a:solidFill>
-                  <a:srgbClr val="374151"/>
-                </a:solidFill>
-                <a:effectLst/>
-                <a:latin typeface="Söhne"/>
-              </a:rPr>
-              <a:t> </a:t>
-            </a:r>
-            <a:r>
-              <a:rPr lang="en-GB" b="0" i="0" dirty="0" err="1">
-                <a:solidFill>
-                  <a:srgbClr val="374151"/>
-                </a:solidFill>
-                <a:effectLst/>
-                <a:latin typeface="Söhne"/>
-              </a:rPr>
-              <a:t>competenze</a:t>
-            </a:r>
-            <a:r>
-              <a:rPr lang="en-GB" b="0" i="0" dirty="0">
-                <a:solidFill>
-                  <a:srgbClr val="374151"/>
-                </a:solidFill>
-                <a:effectLst/>
-                <a:latin typeface="Söhne"/>
-              </a:rPr>
-              <a:t> </a:t>
-            </a:r>
-            <a:r>
-              <a:rPr lang="en-GB" b="0" i="0" dirty="0" err="1">
-                <a:solidFill>
-                  <a:srgbClr val="374151"/>
-                </a:solidFill>
-                <a:effectLst/>
-                <a:latin typeface="Söhne"/>
-              </a:rPr>
-              <a:t>nell'analisi</a:t>
-            </a:r>
-            <a:r>
-              <a:rPr lang="en-GB" b="0" i="0" dirty="0">
-                <a:solidFill>
-                  <a:srgbClr val="374151"/>
-                </a:solidFill>
-                <a:effectLst/>
-                <a:latin typeface="Söhne"/>
-              </a:rPr>
-              <a:t> di </a:t>
-            </a:r>
-            <a:r>
-              <a:rPr lang="en-GB" b="0" i="0" dirty="0" err="1">
-                <a:solidFill>
-                  <a:srgbClr val="374151"/>
-                </a:solidFill>
-                <a:effectLst/>
-                <a:latin typeface="Söhne"/>
-              </a:rPr>
-              <a:t>serie</a:t>
-            </a:r>
-            <a:r>
-              <a:rPr lang="en-GB" b="0" i="0" dirty="0">
-                <a:solidFill>
-                  <a:srgbClr val="374151"/>
-                </a:solidFill>
-                <a:effectLst/>
-                <a:latin typeface="Söhne"/>
-              </a:rPr>
-              <a:t> </a:t>
-            </a:r>
-            <a:r>
-              <a:rPr lang="en-GB" b="0" i="0" dirty="0" err="1">
-                <a:solidFill>
-                  <a:srgbClr val="374151"/>
-                </a:solidFill>
-                <a:effectLst/>
-                <a:latin typeface="Söhne"/>
-              </a:rPr>
-              <a:t>storiche</a:t>
-            </a:r>
-            <a:r>
-              <a:rPr lang="en-GB" b="0" i="0" dirty="0">
-                <a:solidFill>
-                  <a:srgbClr val="374151"/>
-                </a:solidFill>
-                <a:effectLst/>
-                <a:latin typeface="Söhne"/>
-              </a:rPr>
-              <a:t>, </a:t>
-            </a:r>
-            <a:r>
-              <a:rPr lang="en-GB" b="0" i="0" dirty="0" err="1">
-                <a:solidFill>
-                  <a:srgbClr val="374151"/>
-                </a:solidFill>
-                <a:effectLst/>
-                <a:latin typeface="Söhne"/>
-              </a:rPr>
-              <a:t>sia</a:t>
-            </a:r>
-            <a:r>
-              <a:rPr lang="en-GB" b="0" i="0" dirty="0">
-                <a:solidFill>
-                  <a:srgbClr val="374151"/>
-                </a:solidFill>
-                <a:effectLst/>
-                <a:latin typeface="Söhne"/>
-              </a:rPr>
-              <a:t> multiple </a:t>
-            </a:r>
-            <a:r>
-              <a:rPr lang="en-GB" b="0" i="0" dirty="0" err="1">
-                <a:solidFill>
-                  <a:srgbClr val="374151"/>
-                </a:solidFill>
-                <a:effectLst/>
-                <a:latin typeface="Söhne"/>
-              </a:rPr>
-              <a:t>che</a:t>
-            </a:r>
-            <a:r>
-              <a:rPr lang="en-GB" b="0" i="0" dirty="0">
-                <a:solidFill>
-                  <a:srgbClr val="374151"/>
-                </a:solidFill>
-                <a:effectLst/>
-                <a:latin typeface="Söhne"/>
-              </a:rPr>
-              <a:t> </a:t>
-            </a:r>
-            <a:r>
-              <a:rPr lang="en-GB" b="0" i="0" dirty="0" err="1">
-                <a:solidFill>
-                  <a:srgbClr val="374151"/>
-                </a:solidFill>
-                <a:effectLst/>
-                <a:latin typeface="Söhne"/>
-              </a:rPr>
-              <a:t>gerarchiche</a:t>
-            </a:r>
-            <a:r>
-              <a:rPr lang="en-GB" b="0" i="0" dirty="0">
-                <a:solidFill>
-                  <a:srgbClr val="374151"/>
-                </a:solidFill>
-                <a:effectLst/>
-                <a:latin typeface="Söhne"/>
-              </a:rPr>
-              <a:t>, </a:t>
-            </a:r>
-            <a:r>
-              <a:rPr lang="en-GB" b="0" i="0" dirty="0" err="1">
-                <a:solidFill>
-                  <a:srgbClr val="374151"/>
-                </a:solidFill>
-                <a:effectLst/>
-                <a:latin typeface="Söhne"/>
-              </a:rPr>
-              <a:t>che</a:t>
-            </a:r>
-            <a:r>
-              <a:rPr lang="en-GB" b="0" i="0" dirty="0">
-                <a:solidFill>
-                  <a:srgbClr val="374151"/>
-                </a:solidFill>
-                <a:effectLst/>
-                <a:latin typeface="Söhne"/>
-              </a:rPr>
-              <a:t> </a:t>
-            </a:r>
-            <a:r>
-              <a:rPr lang="en-GB" b="0" i="0" dirty="0" err="1">
-                <a:solidFill>
-                  <a:srgbClr val="374151"/>
-                </a:solidFill>
-                <a:effectLst/>
-                <a:latin typeface="Söhne"/>
-              </a:rPr>
-              <a:t>possono</a:t>
-            </a:r>
-            <a:r>
-              <a:rPr lang="en-GB" b="0" i="0" dirty="0">
-                <a:solidFill>
-                  <a:srgbClr val="374151"/>
-                </a:solidFill>
-                <a:effectLst/>
-                <a:latin typeface="Söhne"/>
-              </a:rPr>
-              <a:t> </a:t>
-            </a:r>
-            <a:r>
-              <a:rPr lang="en-GB" b="0" i="0" dirty="0" err="1">
-                <a:solidFill>
-                  <a:srgbClr val="374151"/>
-                </a:solidFill>
-                <a:effectLst/>
-                <a:latin typeface="Söhne"/>
-              </a:rPr>
-              <a:t>essere</a:t>
-            </a:r>
-            <a:r>
-              <a:rPr lang="en-GB" b="0" i="0" dirty="0">
-                <a:solidFill>
-                  <a:srgbClr val="374151"/>
-                </a:solidFill>
-                <a:effectLst/>
-                <a:latin typeface="Söhne"/>
-              </a:rPr>
-              <a:t> applicate a </a:t>
-            </a:r>
-            <a:r>
-              <a:rPr lang="en-GB" b="0" i="0" dirty="0" err="1">
-                <a:solidFill>
-                  <a:srgbClr val="374151"/>
-                </a:solidFill>
-                <a:effectLst/>
-                <a:latin typeface="Söhne"/>
-              </a:rPr>
-              <a:t>diversi</a:t>
-            </a:r>
-            <a:r>
-              <a:rPr lang="en-GB" b="0" i="0" dirty="0">
-                <a:solidFill>
-                  <a:srgbClr val="374151"/>
-                </a:solidFill>
-                <a:effectLst/>
-                <a:latin typeface="Söhne"/>
-              </a:rPr>
-              <a:t> </a:t>
-            </a:r>
-            <a:r>
-              <a:rPr lang="en-GB" b="0" i="0" dirty="0" err="1">
-                <a:solidFill>
-                  <a:srgbClr val="374151"/>
-                </a:solidFill>
-                <a:effectLst/>
-                <a:latin typeface="Söhne"/>
-              </a:rPr>
-              <a:t>settori</a:t>
-            </a:r>
-            <a:r>
-              <a:rPr lang="en-GB" b="0" i="0" dirty="0">
-                <a:solidFill>
-                  <a:srgbClr val="374151"/>
-                </a:solidFill>
-                <a:effectLst/>
-                <a:latin typeface="Söhne"/>
-              </a:rPr>
-              <a:t>, </a:t>
-            </a:r>
-            <a:r>
-              <a:rPr lang="en-GB" b="0" i="0" dirty="0" err="1">
-                <a:solidFill>
-                  <a:srgbClr val="374151"/>
-                </a:solidFill>
-                <a:effectLst/>
-                <a:latin typeface="Söhne"/>
-              </a:rPr>
-              <a:t>inclusi</a:t>
-            </a:r>
-            <a:r>
-              <a:rPr lang="en-GB" b="0" i="0" dirty="0">
-                <a:solidFill>
-                  <a:srgbClr val="374151"/>
-                </a:solidFill>
-                <a:effectLst/>
-                <a:latin typeface="Söhne"/>
-              </a:rPr>
-              <a:t> </a:t>
-            </a:r>
-            <a:r>
-              <a:rPr lang="en-GB" b="0" i="0" dirty="0" err="1">
-                <a:solidFill>
-                  <a:srgbClr val="374151"/>
-                </a:solidFill>
-                <a:effectLst/>
-                <a:latin typeface="Söhne"/>
-              </a:rPr>
-              <a:t>quelli</a:t>
-            </a:r>
-            <a:r>
-              <a:rPr lang="en-GB" b="0" i="0" dirty="0">
-                <a:solidFill>
-                  <a:srgbClr val="374151"/>
-                </a:solidFill>
-                <a:effectLst/>
-                <a:latin typeface="Söhne"/>
-              </a:rPr>
-              <a:t> </a:t>
-            </a:r>
-            <a:r>
-              <a:rPr lang="en-GB" b="0" i="0" dirty="0" err="1">
-                <a:solidFill>
-                  <a:srgbClr val="374151"/>
-                </a:solidFill>
-                <a:effectLst/>
-                <a:latin typeface="Söhne"/>
-              </a:rPr>
-              <a:t>energetici</a:t>
-            </a:r>
-            <a:r>
-              <a:rPr lang="en-GB" b="0" i="0" dirty="0">
-                <a:solidFill>
-                  <a:srgbClr val="374151"/>
-                </a:solidFill>
-                <a:effectLst/>
-                <a:latin typeface="Söhne"/>
-              </a:rPr>
-              <a:t>. </a:t>
-            </a:r>
-          </a:p>
-          <a:p>
-            <a:endParaRPr lang="en-GB" dirty="0">
-              <a:solidFill>
-                <a:srgbClr val="374151"/>
-              </a:solidFill>
-              <a:latin typeface="Söhne"/>
-            </a:endParaRPr>
+              <a:t>-   Nome</a:t>
+            </a:r>
+          </a:p>
+          <a:p>
+            <a:pPr marL="285750" indent="-285750">
+              <a:buFontTx/>
+              <a:buChar char="-"/>
+            </a:pPr>
+            <a:r>
+              <a:rPr lang="en-IT" dirty="0"/>
+              <a:t>Di cosa vi occupate</a:t>
+            </a:r>
+          </a:p>
+          <a:p>
+            <a:pPr marL="285750" indent="-285750">
+              <a:buFontTx/>
+              <a:buChar char="-"/>
+            </a:pPr>
+            <a:r>
+              <a:rPr lang="en-IT" dirty="0"/>
+              <a:t>Esperienza con altri linguaggi</a:t>
+            </a:r>
+          </a:p>
+          <a:p>
+            <a:pPr marL="285750" indent="-285750">
+              <a:buFontTx/>
+              <a:buChar char="-"/>
+            </a:pPr>
+            <a:r>
+              <a:rPr lang="en-IT" dirty="0"/>
+              <a:t>Esperienza con python o temi di data science</a:t>
+            </a:r>
+          </a:p>
+          <a:p>
+            <a:pPr marL="285750" indent="-285750">
+              <a:buFontTx/>
+              <a:buChar char="-"/>
+            </a:pPr>
+            <a:r>
+              <a:rPr lang="en-IT" dirty="0"/>
+              <a:t>Aspettative sul corso o richieste particolari</a:t>
+            </a:r>
+          </a:p>
+          <a:p>
+            <a:pPr marL="285750" indent="-285750">
+              <a:buFontTx/>
+              <a:buChar char="-"/>
+            </a:pPr>
+            <a:endParaRPr lang="en-IT" dirty="0"/>
           </a:p>
         </p:txBody>
       </p:sp>
     </p:spTree>
     <p:extLst>
       <p:ext uri="{BB962C8B-B14F-4D97-AF65-F5344CB8AC3E}">
-        <p14:creationId xmlns:p14="http://schemas.microsoft.com/office/powerpoint/2010/main" val="1324628795"/>
+        <p14:creationId xmlns:p14="http://schemas.microsoft.com/office/powerpoint/2010/main" val="1003071846"/>
       </p:ext>
     </p:extLst>
   </p:cSld>
@@ -15340,6 +13833,357 @@
       </p:sp>
       <p:sp>
         <p:nvSpPr>
+          <p:cNvPr id="3" name="TextBox 2">
+            <a:extLst>
+              <a:ext uri="{FF2B5EF4-FFF2-40B4-BE49-F238E27FC236}">
+                <a16:creationId xmlns:a16="http://schemas.microsoft.com/office/drawing/2014/main" id="{FD4C1B9D-E7DA-35FA-614D-09C18F2CD006}"/>
+              </a:ext>
+            </a:extLst>
+          </p:cNvPr>
+          <p:cNvSpPr txBox="1"/>
+          <p:nvPr/>
+        </p:nvSpPr>
+        <p:spPr>
+          <a:xfrm>
+            <a:off x="606829" y="1694775"/>
+            <a:ext cx="11363498" cy="2031325"/>
+          </a:xfrm>
+          <a:prstGeom prst="rect">
+            <a:avLst/>
+          </a:prstGeom>
+          <a:noFill/>
+        </p:spPr>
+        <p:txBody>
+          <a:bodyPr wrap="square" rtlCol="0">
+            <a:spAutoFit/>
+          </a:bodyPr>
+          <a:lstStyle/>
+          <a:p>
+            <a:pPr algn="l"/>
+            <a:r>
+              <a:rPr lang="en-GB" b="1" dirty="0" err="1">
+                <a:solidFill>
+                  <a:srgbClr val="374151"/>
+                </a:solidFill>
+                <a:latin typeface="Söhne"/>
+              </a:rPr>
+              <a:t>Parte</a:t>
+            </a:r>
+            <a:r>
+              <a:rPr lang="en-GB" b="1" dirty="0">
+                <a:solidFill>
+                  <a:srgbClr val="374151"/>
+                </a:solidFill>
+                <a:latin typeface="Söhne"/>
+              </a:rPr>
+              <a:t> 1</a:t>
+            </a:r>
+          </a:p>
+          <a:p>
+            <a:pPr algn="l"/>
+            <a:endParaRPr lang="en-GB" b="1" dirty="0">
+              <a:solidFill>
+                <a:srgbClr val="374151"/>
+              </a:solidFill>
+              <a:latin typeface="Söhne"/>
+            </a:endParaRPr>
+          </a:p>
+          <a:p>
+            <a:pPr marL="285750" indent="-285750" algn="l">
+              <a:buFont typeface="Arial" panose="020B0604020202020204" pitchFamily="34" charset="0"/>
+              <a:buChar char="•"/>
+            </a:pPr>
+            <a:r>
+              <a:rPr lang="en-GB" b="1" i="0" dirty="0">
+                <a:solidFill>
+                  <a:srgbClr val="374151"/>
+                </a:solidFill>
+                <a:effectLst/>
+                <a:latin typeface="Söhne"/>
+              </a:rPr>
+              <a:t> </a:t>
+            </a:r>
+            <a:r>
+              <a:rPr lang="en-GB" b="1" i="0" dirty="0" err="1">
+                <a:solidFill>
+                  <a:srgbClr val="374151"/>
+                </a:solidFill>
+                <a:effectLst/>
+                <a:latin typeface="Söhne"/>
+              </a:rPr>
+              <a:t>Introduzione</a:t>
+            </a:r>
+            <a:r>
+              <a:rPr lang="en-GB" b="1" i="0" dirty="0">
+                <a:solidFill>
+                  <a:srgbClr val="374151"/>
+                </a:solidFill>
+                <a:effectLst/>
+                <a:latin typeface="Söhne"/>
+              </a:rPr>
+              <a:t> e </a:t>
+            </a:r>
+            <a:r>
+              <a:rPr lang="en-GB" b="1" i="0" dirty="0" err="1">
+                <a:solidFill>
+                  <a:srgbClr val="374151"/>
+                </a:solidFill>
+                <a:effectLst/>
+                <a:latin typeface="Söhne"/>
+              </a:rPr>
+              <a:t>Sintassi</a:t>
+            </a:r>
+            <a:r>
+              <a:rPr lang="en-GB" b="1" i="0" dirty="0">
+                <a:solidFill>
+                  <a:srgbClr val="374151"/>
+                </a:solidFill>
+                <a:effectLst/>
+                <a:latin typeface="Söhne"/>
+              </a:rPr>
+              <a:t>:</a:t>
+            </a:r>
+          </a:p>
+          <a:p>
+            <a:pPr algn="l"/>
+            <a:r>
+              <a:rPr lang="en-GB" b="0" i="0" dirty="0" err="1">
+                <a:solidFill>
+                  <a:srgbClr val="374151"/>
+                </a:solidFill>
+                <a:effectLst/>
+                <a:latin typeface="Söhne"/>
+              </a:rPr>
+              <a:t>Introduzione</a:t>
+            </a:r>
+            <a:r>
+              <a:rPr lang="en-GB" b="0" i="0" dirty="0">
+                <a:solidFill>
+                  <a:srgbClr val="374151"/>
+                </a:solidFill>
+                <a:effectLst/>
+                <a:latin typeface="Söhne"/>
+              </a:rPr>
+              <a:t> a Python: </a:t>
+            </a:r>
+            <a:r>
+              <a:rPr lang="en-GB" b="0" i="0" dirty="0" err="1">
+                <a:solidFill>
+                  <a:srgbClr val="374151"/>
+                </a:solidFill>
+                <a:effectLst/>
+                <a:latin typeface="Söhne"/>
+              </a:rPr>
+              <a:t>installazione</a:t>
+            </a:r>
+            <a:r>
+              <a:rPr lang="en-GB" b="0" i="0" dirty="0">
+                <a:solidFill>
+                  <a:srgbClr val="374151"/>
+                </a:solidFill>
+                <a:effectLst/>
+                <a:latin typeface="Söhne"/>
+              </a:rPr>
+              <a:t>, </a:t>
+            </a:r>
+            <a:r>
+              <a:rPr lang="en-GB" b="0" i="0" dirty="0" err="1">
+                <a:solidFill>
+                  <a:srgbClr val="374151"/>
+                </a:solidFill>
+                <a:effectLst/>
+                <a:latin typeface="Söhne"/>
+              </a:rPr>
+              <a:t>ambiente</a:t>
+            </a:r>
+            <a:r>
+              <a:rPr lang="en-GB" b="0" i="0" dirty="0">
+                <a:solidFill>
+                  <a:srgbClr val="374151"/>
+                </a:solidFill>
+                <a:effectLst/>
+                <a:latin typeface="Söhne"/>
+              </a:rPr>
+              <a:t> di </a:t>
+            </a:r>
+            <a:r>
+              <a:rPr lang="en-GB" b="0" i="0" dirty="0" err="1">
+                <a:solidFill>
+                  <a:srgbClr val="374151"/>
+                </a:solidFill>
+                <a:effectLst/>
+                <a:latin typeface="Söhne"/>
+              </a:rPr>
+              <a:t>sviluppo</a:t>
+            </a:r>
+            <a:r>
+              <a:rPr lang="en-GB" b="0" i="0" dirty="0">
+                <a:solidFill>
+                  <a:srgbClr val="374151"/>
+                </a:solidFill>
+                <a:effectLst/>
+                <a:latin typeface="Söhne"/>
+              </a:rPr>
+              <a:t>, </a:t>
+            </a:r>
+            <a:r>
+              <a:rPr lang="en-GB" b="0" i="0" dirty="0" err="1">
+                <a:solidFill>
+                  <a:srgbClr val="374151"/>
+                </a:solidFill>
+                <a:effectLst/>
+                <a:latin typeface="Söhne"/>
+              </a:rPr>
+              <a:t>sintassi</a:t>
+            </a:r>
+            <a:r>
+              <a:rPr lang="en-GB" b="0" i="0" dirty="0">
+                <a:solidFill>
+                  <a:srgbClr val="374151"/>
+                </a:solidFill>
+                <a:effectLst/>
+                <a:latin typeface="Söhne"/>
+              </a:rPr>
+              <a:t> di base, </a:t>
+            </a:r>
+            <a:r>
+              <a:rPr lang="en-GB" b="0" i="0" dirty="0" err="1">
+                <a:solidFill>
+                  <a:srgbClr val="374151"/>
+                </a:solidFill>
+                <a:effectLst/>
+                <a:latin typeface="Söhne"/>
+              </a:rPr>
+              <a:t>manipolazione</a:t>
+            </a:r>
+            <a:r>
+              <a:rPr lang="en-GB" b="0" i="0" dirty="0">
+                <a:solidFill>
+                  <a:srgbClr val="374151"/>
+                </a:solidFill>
+                <a:effectLst/>
+                <a:latin typeface="Söhne"/>
+              </a:rPr>
+              <a:t> di </a:t>
+            </a:r>
+            <a:r>
+              <a:rPr lang="en-GB" b="0" i="0" dirty="0" err="1">
+                <a:solidFill>
+                  <a:srgbClr val="374151"/>
+                </a:solidFill>
+                <a:effectLst/>
+                <a:latin typeface="Söhne"/>
+              </a:rPr>
+              <a:t>dati</a:t>
+            </a:r>
+            <a:r>
+              <a:rPr lang="en-GB" b="0" i="0" dirty="0">
+                <a:solidFill>
+                  <a:srgbClr val="374151"/>
+                </a:solidFill>
+                <a:effectLst/>
+                <a:latin typeface="Söhne"/>
+              </a:rPr>
+              <a:t> </a:t>
+            </a:r>
+            <a:r>
+              <a:rPr lang="en-GB" b="0" i="0" dirty="0" err="1">
+                <a:solidFill>
+                  <a:srgbClr val="374151"/>
+                </a:solidFill>
+                <a:effectLst/>
+                <a:latin typeface="Söhne"/>
+              </a:rPr>
+              <a:t>numerici</a:t>
+            </a:r>
+            <a:r>
+              <a:rPr lang="en-GB" b="0" i="0" dirty="0">
+                <a:solidFill>
+                  <a:srgbClr val="374151"/>
+                </a:solidFill>
+                <a:effectLst/>
+                <a:latin typeface="Söhne"/>
+              </a:rPr>
+              <a:t> e </a:t>
+            </a:r>
+            <a:r>
+              <a:rPr lang="en-GB" b="0" i="0" dirty="0" err="1">
+                <a:solidFill>
+                  <a:srgbClr val="374151"/>
+                </a:solidFill>
+                <a:effectLst/>
+                <a:latin typeface="Söhne"/>
+              </a:rPr>
+              <a:t>testuali</a:t>
+            </a:r>
+            <a:r>
+              <a:rPr lang="en-GB" b="0" i="0" dirty="0">
+                <a:solidFill>
+                  <a:srgbClr val="374151"/>
+                </a:solidFill>
+                <a:effectLst/>
+                <a:latin typeface="Söhne"/>
+              </a:rPr>
+              <a:t>, e </a:t>
+            </a:r>
+            <a:r>
+              <a:rPr lang="en-GB" b="0" i="0" dirty="0" err="1">
+                <a:solidFill>
+                  <a:srgbClr val="374151"/>
+                </a:solidFill>
+                <a:effectLst/>
+                <a:latin typeface="Söhne"/>
+              </a:rPr>
+              <a:t>librerie</a:t>
+            </a:r>
+            <a:r>
+              <a:rPr lang="en-GB" b="0" i="0" dirty="0">
+                <a:solidFill>
+                  <a:srgbClr val="374151"/>
+                </a:solidFill>
+                <a:effectLst/>
+                <a:latin typeface="Söhne"/>
+              </a:rPr>
+              <a:t> </a:t>
+            </a:r>
+            <a:r>
+              <a:rPr lang="en-GB" b="0" i="0" dirty="0" err="1">
+                <a:solidFill>
+                  <a:srgbClr val="374151"/>
+                </a:solidFill>
+                <a:effectLst/>
+                <a:latin typeface="Söhne"/>
+              </a:rPr>
+              <a:t>della</a:t>
+            </a:r>
+            <a:r>
+              <a:rPr lang="en-GB" b="0" i="0" dirty="0">
+                <a:solidFill>
+                  <a:srgbClr val="374151"/>
+                </a:solidFill>
+                <a:effectLst/>
+                <a:latin typeface="Söhne"/>
+              </a:rPr>
+              <a:t> community.</a:t>
+            </a:r>
+          </a:p>
+          <a:p>
+            <a:pPr algn="l"/>
+            <a:endParaRPr lang="en-GB" b="0" i="0" dirty="0">
+              <a:solidFill>
+                <a:srgbClr val="374151"/>
+              </a:solidFill>
+              <a:effectLst/>
+              <a:latin typeface="Söhne"/>
+            </a:endParaRPr>
+          </a:p>
+          <a:p>
+            <a:endParaRPr lang="en-IT" dirty="0"/>
+          </a:p>
+        </p:txBody>
+      </p:sp>
+      <p:sp>
+        <p:nvSpPr>
           <p:cNvPr id="4" name="TextBox 3">
             <a:extLst>
               <a:ext uri="{FF2B5EF4-FFF2-40B4-BE49-F238E27FC236}">
@@ -15353,7 +14197,7 @@
         <p:spPr>
           <a:xfrm>
             <a:off x="606829" y="426315"/>
-            <a:ext cx="3677610" cy="369332"/>
+            <a:ext cx="3042821" cy="369332"/>
           </a:xfrm>
           <a:prstGeom prst="rect">
             <a:avLst/>
@@ -15368,7 +14212,7 @@
           <a:p>
             <a:r>
               <a:rPr lang="en-IT" dirty="0"/>
-              <a:t>PRESENTAZIONE PARTECIPANTI</a:t>
+              <a:t>PROGRAMMA DEL CORSO</a:t>
             </a:r>
           </a:p>
         </p:txBody>
@@ -15387,8 +14231,8 @@
         </p:nvSpPr>
         <p:spPr>
           <a:xfrm>
-            <a:off x="606829" y="1571115"/>
-            <a:ext cx="5032147" cy="1754326"/>
+            <a:off x="606829" y="1017117"/>
+            <a:ext cx="1077539" cy="369332"/>
           </a:xfrm>
           <a:prstGeom prst="rect">
             <a:avLst/>
@@ -15403,54 +14247,629 @@
           <a:p>
             <a:r>
               <a:rPr lang="en-IT" dirty="0"/>
-              <a:t>-   Nome</a:t>
-            </a:r>
-          </a:p>
-          <a:p>
-            <a:pPr marL="285750" indent="-285750">
-              <a:buFontTx/>
-              <a:buChar char="-"/>
+              <a:t>Giorno 1</a:t>
+            </a:r>
+          </a:p>
+        </p:txBody>
+      </p:sp>
+      <p:sp>
+        <p:nvSpPr>
+          <p:cNvPr id="6" name="CasellaDiTesto 1">
+            <a:extLst>
+              <a:ext uri="{FF2B5EF4-FFF2-40B4-BE49-F238E27FC236}">
+                <a16:creationId xmlns:a16="http://schemas.microsoft.com/office/drawing/2014/main" id="{35D6CF70-56AF-A22D-3A00-8DCF34467A4A}"/>
+              </a:ext>
+            </a:extLst>
+          </p:cNvPr>
+          <p:cNvSpPr txBox="1"/>
+          <p:nvPr/>
+        </p:nvSpPr>
+        <p:spPr>
+          <a:xfrm>
+            <a:off x="2682240" y="2470243"/>
+            <a:ext cx="184731" cy="369332"/>
+          </a:xfrm>
+          <a:prstGeom prst="rect">
+            <a:avLst/>
+          </a:prstGeom>
+          <a:noFill/>
+        </p:spPr>
+        <p:txBody>
+          <a:bodyPr wrap="none" rtlCol="0">
+            <a:spAutoFit/>
+          </a:bodyPr>
+          <a:lstStyle/>
+          <a:p>
+            <a:endParaRPr lang="it-IT" dirty="0"/>
+          </a:p>
+        </p:txBody>
+      </p:sp>
+      <p:sp>
+        <p:nvSpPr>
+          <p:cNvPr id="7" name="TextBox 6">
+            <a:extLst>
+              <a:ext uri="{FF2B5EF4-FFF2-40B4-BE49-F238E27FC236}">
+                <a16:creationId xmlns:a16="http://schemas.microsoft.com/office/drawing/2014/main" id="{B661FA2B-9321-2725-A254-39147327D77A}"/>
+              </a:ext>
+            </a:extLst>
+          </p:cNvPr>
+          <p:cNvSpPr txBox="1"/>
+          <p:nvPr/>
+        </p:nvSpPr>
+        <p:spPr>
+          <a:xfrm>
+            <a:off x="606829" y="3338329"/>
+            <a:ext cx="11363498" cy="2308324"/>
+          </a:xfrm>
+          <a:prstGeom prst="rect">
+            <a:avLst/>
+          </a:prstGeom>
+          <a:noFill/>
+        </p:spPr>
+        <p:txBody>
+          <a:bodyPr wrap="square" rtlCol="0">
+            <a:spAutoFit/>
+          </a:bodyPr>
+          <a:lstStyle/>
+          <a:p>
+            <a:r>
+              <a:rPr lang="en-GB" b="1" dirty="0" err="1">
+                <a:solidFill>
+                  <a:srgbClr val="374151"/>
+                </a:solidFill>
+                <a:latin typeface="Söhne"/>
+              </a:rPr>
+              <a:t>Parte</a:t>
+            </a:r>
+            <a:r>
+              <a:rPr lang="en-GB" b="1" dirty="0">
+                <a:solidFill>
+                  <a:srgbClr val="374151"/>
+                </a:solidFill>
+                <a:latin typeface="Söhne"/>
+              </a:rPr>
+              <a:t> 2</a:t>
+            </a:r>
+          </a:p>
+          <a:p>
+            <a:pPr algn="l"/>
+            <a:endParaRPr lang="en-GB" b="0" i="0" dirty="0">
+              <a:solidFill>
+                <a:srgbClr val="374151"/>
+              </a:solidFill>
+              <a:effectLst/>
+              <a:latin typeface="Söhne"/>
+            </a:endParaRPr>
+          </a:p>
+          <a:p>
+            <a:pPr marL="285750" indent="-285750" algn="l">
+              <a:buFont typeface="Arial" panose="020B0604020202020204" pitchFamily="34" charset="0"/>
+              <a:buChar char="•"/>
             </a:pPr>
             <a:r>
-              <a:rPr lang="en-IT" dirty="0"/>
-              <a:t>Di cosa vi occupate</a:t>
-            </a:r>
-          </a:p>
-          <a:p>
-            <a:pPr marL="285750" indent="-285750">
-              <a:buFontTx/>
-              <a:buChar char="-"/>
+              <a:rPr lang="en-GB" b="1" i="0" dirty="0">
+                <a:solidFill>
+                  <a:srgbClr val="374151"/>
+                </a:solidFill>
+                <a:effectLst/>
+                <a:latin typeface="Söhne"/>
+              </a:rPr>
+              <a:t>  Tipi di Dato e </a:t>
+            </a:r>
+            <a:r>
+              <a:rPr lang="en-GB" b="1" i="0" dirty="0" err="1">
+                <a:solidFill>
+                  <a:srgbClr val="374151"/>
+                </a:solidFill>
+                <a:effectLst/>
+                <a:latin typeface="Söhne"/>
+              </a:rPr>
+              <a:t>Manipolazione</a:t>
+            </a:r>
+            <a:r>
+              <a:rPr lang="en-GB" b="0" i="0" dirty="0">
+                <a:solidFill>
+                  <a:srgbClr val="374151"/>
+                </a:solidFill>
+                <a:effectLst/>
+                <a:latin typeface="Söhne"/>
+              </a:rPr>
+              <a:t>:</a:t>
+            </a:r>
+          </a:p>
+          <a:p>
+            <a:pPr algn="l"/>
+            <a:r>
+              <a:rPr lang="en-GB" b="0" i="0" dirty="0" err="1">
+                <a:solidFill>
+                  <a:srgbClr val="374151"/>
+                </a:solidFill>
+                <a:effectLst/>
+                <a:latin typeface="Söhne"/>
+              </a:rPr>
+              <a:t>Utilizzo</a:t>
+            </a:r>
+            <a:r>
+              <a:rPr lang="en-GB" b="0" i="0" dirty="0">
+                <a:solidFill>
+                  <a:srgbClr val="374151"/>
+                </a:solidFill>
+                <a:effectLst/>
+                <a:latin typeface="Söhne"/>
+              </a:rPr>
+              <a:t> di </a:t>
+            </a:r>
+            <a:r>
+              <a:rPr lang="en-GB" b="0" i="0" dirty="0" err="1">
+                <a:solidFill>
+                  <a:srgbClr val="374151"/>
+                </a:solidFill>
+                <a:effectLst/>
+                <a:latin typeface="Söhne"/>
+              </a:rPr>
+              <a:t>liste</a:t>
+            </a:r>
+            <a:r>
+              <a:rPr lang="en-GB" b="0" i="0" dirty="0">
+                <a:solidFill>
+                  <a:srgbClr val="374151"/>
+                </a:solidFill>
+                <a:effectLst/>
+                <a:latin typeface="Söhne"/>
+              </a:rPr>
+              <a:t>, tuple e </a:t>
+            </a:r>
+            <a:r>
+              <a:rPr lang="en-GB" b="0" i="0" dirty="0" err="1">
+                <a:solidFill>
+                  <a:srgbClr val="374151"/>
+                </a:solidFill>
+                <a:effectLst/>
+                <a:latin typeface="Söhne"/>
+              </a:rPr>
+              <a:t>dizionari</a:t>
+            </a:r>
+            <a:r>
+              <a:rPr lang="en-GB" b="0" i="0" dirty="0">
+                <a:solidFill>
+                  <a:srgbClr val="374151"/>
+                </a:solidFill>
+                <a:effectLst/>
+                <a:latin typeface="Söhne"/>
+              </a:rPr>
+              <a:t> per </a:t>
+            </a:r>
+            <a:r>
+              <a:rPr lang="en-GB" b="0" i="0" dirty="0" err="1">
+                <a:solidFill>
+                  <a:srgbClr val="374151"/>
+                </a:solidFill>
+                <a:effectLst/>
+                <a:latin typeface="Söhne"/>
+              </a:rPr>
+              <a:t>rappresentare</a:t>
+            </a:r>
+            <a:r>
+              <a:rPr lang="en-GB" b="0" i="0" dirty="0">
+                <a:solidFill>
+                  <a:srgbClr val="374151"/>
+                </a:solidFill>
+                <a:effectLst/>
+                <a:latin typeface="Söhne"/>
+              </a:rPr>
+              <a:t> </a:t>
+            </a:r>
+            <a:r>
+              <a:rPr lang="en-GB" b="0" i="0" dirty="0" err="1">
+                <a:solidFill>
+                  <a:srgbClr val="374151"/>
+                </a:solidFill>
+                <a:effectLst/>
+                <a:latin typeface="Söhne"/>
+              </a:rPr>
+              <a:t>dati</a:t>
+            </a:r>
+            <a:r>
+              <a:rPr lang="en-GB" b="0" i="0" dirty="0">
+                <a:solidFill>
+                  <a:srgbClr val="374151"/>
+                </a:solidFill>
+                <a:effectLst/>
+                <a:latin typeface="Söhne"/>
+              </a:rPr>
+              <a:t> e </a:t>
+            </a:r>
+            <a:r>
+              <a:rPr lang="en-GB" b="0" i="0" dirty="0" err="1">
+                <a:solidFill>
+                  <a:srgbClr val="374151"/>
+                </a:solidFill>
+                <a:effectLst/>
+                <a:latin typeface="Söhne"/>
+              </a:rPr>
+              <a:t>svolgere</a:t>
+            </a:r>
+            <a:r>
+              <a:rPr lang="en-GB" b="0" i="0" dirty="0">
+                <a:solidFill>
+                  <a:srgbClr val="374151"/>
+                </a:solidFill>
+                <a:effectLst/>
+                <a:latin typeface="Söhne"/>
+              </a:rPr>
+              <a:t> </a:t>
+            </a:r>
+            <a:r>
+              <a:rPr lang="en-GB" b="0" i="0" dirty="0" err="1">
+                <a:solidFill>
+                  <a:srgbClr val="374151"/>
+                </a:solidFill>
+                <a:effectLst/>
+                <a:latin typeface="Söhne"/>
+              </a:rPr>
+              <a:t>operazioni</a:t>
+            </a:r>
+            <a:r>
+              <a:rPr lang="en-GB" b="0" i="0" dirty="0">
+                <a:solidFill>
+                  <a:srgbClr val="374151"/>
+                </a:solidFill>
+                <a:effectLst/>
+                <a:latin typeface="Söhne"/>
+              </a:rPr>
+              <a:t> </a:t>
+            </a:r>
+            <a:r>
+              <a:rPr lang="en-GB" b="0" i="0" dirty="0" err="1">
+                <a:solidFill>
+                  <a:srgbClr val="374151"/>
+                </a:solidFill>
+                <a:effectLst/>
+                <a:latin typeface="Söhne"/>
+              </a:rPr>
+              <a:t>su</a:t>
+            </a:r>
+            <a:r>
+              <a:rPr lang="en-GB" b="0" i="0" dirty="0">
+                <a:solidFill>
+                  <a:srgbClr val="374151"/>
+                </a:solidFill>
+                <a:effectLst/>
+                <a:latin typeface="Söhne"/>
+              </a:rPr>
+              <a:t> di </a:t>
+            </a:r>
+            <a:r>
+              <a:rPr lang="en-GB" b="0" i="0" dirty="0" err="1">
+                <a:solidFill>
+                  <a:srgbClr val="374151"/>
+                </a:solidFill>
+                <a:effectLst/>
+                <a:latin typeface="Söhne"/>
+              </a:rPr>
+              <a:t>essi</a:t>
+            </a:r>
+            <a:r>
+              <a:rPr lang="en-GB" b="0" i="0" dirty="0">
+                <a:solidFill>
+                  <a:srgbClr val="374151"/>
+                </a:solidFill>
+                <a:effectLst/>
+                <a:latin typeface="Söhne"/>
+              </a:rPr>
+              <a:t>.</a:t>
+            </a:r>
+          </a:p>
+          <a:p>
+            <a:pPr algn="l"/>
+            <a:endParaRPr lang="en-GB" b="0" i="0" dirty="0">
+              <a:solidFill>
+                <a:srgbClr val="374151"/>
+              </a:solidFill>
+              <a:effectLst/>
+              <a:latin typeface="Söhne"/>
+            </a:endParaRPr>
+          </a:p>
+          <a:p>
+            <a:pPr marL="285750" indent="-285750" algn="l">
+              <a:buFont typeface="Arial" panose="020B0604020202020204" pitchFamily="34" charset="0"/>
+              <a:buChar char="•"/>
             </a:pPr>
             <a:r>
-              <a:rPr lang="en-IT" dirty="0"/>
-              <a:t>Esperienza con altri linguaggi</a:t>
-            </a:r>
-          </a:p>
-          <a:p>
-            <a:pPr marL="285750" indent="-285750">
-              <a:buFontTx/>
-              <a:buChar char="-"/>
-            </a:pPr>
-            <a:r>
-              <a:rPr lang="en-IT" dirty="0"/>
-              <a:t>Esperienza con python o temi di data science</a:t>
-            </a:r>
-          </a:p>
-          <a:p>
-            <a:pPr marL="285750" indent="-285750">
-              <a:buFontTx/>
-              <a:buChar char="-"/>
-            </a:pPr>
-            <a:r>
-              <a:rPr lang="en-IT" dirty="0"/>
-              <a:t>Aspettative sul corso o richieste particolari</a:t>
-            </a:r>
-          </a:p>
-          <a:p>
-            <a:pPr marL="285750" indent="-285750">
-              <a:buFontTx/>
-              <a:buChar char="-"/>
-            </a:pPr>
+              <a:rPr lang="en-GB" b="1" i="0" dirty="0">
+                <a:solidFill>
+                  <a:srgbClr val="374151"/>
+                </a:solidFill>
+                <a:effectLst/>
+                <a:latin typeface="Söhne"/>
+              </a:rPr>
+              <a:t>  </a:t>
+            </a:r>
+            <a:r>
+              <a:rPr lang="en-GB" b="1" i="0" dirty="0" err="1">
+                <a:solidFill>
+                  <a:srgbClr val="374151"/>
+                </a:solidFill>
+                <a:effectLst/>
+                <a:latin typeface="Söhne"/>
+              </a:rPr>
+              <a:t>Funzioni</a:t>
+            </a:r>
+            <a:r>
+              <a:rPr lang="en-GB" b="1" i="0" dirty="0">
+                <a:solidFill>
+                  <a:srgbClr val="374151"/>
+                </a:solidFill>
+                <a:effectLst/>
+                <a:latin typeface="Söhne"/>
+              </a:rPr>
+              <a:t> e </a:t>
+            </a:r>
+            <a:r>
+              <a:rPr lang="en-GB" b="1" i="0" dirty="0" err="1">
+                <a:solidFill>
+                  <a:srgbClr val="374151"/>
+                </a:solidFill>
+                <a:effectLst/>
+                <a:latin typeface="Söhne"/>
+              </a:rPr>
+              <a:t>Gestione</a:t>
+            </a:r>
+            <a:r>
+              <a:rPr lang="en-GB" b="1" i="0" dirty="0">
+                <a:solidFill>
+                  <a:srgbClr val="374151"/>
+                </a:solidFill>
+                <a:effectLst/>
+                <a:latin typeface="Söhne"/>
+              </a:rPr>
+              <a:t> </a:t>
+            </a:r>
+            <a:r>
+              <a:rPr lang="en-GB" b="1" i="0" dirty="0" err="1">
+                <a:solidFill>
+                  <a:srgbClr val="374151"/>
+                </a:solidFill>
+                <a:effectLst/>
+                <a:latin typeface="Söhne"/>
+              </a:rPr>
+              <a:t>delle</a:t>
+            </a:r>
+            <a:r>
+              <a:rPr lang="en-GB" b="1" i="0" dirty="0">
+                <a:solidFill>
+                  <a:srgbClr val="374151"/>
+                </a:solidFill>
+                <a:effectLst/>
+                <a:latin typeface="Söhne"/>
+              </a:rPr>
+              <a:t> </a:t>
+            </a:r>
+            <a:r>
+              <a:rPr lang="en-GB" b="1" i="0" dirty="0" err="1">
+                <a:solidFill>
+                  <a:srgbClr val="374151"/>
+                </a:solidFill>
+                <a:effectLst/>
+                <a:latin typeface="Söhne"/>
+              </a:rPr>
+              <a:t>Eccezioni</a:t>
+            </a:r>
+            <a:r>
+              <a:rPr lang="en-GB" b="0" i="0" dirty="0">
+                <a:solidFill>
+                  <a:srgbClr val="374151"/>
+                </a:solidFill>
+                <a:effectLst/>
+                <a:latin typeface="Söhne"/>
+              </a:rPr>
+              <a:t>:</a:t>
+            </a:r>
+          </a:p>
+          <a:p>
+            <a:pPr algn="l"/>
+            <a:r>
+              <a:rPr lang="en-GB" b="0" i="0" dirty="0" err="1">
+                <a:solidFill>
+                  <a:srgbClr val="374151"/>
+                </a:solidFill>
+                <a:effectLst/>
+                <a:latin typeface="Söhne"/>
+              </a:rPr>
+              <a:t>Gestione</a:t>
+            </a:r>
+            <a:r>
+              <a:rPr lang="en-GB" b="0" i="0" dirty="0">
+                <a:solidFill>
+                  <a:srgbClr val="374151"/>
+                </a:solidFill>
+                <a:effectLst/>
+                <a:latin typeface="Söhne"/>
+              </a:rPr>
+              <a:t> </a:t>
+            </a:r>
+            <a:r>
+              <a:rPr lang="en-GB" b="0" i="0" dirty="0" err="1">
+                <a:solidFill>
+                  <a:srgbClr val="374151"/>
+                </a:solidFill>
+                <a:effectLst/>
+                <a:latin typeface="Söhne"/>
+              </a:rPr>
+              <a:t>delle</a:t>
+            </a:r>
+            <a:r>
+              <a:rPr lang="en-GB" b="0" i="0" dirty="0">
+                <a:solidFill>
+                  <a:srgbClr val="374151"/>
+                </a:solidFill>
+                <a:effectLst/>
+                <a:latin typeface="Söhne"/>
+              </a:rPr>
+              <a:t> </a:t>
+            </a:r>
+            <a:r>
+              <a:rPr lang="en-GB" b="0" i="0" dirty="0" err="1">
+                <a:solidFill>
+                  <a:srgbClr val="374151"/>
+                </a:solidFill>
+                <a:effectLst/>
+                <a:latin typeface="Söhne"/>
+              </a:rPr>
+              <a:t>eccezioni</a:t>
+            </a:r>
+            <a:r>
+              <a:rPr lang="en-GB" b="0" i="0" dirty="0">
+                <a:solidFill>
+                  <a:srgbClr val="374151"/>
+                </a:solidFill>
+                <a:effectLst/>
+                <a:latin typeface="Söhne"/>
+              </a:rPr>
+              <a:t>, </a:t>
+            </a:r>
+            <a:r>
+              <a:rPr lang="en-GB" b="0" i="0" dirty="0" err="1">
+                <a:solidFill>
+                  <a:srgbClr val="374151"/>
+                </a:solidFill>
+                <a:effectLst/>
+                <a:latin typeface="Söhne"/>
+              </a:rPr>
+              <a:t>cicli</a:t>
+            </a:r>
+            <a:r>
+              <a:rPr lang="en-GB" b="0" i="0" dirty="0">
+                <a:solidFill>
+                  <a:srgbClr val="374151"/>
+                </a:solidFill>
+                <a:effectLst/>
+                <a:latin typeface="Söhne"/>
+              </a:rPr>
+              <a:t> di </a:t>
+            </a:r>
+            <a:r>
+              <a:rPr lang="en-GB" b="0" i="0" dirty="0" err="1">
+                <a:solidFill>
+                  <a:srgbClr val="374151"/>
+                </a:solidFill>
+                <a:effectLst/>
+                <a:latin typeface="Söhne"/>
+              </a:rPr>
+              <a:t>dati</a:t>
+            </a:r>
+            <a:r>
+              <a:rPr lang="en-GB" b="0" i="0" dirty="0">
+                <a:solidFill>
+                  <a:srgbClr val="374151"/>
+                </a:solidFill>
+                <a:effectLst/>
+                <a:latin typeface="Söhne"/>
+              </a:rPr>
+              <a:t>, </a:t>
+            </a:r>
+            <a:r>
+              <a:rPr lang="en-GB" b="0" i="0" dirty="0" err="1">
+                <a:solidFill>
+                  <a:srgbClr val="374151"/>
+                </a:solidFill>
+                <a:effectLst/>
+                <a:latin typeface="Söhne"/>
+              </a:rPr>
+              <a:t>creazione</a:t>
+            </a:r>
+            <a:r>
+              <a:rPr lang="en-GB" b="0" i="0" dirty="0">
+                <a:solidFill>
+                  <a:srgbClr val="374151"/>
+                </a:solidFill>
+                <a:effectLst/>
+                <a:latin typeface="Söhne"/>
+              </a:rPr>
+              <a:t> di </a:t>
+            </a:r>
+            <a:r>
+              <a:rPr lang="en-GB" b="0" i="0" dirty="0" err="1">
+                <a:solidFill>
+                  <a:srgbClr val="374151"/>
+                </a:solidFill>
+                <a:effectLst/>
+                <a:latin typeface="Söhne"/>
+              </a:rPr>
+              <a:t>funzioni</a:t>
+            </a:r>
+            <a:r>
+              <a:rPr lang="en-GB" b="0" i="0" dirty="0">
+                <a:solidFill>
+                  <a:srgbClr val="374151"/>
+                </a:solidFill>
+                <a:effectLst/>
+                <a:latin typeface="Söhne"/>
+              </a:rPr>
+              <a:t> </a:t>
+            </a:r>
+            <a:r>
+              <a:rPr lang="en-GB" b="0" i="0" dirty="0" err="1">
+                <a:solidFill>
+                  <a:srgbClr val="374151"/>
+                </a:solidFill>
+                <a:effectLst/>
+                <a:latin typeface="Söhne"/>
+              </a:rPr>
+              <a:t>personalizzate</a:t>
+            </a:r>
+            <a:r>
+              <a:rPr lang="en-GB" b="0" i="0" dirty="0">
+                <a:solidFill>
+                  <a:srgbClr val="374151"/>
+                </a:solidFill>
+                <a:effectLst/>
+                <a:latin typeface="Söhne"/>
+              </a:rPr>
+              <a:t> e </a:t>
+            </a:r>
+            <a:r>
+              <a:rPr lang="en-GB" b="0" i="0" dirty="0" err="1">
+                <a:solidFill>
+                  <a:srgbClr val="374151"/>
+                </a:solidFill>
+                <a:effectLst/>
+                <a:latin typeface="Söhne"/>
+              </a:rPr>
+              <a:t>gestione</a:t>
+            </a:r>
+            <a:r>
+              <a:rPr lang="en-GB" b="0" i="0" dirty="0">
+                <a:solidFill>
+                  <a:srgbClr val="374151"/>
+                </a:solidFill>
+                <a:effectLst/>
+                <a:latin typeface="Söhne"/>
+              </a:rPr>
+              <a:t> di </a:t>
+            </a:r>
+            <a:r>
+              <a:rPr lang="en-GB" b="0" i="0" dirty="0" err="1">
+                <a:solidFill>
+                  <a:srgbClr val="374151"/>
+                </a:solidFill>
+                <a:effectLst/>
+                <a:latin typeface="Söhne"/>
+              </a:rPr>
+              <a:t>errori</a:t>
+            </a:r>
+            <a:r>
+              <a:rPr lang="en-GB" b="0" i="0" dirty="0">
+                <a:solidFill>
+                  <a:srgbClr val="374151"/>
+                </a:solidFill>
+                <a:effectLst/>
+                <a:latin typeface="Söhne"/>
+              </a:rPr>
+              <a:t>.</a:t>
+            </a:r>
+          </a:p>
+          <a:p>
             <a:endParaRPr lang="en-IT" dirty="0"/>
           </a:p>
         </p:txBody>
@@ -15458,7 +14877,7 @@
     </p:spTree>
     <p:extLst>
       <p:ext uri="{BB962C8B-B14F-4D97-AF65-F5344CB8AC3E}">
-        <p14:creationId xmlns:p14="http://schemas.microsoft.com/office/powerpoint/2010/main" val="1003071846"/>
+        <p14:creationId xmlns:p14="http://schemas.microsoft.com/office/powerpoint/2010/main" val="45302024"/>
       </p:ext>
     </p:extLst>
   </p:cSld>
@@ -15469,6 +14888,1019 @@
 </file>
 
 <file path=ppt/slides/slide4.xml><?xml version="1.0" encoding="utf-8"?>
+<p:sld xmlns:a="http://schemas.openxmlformats.org/drawingml/2006/main" xmlns:r="http://schemas.openxmlformats.org/officeDocument/2006/relationships" xmlns:p="http://schemas.openxmlformats.org/presentationml/2006/main">
+  <p:cSld>
+    <p:spTree>
+      <p:nvGrpSpPr>
+        <p:cNvPr id="1" name=""/>
+        <p:cNvGrpSpPr/>
+        <p:nvPr/>
+      </p:nvGrpSpPr>
+      <p:grpSpPr>
+        <a:xfrm>
+          <a:off x="0" y="0"/>
+          <a:ext cx="0" cy="0"/>
+          <a:chOff x="0" y="0"/>
+          <a:chExt cx="0" cy="0"/>
+        </a:xfrm>
+      </p:grpSpPr>
+      <p:sp>
+        <p:nvSpPr>
+          <p:cNvPr id="2" name="CasellaDiTesto 1">
+            <a:extLst>
+              <a:ext uri="{FF2B5EF4-FFF2-40B4-BE49-F238E27FC236}">
+                <a16:creationId xmlns:a16="http://schemas.microsoft.com/office/drawing/2014/main" id="{0D44854F-2D30-FA80-801A-BA45E86EE13F}"/>
+              </a:ext>
+            </a:extLst>
+          </p:cNvPr>
+          <p:cNvSpPr txBox="1"/>
+          <p:nvPr/>
+        </p:nvSpPr>
+        <p:spPr>
+          <a:xfrm>
+            <a:off x="2682240" y="1052698"/>
+            <a:ext cx="184731" cy="369332"/>
+          </a:xfrm>
+          <a:prstGeom prst="rect">
+            <a:avLst/>
+          </a:prstGeom>
+          <a:noFill/>
+        </p:spPr>
+        <p:txBody>
+          <a:bodyPr wrap="none" rtlCol="0">
+            <a:spAutoFit/>
+          </a:bodyPr>
+          <a:lstStyle/>
+          <a:p>
+            <a:endParaRPr lang="it-IT" dirty="0"/>
+          </a:p>
+        </p:txBody>
+      </p:sp>
+      <p:sp>
+        <p:nvSpPr>
+          <p:cNvPr id="3" name="TextBox 2">
+            <a:extLst>
+              <a:ext uri="{FF2B5EF4-FFF2-40B4-BE49-F238E27FC236}">
+                <a16:creationId xmlns:a16="http://schemas.microsoft.com/office/drawing/2014/main" id="{FD4C1B9D-E7DA-35FA-614D-09C18F2CD006}"/>
+              </a:ext>
+            </a:extLst>
+          </p:cNvPr>
+          <p:cNvSpPr txBox="1"/>
+          <p:nvPr/>
+        </p:nvSpPr>
+        <p:spPr>
+          <a:xfrm>
+            <a:off x="606829" y="1718599"/>
+            <a:ext cx="11363498" cy="2308324"/>
+          </a:xfrm>
+          <a:prstGeom prst="rect">
+            <a:avLst/>
+          </a:prstGeom>
+          <a:noFill/>
+        </p:spPr>
+        <p:txBody>
+          <a:bodyPr wrap="square" rtlCol="0">
+            <a:spAutoFit/>
+          </a:bodyPr>
+          <a:lstStyle/>
+          <a:p>
+            <a:r>
+              <a:rPr lang="en-GB" b="1" dirty="0" err="1">
+                <a:solidFill>
+                  <a:srgbClr val="374151"/>
+                </a:solidFill>
+                <a:latin typeface="Söhne"/>
+              </a:rPr>
+              <a:t>Parte</a:t>
+            </a:r>
+            <a:r>
+              <a:rPr lang="en-GB" b="1" dirty="0">
+                <a:solidFill>
+                  <a:srgbClr val="374151"/>
+                </a:solidFill>
+                <a:latin typeface="Söhne"/>
+              </a:rPr>
+              <a:t> 1</a:t>
+            </a:r>
+          </a:p>
+          <a:p>
+            <a:pPr algn="l"/>
+            <a:endParaRPr lang="en-GB" b="0" i="0" dirty="0">
+              <a:solidFill>
+                <a:srgbClr val="374151"/>
+              </a:solidFill>
+              <a:effectLst/>
+              <a:latin typeface="Söhne"/>
+            </a:endParaRPr>
+          </a:p>
+          <a:p>
+            <a:pPr indent="-342900">
+              <a:buFont typeface="Arial" panose="020B0604020202020204" pitchFamily="34" charset="0"/>
+              <a:buChar char="•"/>
+            </a:pPr>
+            <a:r>
+              <a:rPr lang="en-GB" b="1" dirty="0">
+                <a:solidFill>
+                  <a:srgbClr val="374151"/>
+                </a:solidFill>
+                <a:latin typeface="Söhne"/>
+              </a:rPr>
+              <a:t>La </a:t>
+            </a:r>
+            <a:r>
+              <a:rPr lang="en-GB" b="1" dirty="0" err="1">
+                <a:solidFill>
+                  <a:srgbClr val="374151"/>
+                </a:solidFill>
+                <a:latin typeface="Söhne"/>
+              </a:rPr>
+              <a:t>programmazione</a:t>
+            </a:r>
+            <a:r>
+              <a:rPr lang="en-GB" b="1" dirty="0">
+                <a:solidFill>
+                  <a:srgbClr val="374151"/>
+                </a:solidFill>
+                <a:latin typeface="Söhne"/>
+              </a:rPr>
+              <a:t> a </a:t>
+            </a:r>
+            <a:r>
+              <a:rPr lang="en-GB" b="1" dirty="0" err="1">
+                <a:solidFill>
+                  <a:srgbClr val="374151"/>
+                </a:solidFill>
+                <a:latin typeface="Söhne"/>
+              </a:rPr>
+              <a:t>oggetti</a:t>
+            </a:r>
+            <a:r>
+              <a:rPr lang="en-GB" b="1" dirty="0">
+                <a:solidFill>
+                  <a:srgbClr val="374151"/>
+                </a:solidFill>
+                <a:latin typeface="Söhne"/>
+              </a:rPr>
+              <a:t>, Python </a:t>
+            </a:r>
+            <a:r>
+              <a:rPr lang="en-GB" b="1" dirty="0" err="1">
+                <a:solidFill>
+                  <a:srgbClr val="374151"/>
+                </a:solidFill>
+                <a:latin typeface="Söhne"/>
+              </a:rPr>
+              <a:t>nella</a:t>
+            </a:r>
+            <a:r>
+              <a:rPr lang="en-GB" b="1" dirty="0">
+                <a:solidFill>
+                  <a:srgbClr val="374151"/>
+                </a:solidFill>
+                <a:latin typeface="Söhne"/>
+              </a:rPr>
+              <a:t> </a:t>
+            </a:r>
+            <a:r>
+              <a:rPr lang="en-GB" b="1" dirty="0" err="1">
+                <a:solidFill>
+                  <a:srgbClr val="374151"/>
+                </a:solidFill>
+                <a:latin typeface="Söhne"/>
+              </a:rPr>
+              <a:t>pratica</a:t>
+            </a:r>
+            <a:r>
+              <a:rPr lang="en-GB" b="1" dirty="0">
+                <a:solidFill>
+                  <a:srgbClr val="374151"/>
+                </a:solidFill>
+                <a:latin typeface="Söhne"/>
+              </a:rPr>
+              <a:t>:</a:t>
+            </a:r>
+          </a:p>
+          <a:p>
+            <a:pPr algn="l"/>
+            <a:r>
+              <a:rPr lang="en-GB" b="0" i="0" dirty="0" err="1">
+                <a:solidFill>
+                  <a:srgbClr val="374151"/>
+                </a:solidFill>
+                <a:effectLst/>
+                <a:latin typeface="Söhne"/>
+              </a:rPr>
+              <a:t>Programmazione</a:t>
+            </a:r>
+            <a:r>
+              <a:rPr lang="en-GB" b="0" i="0" dirty="0">
+                <a:solidFill>
+                  <a:srgbClr val="374151"/>
+                </a:solidFill>
+                <a:effectLst/>
+                <a:latin typeface="Söhne"/>
+              </a:rPr>
+              <a:t> a </a:t>
+            </a:r>
+            <a:r>
+              <a:rPr lang="en-GB" b="0" i="0" dirty="0" err="1">
+                <a:solidFill>
+                  <a:srgbClr val="374151"/>
+                </a:solidFill>
+                <a:effectLst/>
+                <a:latin typeface="Söhne"/>
+              </a:rPr>
+              <a:t>oggetti</a:t>
+            </a:r>
+            <a:r>
+              <a:rPr lang="en-GB" b="0" i="0" dirty="0">
+                <a:solidFill>
+                  <a:srgbClr val="374151"/>
+                </a:solidFill>
+                <a:effectLst/>
+                <a:latin typeface="Söhne"/>
+              </a:rPr>
+              <a:t> e </a:t>
+            </a:r>
+            <a:r>
+              <a:rPr lang="en-GB" b="0" i="0" dirty="0" err="1">
+                <a:solidFill>
+                  <a:srgbClr val="374151"/>
+                </a:solidFill>
+                <a:effectLst/>
+                <a:latin typeface="Söhne"/>
+              </a:rPr>
+              <a:t>gestione</a:t>
+            </a:r>
+            <a:r>
+              <a:rPr lang="en-GB" b="0" i="0" dirty="0">
+                <a:solidFill>
+                  <a:srgbClr val="374151"/>
+                </a:solidFill>
+                <a:effectLst/>
+                <a:latin typeface="Söhne"/>
+              </a:rPr>
+              <a:t> di file con Python.</a:t>
+            </a:r>
+          </a:p>
+          <a:p>
+            <a:pPr algn="l"/>
+            <a:endParaRPr lang="en-GB" b="0" i="0" dirty="0">
+              <a:solidFill>
+                <a:srgbClr val="374151"/>
+              </a:solidFill>
+              <a:effectLst/>
+              <a:latin typeface="Söhne"/>
+            </a:endParaRPr>
+          </a:p>
+          <a:p>
+            <a:pPr marL="285750" indent="-285750">
+              <a:buFont typeface="Arial" panose="020B0604020202020204" pitchFamily="34" charset="0"/>
+              <a:buChar char="•"/>
+            </a:pPr>
+            <a:r>
+              <a:rPr lang="en-GB" b="1" dirty="0">
+                <a:solidFill>
+                  <a:srgbClr val="374151"/>
+                </a:solidFill>
+                <a:latin typeface="Söhne"/>
+              </a:rPr>
+              <a:t> Le </a:t>
+            </a:r>
+            <a:r>
+              <a:rPr lang="en-GB" b="1" dirty="0" err="1">
+                <a:solidFill>
+                  <a:srgbClr val="374151"/>
+                </a:solidFill>
+                <a:latin typeface="Söhne"/>
+              </a:rPr>
+              <a:t>librerie</a:t>
+            </a:r>
+            <a:r>
+              <a:rPr lang="en-GB" b="1" dirty="0">
+                <a:solidFill>
+                  <a:srgbClr val="374151"/>
+                </a:solidFill>
+                <a:latin typeface="Söhne"/>
+              </a:rPr>
+              <a:t> </a:t>
+            </a:r>
+            <a:r>
+              <a:rPr lang="en-GB" b="1" dirty="0" err="1">
+                <a:solidFill>
+                  <a:srgbClr val="374151"/>
+                </a:solidFill>
+                <a:latin typeface="Söhne"/>
+              </a:rPr>
+              <a:t>numeriche</a:t>
+            </a:r>
+            <a:r>
+              <a:rPr lang="en-GB" b="1" dirty="0">
+                <a:solidFill>
+                  <a:srgbClr val="374151"/>
+                </a:solidFill>
+                <a:latin typeface="Söhne"/>
+              </a:rPr>
+              <a:t>, </a:t>
+            </a:r>
+            <a:r>
+              <a:rPr lang="en-GB" b="1" dirty="0" err="1">
+                <a:solidFill>
+                  <a:srgbClr val="374151"/>
+                </a:solidFill>
+                <a:latin typeface="Söhne"/>
+              </a:rPr>
+              <a:t>scientifiche</a:t>
+            </a:r>
+            <a:r>
+              <a:rPr lang="en-GB" b="1" dirty="0">
+                <a:solidFill>
+                  <a:srgbClr val="374151"/>
+                </a:solidFill>
+                <a:latin typeface="Söhne"/>
+              </a:rPr>
+              <a:t> e di data preparation e visualization </a:t>
+            </a:r>
+            <a:r>
+              <a:rPr lang="en-GB" b="1" dirty="0" err="1">
+                <a:solidFill>
+                  <a:srgbClr val="374151"/>
+                </a:solidFill>
+                <a:latin typeface="Söhne"/>
+              </a:rPr>
+              <a:t>utilizzate</a:t>
+            </a:r>
+            <a:r>
+              <a:rPr lang="en-GB" b="1" dirty="0">
+                <a:solidFill>
+                  <a:srgbClr val="374151"/>
+                </a:solidFill>
+                <a:latin typeface="Söhne"/>
+              </a:rPr>
+              <a:t> </a:t>
+            </a:r>
+            <a:r>
+              <a:rPr lang="en-GB" b="1" dirty="0" err="1">
+                <a:solidFill>
+                  <a:srgbClr val="374151"/>
+                </a:solidFill>
+                <a:latin typeface="Söhne"/>
+              </a:rPr>
+              <a:t>nei</a:t>
+            </a:r>
+            <a:r>
+              <a:rPr lang="en-GB" b="1" dirty="0">
+                <a:solidFill>
+                  <a:srgbClr val="374151"/>
+                </a:solidFill>
+                <a:latin typeface="Söhne"/>
+              </a:rPr>
+              <a:t> </a:t>
+            </a:r>
+            <a:r>
+              <a:rPr lang="en-GB" b="1" dirty="0" err="1">
+                <a:solidFill>
+                  <a:srgbClr val="374151"/>
+                </a:solidFill>
+                <a:latin typeface="Söhne"/>
+              </a:rPr>
+              <a:t>progetti</a:t>
+            </a:r>
+            <a:r>
+              <a:rPr lang="en-GB" b="1" dirty="0">
+                <a:solidFill>
+                  <a:srgbClr val="374151"/>
+                </a:solidFill>
+                <a:latin typeface="Söhne"/>
+              </a:rPr>
+              <a:t> di Data Science (1/2):</a:t>
+            </a:r>
+          </a:p>
+          <a:p>
+            <a:pPr algn="l"/>
+            <a:r>
+              <a:rPr lang="en-GB" b="0" i="0" dirty="0" err="1">
+                <a:solidFill>
+                  <a:srgbClr val="374151"/>
+                </a:solidFill>
+                <a:effectLst/>
+                <a:latin typeface="Söhne"/>
+              </a:rPr>
+              <a:t>Librerie</a:t>
+            </a:r>
+            <a:r>
+              <a:rPr lang="en-GB" b="0" i="0" dirty="0">
+                <a:solidFill>
+                  <a:srgbClr val="374151"/>
+                </a:solidFill>
+                <a:effectLst/>
+                <a:latin typeface="Söhne"/>
+              </a:rPr>
+              <a:t> </a:t>
+            </a:r>
+            <a:r>
+              <a:rPr lang="en-GB" b="0" i="0" dirty="0" err="1">
+                <a:solidFill>
+                  <a:srgbClr val="374151"/>
+                </a:solidFill>
+                <a:effectLst/>
+                <a:latin typeface="Söhne"/>
+              </a:rPr>
+              <a:t>utilizzate</a:t>
+            </a:r>
+            <a:r>
+              <a:rPr lang="en-GB" b="0" i="0" dirty="0">
+                <a:solidFill>
+                  <a:srgbClr val="374151"/>
+                </a:solidFill>
+                <a:effectLst/>
+                <a:latin typeface="Söhne"/>
+              </a:rPr>
+              <a:t> in Data Science: NumPy, SciPy, </a:t>
+            </a:r>
+            <a:endParaRPr lang="en-GB" dirty="0">
+              <a:solidFill>
+                <a:srgbClr val="374151"/>
+              </a:solidFill>
+              <a:latin typeface="Söhne"/>
+            </a:endParaRPr>
+          </a:p>
+          <a:p>
+            <a:endParaRPr lang="en-IT" dirty="0"/>
+          </a:p>
+        </p:txBody>
+      </p:sp>
+      <p:sp>
+        <p:nvSpPr>
+          <p:cNvPr id="4" name="TextBox 3">
+            <a:extLst>
+              <a:ext uri="{FF2B5EF4-FFF2-40B4-BE49-F238E27FC236}">
+                <a16:creationId xmlns:a16="http://schemas.microsoft.com/office/drawing/2014/main" id="{8C45A6E3-2DAE-D404-1AB9-B6309BF05F6A}"/>
+              </a:ext>
+            </a:extLst>
+          </p:cNvPr>
+          <p:cNvSpPr txBox="1"/>
+          <p:nvPr/>
+        </p:nvSpPr>
+        <p:spPr>
+          <a:xfrm>
+            <a:off x="606829" y="426315"/>
+            <a:ext cx="3042821" cy="369332"/>
+          </a:xfrm>
+          <a:prstGeom prst="rect">
+            <a:avLst/>
+          </a:prstGeom>
+          <a:noFill/>
+        </p:spPr>
+        <p:txBody>
+          <a:bodyPr wrap="none" rtlCol="0">
+            <a:spAutoFit/>
+          </a:bodyPr>
+          <a:lstStyle/>
+          <a:p>
+            <a:r>
+              <a:rPr lang="en-IT" dirty="0"/>
+              <a:t>PROGRAMMA DEL CORSO</a:t>
+            </a:r>
+          </a:p>
+        </p:txBody>
+      </p:sp>
+      <p:sp>
+        <p:nvSpPr>
+          <p:cNvPr id="5" name="TextBox 4">
+            <a:extLst>
+              <a:ext uri="{FF2B5EF4-FFF2-40B4-BE49-F238E27FC236}">
+                <a16:creationId xmlns:a16="http://schemas.microsoft.com/office/drawing/2014/main" id="{4A5AD20D-399C-729F-5208-DFF750BDE795}"/>
+              </a:ext>
+            </a:extLst>
+          </p:cNvPr>
+          <p:cNvSpPr txBox="1"/>
+          <p:nvPr/>
+        </p:nvSpPr>
+        <p:spPr>
+          <a:xfrm>
+            <a:off x="606829" y="1019852"/>
+            <a:ext cx="1077539" cy="369332"/>
+          </a:xfrm>
+          <a:prstGeom prst="rect">
+            <a:avLst/>
+          </a:prstGeom>
+          <a:noFill/>
+        </p:spPr>
+        <p:txBody>
+          <a:bodyPr wrap="none" rtlCol="0">
+            <a:spAutoFit/>
+          </a:bodyPr>
+          <a:lstStyle/>
+          <a:p>
+            <a:r>
+              <a:rPr lang="en-IT" dirty="0"/>
+              <a:t>Giorno </a:t>
+            </a:r>
+            <a:r>
+              <a:rPr lang="it-IT" dirty="0"/>
+              <a:t>2</a:t>
+            </a:r>
+            <a:endParaRPr lang="en-IT" dirty="0"/>
+          </a:p>
+        </p:txBody>
+      </p:sp>
+      <p:sp>
+        <p:nvSpPr>
+          <p:cNvPr id="6" name="CasellaDiTesto 1">
+            <a:extLst>
+              <a:ext uri="{FF2B5EF4-FFF2-40B4-BE49-F238E27FC236}">
+                <a16:creationId xmlns:a16="http://schemas.microsoft.com/office/drawing/2014/main" id="{51652B5A-8054-7C9C-4AAB-FD2822BDA600}"/>
+              </a:ext>
+            </a:extLst>
+          </p:cNvPr>
+          <p:cNvSpPr txBox="1"/>
+          <p:nvPr/>
+        </p:nvSpPr>
+        <p:spPr>
+          <a:xfrm>
+            <a:off x="2682240" y="3279915"/>
+            <a:ext cx="184731" cy="369332"/>
+          </a:xfrm>
+          <a:prstGeom prst="rect">
+            <a:avLst/>
+          </a:prstGeom>
+          <a:noFill/>
+        </p:spPr>
+        <p:txBody>
+          <a:bodyPr wrap="none" rtlCol="0">
+            <a:spAutoFit/>
+          </a:bodyPr>
+          <a:lstStyle/>
+          <a:p>
+            <a:endParaRPr lang="it-IT" dirty="0"/>
+          </a:p>
+        </p:txBody>
+      </p:sp>
+      <p:sp>
+        <p:nvSpPr>
+          <p:cNvPr id="7" name="TextBox 6">
+            <a:extLst>
+              <a:ext uri="{FF2B5EF4-FFF2-40B4-BE49-F238E27FC236}">
+                <a16:creationId xmlns:a16="http://schemas.microsoft.com/office/drawing/2014/main" id="{903BC5A7-BAAE-4D0C-1D2E-017031AD364E}"/>
+              </a:ext>
+            </a:extLst>
+          </p:cNvPr>
+          <p:cNvSpPr txBox="1"/>
+          <p:nvPr/>
+        </p:nvSpPr>
+        <p:spPr>
+          <a:xfrm>
+            <a:off x="606829" y="3945816"/>
+            <a:ext cx="11363498" cy="2308324"/>
+          </a:xfrm>
+          <a:prstGeom prst="rect">
+            <a:avLst/>
+          </a:prstGeom>
+          <a:noFill/>
+        </p:spPr>
+        <p:txBody>
+          <a:bodyPr wrap="square" rtlCol="0">
+            <a:spAutoFit/>
+          </a:bodyPr>
+          <a:lstStyle/>
+          <a:p>
+            <a:r>
+              <a:rPr lang="en-GB" b="1" dirty="0" err="1">
+                <a:solidFill>
+                  <a:srgbClr val="374151"/>
+                </a:solidFill>
+                <a:latin typeface="Söhne"/>
+              </a:rPr>
+              <a:t>Parte</a:t>
+            </a:r>
+            <a:r>
+              <a:rPr lang="en-GB" b="1" dirty="0">
+                <a:solidFill>
+                  <a:srgbClr val="374151"/>
+                </a:solidFill>
+                <a:latin typeface="Söhne"/>
+              </a:rPr>
+              <a:t> 2</a:t>
+            </a:r>
+          </a:p>
+          <a:p>
+            <a:pPr algn="l"/>
+            <a:endParaRPr lang="en-GB" b="0" i="0" dirty="0">
+              <a:solidFill>
+                <a:srgbClr val="374151"/>
+              </a:solidFill>
+              <a:effectLst/>
+              <a:latin typeface="Söhne"/>
+            </a:endParaRPr>
+          </a:p>
+          <a:p>
+            <a:pPr marL="285750" indent="-285750">
+              <a:buFont typeface="Arial" panose="020B0604020202020204" pitchFamily="34" charset="0"/>
+              <a:buChar char="•"/>
+            </a:pPr>
+            <a:r>
+              <a:rPr lang="en-GB" b="1" dirty="0">
+                <a:solidFill>
+                  <a:srgbClr val="374151"/>
+                </a:solidFill>
+                <a:latin typeface="Söhne"/>
+              </a:rPr>
+              <a:t> Le </a:t>
+            </a:r>
+            <a:r>
+              <a:rPr lang="en-GB" b="1" dirty="0" err="1">
+                <a:solidFill>
+                  <a:srgbClr val="374151"/>
+                </a:solidFill>
+                <a:latin typeface="Söhne"/>
+              </a:rPr>
+              <a:t>librerie</a:t>
+            </a:r>
+            <a:r>
+              <a:rPr lang="en-GB" b="1" dirty="0">
+                <a:solidFill>
+                  <a:srgbClr val="374151"/>
+                </a:solidFill>
+                <a:latin typeface="Söhne"/>
+              </a:rPr>
+              <a:t> </a:t>
+            </a:r>
+            <a:r>
+              <a:rPr lang="en-GB" b="1" dirty="0" err="1">
+                <a:solidFill>
+                  <a:srgbClr val="374151"/>
+                </a:solidFill>
+                <a:latin typeface="Söhne"/>
+              </a:rPr>
+              <a:t>numeriche</a:t>
+            </a:r>
+            <a:r>
+              <a:rPr lang="en-GB" b="1" dirty="0">
+                <a:solidFill>
+                  <a:srgbClr val="374151"/>
+                </a:solidFill>
+                <a:latin typeface="Söhne"/>
+              </a:rPr>
+              <a:t>, </a:t>
+            </a:r>
+            <a:r>
+              <a:rPr lang="en-GB" b="1" dirty="0" err="1">
+                <a:solidFill>
+                  <a:srgbClr val="374151"/>
+                </a:solidFill>
+                <a:latin typeface="Söhne"/>
+              </a:rPr>
+              <a:t>scientifiche</a:t>
+            </a:r>
+            <a:r>
+              <a:rPr lang="en-GB" b="1" dirty="0">
+                <a:solidFill>
+                  <a:srgbClr val="374151"/>
+                </a:solidFill>
+                <a:latin typeface="Söhne"/>
+              </a:rPr>
+              <a:t> e di data preparation e visualization </a:t>
+            </a:r>
+            <a:r>
+              <a:rPr lang="en-GB" b="1" dirty="0" err="1">
+                <a:solidFill>
+                  <a:srgbClr val="374151"/>
+                </a:solidFill>
+                <a:latin typeface="Söhne"/>
+              </a:rPr>
+              <a:t>utilizzate</a:t>
+            </a:r>
+            <a:r>
+              <a:rPr lang="en-GB" b="1" dirty="0">
+                <a:solidFill>
+                  <a:srgbClr val="374151"/>
+                </a:solidFill>
+                <a:latin typeface="Söhne"/>
+              </a:rPr>
+              <a:t> </a:t>
+            </a:r>
+            <a:r>
+              <a:rPr lang="en-GB" b="1" dirty="0" err="1">
+                <a:solidFill>
+                  <a:srgbClr val="374151"/>
+                </a:solidFill>
+                <a:latin typeface="Söhne"/>
+              </a:rPr>
+              <a:t>nei</a:t>
+            </a:r>
+            <a:r>
+              <a:rPr lang="en-GB" b="1" dirty="0">
+                <a:solidFill>
+                  <a:srgbClr val="374151"/>
+                </a:solidFill>
+                <a:latin typeface="Söhne"/>
+              </a:rPr>
+              <a:t> </a:t>
+            </a:r>
+            <a:r>
+              <a:rPr lang="en-GB" b="1" dirty="0" err="1">
+                <a:solidFill>
+                  <a:srgbClr val="374151"/>
+                </a:solidFill>
+                <a:latin typeface="Söhne"/>
+              </a:rPr>
+              <a:t>progetti</a:t>
+            </a:r>
+            <a:r>
+              <a:rPr lang="en-GB" b="1" dirty="0">
+                <a:solidFill>
+                  <a:srgbClr val="374151"/>
+                </a:solidFill>
+                <a:latin typeface="Söhne"/>
+              </a:rPr>
+              <a:t> di Data Science (2/2):</a:t>
+            </a:r>
+          </a:p>
+          <a:p>
+            <a:pPr algn="l"/>
+            <a:r>
+              <a:rPr lang="en-GB" b="0" i="0" dirty="0" err="1">
+                <a:solidFill>
+                  <a:srgbClr val="374151"/>
+                </a:solidFill>
+                <a:effectLst/>
+                <a:latin typeface="Söhne"/>
+              </a:rPr>
+              <a:t>Librerie</a:t>
+            </a:r>
+            <a:r>
+              <a:rPr lang="en-GB" b="0" i="0" dirty="0">
+                <a:solidFill>
+                  <a:srgbClr val="374151"/>
+                </a:solidFill>
+                <a:effectLst/>
+                <a:latin typeface="Söhne"/>
+              </a:rPr>
+              <a:t> </a:t>
+            </a:r>
+            <a:r>
+              <a:rPr lang="en-GB" b="0" i="0" dirty="0" err="1">
+                <a:solidFill>
+                  <a:srgbClr val="374151"/>
+                </a:solidFill>
+                <a:effectLst/>
+                <a:latin typeface="Söhne"/>
+              </a:rPr>
+              <a:t>utilizzate</a:t>
+            </a:r>
+            <a:r>
+              <a:rPr lang="en-GB" b="0" i="0" dirty="0">
+                <a:solidFill>
+                  <a:srgbClr val="374151"/>
+                </a:solidFill>
+                <a:effectLst/>
+                <a:latin typeface="Söhne"/>
+              </a:rPr>
+              <a:t> in Data Science: Pandas per la </a:t>
+            </a:r>
+            <a:r>
+              <a:rPr lang="en-GB" b="0" i="0" dirty="0" err="1">
+                <a:solidFill>
+                  <a:srgbClr val="374151"/>
+                </a:solidFill>
+                <a:effectLst/>
+                <a:latin typeface="Söhne"/>
+              </a:rPr>
+              <a:t>preparazione</a:t>
+            </a:r>
+            <a:r>
+              <a:rPr lang="en-GB" b="0" i="0" dirty="0">
+                <a:solidFill>
+                  <a:srgbClr val="374151"/>
+                </a:solidFill>
+                <a:effectLst/>
+                <a:latin typeface="Söhne"/>
+              </a:rPr>
+              <a:t> e </a:t>
+            </a:r>
+            <a:r>
+              <a:rPr lang="en-GB" b="0" i="0" dirty="0" err="1">
+                <a:solidFill>
+                  <a:srgbClr val="374151"/>
+                </a:solidFill>
+                <a:effectLst/>
+                <a:latin typeface="Söhne"/>
+              </a:rPr>
+              <a:t>analisi</a:t>
+            </a:r>
+            <a:r>
+              <a:rPr lang="en-GB" b="0" i="0" dirty="0">
+                <a:solidFill>
+                  <a:srgbClr val="374151"/>
+                </a:solidFill>
+                <a:effectLst/>
+                <a:latin typeface="Söhne"/>
+              </a:rPr>
+              <a:t> </a:t>
+            </a:r>
+            <a:r>
+              <a:rPr lang="en-GB" b="0" i="0" dirty="0" err="1">
+                <a:solidFill>
+                  <a:srgbClr val="374151"/>
+                </a:solidFill>
+                <a:effectLst/>
+                <a:latin typeface="Söhne"/>
+              </a:rPr>
+              <a:t>dei</a:t>
+            </a:r>
+            <a:r>
+              <a:rPr lang="en-GB" b="0" i="0" dirty="0">
+                <a:solidFill>
+                  <a:srgbClr val="374151"/>
+                </a:solidFill>
+                <a:effectLst/>
+                <a:latin typeface="Söhne"/>
+              </a:rPr>
+              <a:t> </a:t>
+            </a:r>
+            <a:r>
+              <a:rPr lang="en-GB" b="0" i="0" dirty="0" err="1">
+                <a:solidFill>
+                  <a:srgbClr val="374151"/>
+                </a:solidFill>
+                <a:effectLst/>
+                <a:latin typeface="Söhne"/>
+              </a:rPr>
+              <a:t>dati</a:t>
+            </a:r>
+            <a:r>
+              <a:rPr lang="en-GB" b="0" i="0" dirty="0">
+                <a:solidFill>
+                  <a:srgbClr val="374151"/>
+                </a:solidFill>
+                <a:effectLst/>
+                <a:latin typeface="Söhne"/>
+              </a:rPr>
+              <a:t> e Matplotlib per la </a:t>
+            </a:r>
+            <a:r>
+              <a:rPr lang="en-GB" b="0" i="0" dirty="0" err="1">
+                <a:solidFill>
+                  <a:srgbClr val="374151"/>
+                </a:solidFill>
+                <a:effectLst/>
+                <a:latin typeface="Söhne"/>
+              </a:rPr>
+              <a:t>visualizzazione</a:t>
+            </a:r>
+            <a:r>
+              <a:rPr lang="en-GB" b="0" i="0" dirty="0">
+                <a:solidFill>
+                  <a:srgbClr val="374151"/>
+                </a:solidFill>
+                <a:effectLst/>
+                <a:latin typeface="Söhne"/>
+              </a:rPr>
+              <a:t>.</a:t>
+            </a:r>
+          </a:p>
+          <a:p>
+            <a:pPr algn="l"/>
+            <a:endParaRPr lang="en-GB" dirty="0">
+              <a:solidFill>
+                <a:srgbClr val="374151"/>
+              </a:solidFill>
+              <a:latin typeface="Söhne"/>
+            </a:endParaRPr>
+          </a:p>
+          <a:p>
+            <a:pPr algn="l"/>
+            <a:endParaRPr lang="en-GB" b="0" i="0" dirty="0">
+              <a:solidFill>
+                <a:srgbClr val="374151"/>
+              </a:solidFill>
+              <a:effectLst/>
+              <a:latin typeface="Söhne"/>
+            </a:endParaRPr>
+          </a:p>
+          <a:p>
+            <a:pPr algn="l"/>
+            <a:r>
+              <a:rPr lang="en-GB" b="0" i="0" dirty="0" err="1">
+                <a:solidFill>
+                  <a:srgbClr val="374151"/>
+                </a:solidFill>
+                <a:effectLst/>
+                <a:latin typeface="Söhne"/>
+              </a:rPr>
+              <a:t>Esercitazione</a:t>
+            </a:r>
+            <a:r>
+              <a:rPr lang="en-GB" b="0" i="0" dirty="0">
+                <a:solidFill>
+                  <a:srgbClr val="374151"/>
+                </a:solidFill>
+                <a:effectLst/>
+                <a:latin typeface="Söhne"/>
+              </a:rPr>
+              <a:t>: </a:t>
+            </a:r>
+            <a:r>
+              <a:rPr lang="en-GB" b="0" i="0" dirty="0" err="1">
+                <a:solidFill>
+                  <a:srgbClr val="374151"/>
+                </a:solidFill>
+                <a:effectLst/>
+                <a:latin typeface="Söhne"/>
+              </a:rPr>
+              <a:t>analisi</a:t>
+            </a:r>
+            <a:r>
+              <a:rPr lang="en-GB" b="0" i="0" dirty="0">
+                <a:solidFill>
+                  <a:srgbClr val="374151"/>
+                </a:solidFill>
+                <a:effectLst/>
+                <a:latin typeface="Söhne"/>
+              </a:rPr>
+              <a:t> </a:t>
+            </a:r>
+            <a:r>
+              <a:rPr lang="en-GB" b="0" i="0" dirty="0" err="1">
+                <a:solidFill>
+                  <a:srgbClr val="374151"/>
+                </a:solidFill>
+                <a:effectLst/>
+                <a:latin typeface="Söhne"/>
+              </a:rPr>
+              <a:t>esplorativa</a:t>
+            </a:r>
+            <a:r>
+              <a:rPr lang="en-GB" b="0" i="0" dirty="0">
+                <a:solidFill>
+                  <a:srgbClr val="374151"/>
+                </a:solidFill>
+                <a:effectLst/>
+                <a:latin typeface="Söhne"/>
+              </a:rPr>
+              <a:t> </a:t>
+            </a:r>
+            <a:r>
+              <a:rPr lang="en-GB" b="0" i="0" dirty="0" err="1">
+                <a:solidFill>
+                  <a:srgbClr val="374151"/>
+                </a:solidFill>
+                <a:effectLst/>
+                <a:latin typeface="Söhne"/>
+              </a:rPr>
+              <a:t>dei</a:t>
+            </a:r>
+            <a:r>
+              <a:rPr lang="en-GB" b="0" i="0" dirty="0">
+                <a:solidFill>
+                  <a:srgbClr val="374151"/>
+                </a:solidFill>
+                <a:effectLst/>
+                <a:latin typeface="Söhne"/>
+              </a:rPr>
+              <a:t> </a:t>
+            </a:r>
+            <a:r>
+              <a:rPr lang="en-GB" b="0" i="0" dirty="0" err="1">
+                <a:solidFill>
+                  <a:srgbClr val="374151"/>
+                </a:solidFill>
+                <a:effectLst/>
+                <a:latin typeface="Söhne"/>
+              </a:rPr>
+              <a:t>dati</a:t>
+            </a:r>
+            <a:r>
+              <a:rPr lang="en-GB" b="0" i="0" dirty="0">
+                <a:solidFill>
+                  <a:srgbClr val="374151"/>
+                </a:solidFill>
+                <a:effectLst/>
+                <a:latin typeface="Söhne"/>
+              </a:rPr>
+              <a:t>.</a:t>
+            </a:r>
+          </a:p>
+          <a:p>
+            <a:endParaRPr lang="en-IT" dirty="0"/>
+          </a:p>
+        </p:txBody>
+      </p:sp>
+    </p:spTree>
+    <p:extLst>
+      <p:ext uri="{BB962C8B-B14F-4D97-AF65-F5344CB8AC3E}">
+        <p14:creationId xmlns:p14="http://schemas.microsoft.com/office/powerpoint/2010/main" val="2403033022"/>
+      </p:ext>
+    </p:extLst>
+  </p:cSld>
+  <p:clrMapOvr>
+    <a:masterClrMapping/>
+  </p:clrMapOvr>
+</p:sld>
+</file>
+
+<file path=ppt/slides/slide5.xml><?xml version="1.0" encoding="utf-8"?>
 <p:sld xmlns:a="http://schemas.openxmlformats.org/drawingml/2006/main" xmlns:r="http://schemas.openxmlformats.org/officeDocument/2006/relationships" xmlns:p="http://schemas.openxmlformats.org/presentationml/2006/main">
   <p:cSld>
     <p:spTree>
@@ -15519,2099 +15951,6 @@
       </p:sp>
       <p:sp>
         <p:nvSpPr>
-          <p:cNvPr id="3" name="TextBox 2">
-            <a:extLst>
-              <a:ext uri="{FF2B5EF4-FFF2-40B4-BE49-F238E27FC236}">
-                <a16:creationId xmlns:a16="http://schemas.microsoft.com/office/drawing/2014/main" id="{FD4C1B9D-E7DA-35FA-614D-09C18F2CD006}"/>
-              </a:ext>
-            </a:extLst>
-          </p:cNvPr>
-          <p:cNvSpPr txBox="1"/>
-          <p:nvPr/>
-        </p:nvSpPr>
-        <p:spPr>
-          <a:xfrm>
-            <a:off x="606829" y="1694775"/>
-            <a:ext cx="11363498" cy="1477328"/>
-          </a:xfrm>
-          <a:prstGeom prst="rect">
-            <a:avLst/>
-          </a:prstGeom>
-          <a:noFill/>
-        </p:spPr>
-        <p:txBody>
-          <a:bodyPr wrap="square" rtlCol="0">
-            <a:spAutoFit/>
-          </a:bodyPr>
-          <a:lstStyle/>
-          <a:p>
-            <a:pPr marL="285750" indent="-285750" algn="l">
-              <a:buFont typeface="Arial" panose="020B0604020202020204" pitchFamily="34" charset="0"/>
-              <a:buChar char="•"/>
-            </a:pPr>
-            <a:r>
-              <a:rPr lang="en-GB" b="1" i="0" dirty="0">
-                <a:solidFill>
-                  <a:srgbClr val="374151"/>
-                </a:solidFill>
-                <a:effectLst/>
-                <a:latin typeface="Söhne"/>
-              </a:rPr>
-              <a:t>  </a:t>
-            </a:r>
-            <a:r>
-              <a:rPr lang="en-GB" b="1" i="0" dirty="0" err="1">
-                <a:solidFill>
-                  <a:srgbClr val="374151"/>
-                </a:solidFill>
-                <a:effectLst/>
-                <a:latin typeface="Söhne"/>
-              </a:rPr>
-              <a:t>Introduzione</a:t>
-            </a:r>
-            <a:r>
-              <a:rPr lang="en-GB" b="1" i="0" dirty="0">
-                <a:solidFill>
-                  <a:srgbClr val="374151"/>
-                </a:solidFill>
-                <a:effectLst/>
-                <a:latin typeface="Söhne"/>
-              </a:rPr>
-              <a:t> e </a:t>
-            </a:r>
-            <a:r>
-              <a:rPr lang="en-GB" b="1" i="0" dirty="0" err="1">
-                <a:solidFill>
-                  <a:srgbClr val="374151"/>
-                </a:solidFill>
-                <a:effectLst/>
-                <a:latin typeface="Söhne"/>
-              </a:rPr>
-              <a:t>Sintassi</a:t>
-            </a:r>
-            <a:r>
-              <a:rPr lang="en-GB" b="1" i="0" dirty="0">
-                <a:solidFill>
-                  <a:srgbClr val="374151"/>
-                </a:solidFill>
-                <a:effectLst/>
-                <a:latin typeface="Söhne"/>
-              </a:rPr>
-              <a:t>:</a:t>
-            </a:r>
-          </a:p>
-          <a:p>
-            <a:pPr algn="l"/>
-            <a:r>
-              <a:rPr lang="en-GB" b="0" i="0" dirty="0" err="1">
-                <a:solidFill>
-                  <a:srgbClr val="374151"/>
-                </a:solidFill>
-                <a:effectLst/>
-                <a:latin typeface="Söhne"/>
-              </a:rPr>
-              <a:t>Introduzione</a:t>
-            </a:r>
-            <a:r>
-              <a:rPr lang="en-GB" b="0" i="0" dirty="0">
-                <a:solidFill>
-                  <a:srgbClr val="374151"/>
-                </a:solidFill>
-                <a:effectLst/>
-                <a:latin typeface="Söhne"/>
-              </a:rPr>
-              <a:t> a Python: </a:t>
-            </a:r>
-            <a:r>
-              <a:rPr lang="en-GB" b="0" i="0" dirty="0" err="1">
-                <a:solidFill>
-                  <a:srgbClr val="374151"/>
-                </a:solidFill>
-                <a:effectLst/>
-                <a:latin typeface="Söhne"/>
-              </a:rPr>
-              <a:t>installazione</a:t>
-            </a:r>
-            <a:r>
-              <a:rPr lang="en-GB" b="0" i="0" dirty="0">
-                <a:solidFill>
-                  <a:srgbClr val="374151"/>
-                </a:solidFill>
-                <a:effectLst/>
-                <a:latin typeface="Söhne"/>
-              </a:rPr>
-              <a:t>, </a:t>
-            </a:r>
-            <a:r>
-              <a:rPr lang="en-GB" b="0" i="0" dirty="0" err="1">
-                <a:solidFill>
-                  <a:srgbClr val="374151"/>
-                </a:solidFill>
-                <a:effectLst/>
-                <a:latin typeface="Söhne"/>
-              </a:rPr>
-              <a:t>ambiente</a:t>
-            </a:r>
-            <a:r>
-              <a:rPr lang="en-GB" b="0" i="0" dirty="0">
-                <a:solidFill>
-                  <a:srgbClr val="374151"/>
-                </a:solidFill>
-                <a:effectLst/>
-                <a:latin typeface="Söhne"/>
-              </a:rPr>
-              <a:t> di </a:t>
-            </a:r>
-            <a:r>
-              <a:rPr lang="en-GB" b="0" i="0" dirty="0" err="1">
-                <a:solidFill>
-                  <a:srgbClr val="374151"/>
-                </a:solidFill>
-                <a:effectLst/>
-                <a:latin typeface="Söhne"/>
-              </a:rPr>
-              <a:t>sviluppo</a:t>
-            </a:r>
-            <a:r>
-              <a:rPr lang="en-GB" b="0" i="0" dirty="0">
-                <a:solidFill>
-                  <a:srgbClr val="374151"/>
-                </a:solidFill>
-                <a:effectLst/>
-                <a:latin typeface="Söhne"/>
-              </a:rPr>
-              <a:t>, </a:t>
-            </a:r>
-            <a:r>
-              <a:rPr lang="en-GB" b="0" i="0" dirty="0" err="1">
-                <a:solidFill>
-                  <a:srgbClr val="374151"/>
-                </a:solidFill>
-                <a:effectLst/>
-                <a:latin typeface="Söhne"/>
-              </a:rPr>
-              <a:t>sintassi</a:t>
-            </a:r>
-            <a:r>
-              <a:rPr lang="en-GB" b="0" i="0" dirty="0">
-                <a:solidFill>
-                  <a:srgbClr val="374151"/>
-                </a:solidFill>
-                <a:effectLst/>
-                <a:latin typeface="Söhne"/>
-              </a:rPr>
-              <a:t> di base, </a:t>
-            </a:r>
-            <a:r>
-              <a:rPr lang="en-GB" b="0" i="0" dirty="0" err="1">
-                <a:solidFill>
-                  <a:srgbClr val="374151"/>
-                </a:solidFill>
-                <a:effectLst/>
-                <a:latin typeface="Söhne"/>
-              </a:rPr>
-              <a:t>manipolazione</a:t>
-            </a:r>
-            <a:r>
-              <a:rPr lang="en-GB" b="0" i="0" dirty="0">
-                <a:solidFill>
-                  <a:srgbClr val="374151"/>
-                </a:solidFill>
-                <a:effectLst/>
-                <a:latin typeface="Söhne"/>
-              </a:rPr>
-              <a:t> di </a:t>
-            </a:r>
-            <a:r>
-              <a:rPr lang="en-GB" b="0" i="0" dirty="0" err="1">
-                <a:solidFill>
-                  <a:srgbClr val="374151"/>
-                </a:solidFill>
-                <a:effectLst/>
-                <a:latin typeface="Söhne"/>
-              </a:rPr>
-              <a:t>dati</a:t>
-            </a:r>
-            <a:r>
-              <a:rPr lang="en-GB" b="0" i="0" dirty="0">
-                <a:solidFill>
-                  <a:srgbClr val="374151"/>
-                </a:solidFill>
-                <a:effectLst/>
-                <a:latin typeface="Söhne"/>
-              </a:rPr>
-              <a:t> </a:t>
-            </a:r>
-            <a:r>
-              <a:rPr lang="en-GB" b="0" i="0" dirty="0" err="1">
-                <a:solidFill>
-                  <a:srgbClr val="374151"/>
-                </a:solidFill>
-                <a:effectLst/>
-                <a:latin typeface="Söhne"/>
-              </a:rPr>
-              <a:t>numerici</a:t>
-            </a:r>
-            <a:r>
-              <a:rPr lang="en-GB" b="0" i="0" dirty="0">
-                <a:solidFill>
-                  <a:srgbClr val="374151"/>
-                </a:solidFill>
-                <a:effectLst/>
-                <a:latin typeface="Söhne"/>
-              </a:rPr>
-              <a:t> e </a:t>
-            </a:r>
-            <a:r>
-              <a:rPr lang="en-GB" b="0" i="0" dirty="0" err="1">
-                <a:solidFill>
-                  <a:srgbClr val="374151"/>
-                </a:solidFill>
-                <a:effectLst/>
-                <a:latin typeface="Söhne"/>
-              </a:rPr>
-              <a:t>testuali</a:t>
-            </a:r>
-            <a:r>
-              <a:rPr lang="en-GB" b="0" i="0" dirty="0">
-                <a:solidFill>
-                  <a:srgbClr val="374151"/>
-                </a:solidFill>
-                <a:effectLst/>
-                <a:latin typeface="Söhne"/>
-              </a:rPr>
-              <a:t>, e </a:t>
-            </a:r>
-            <a:r>
-              <a:rPr lang="en-GB" b="0" i="0" dirty="0" err="1">
-                <a:solidFill>
-                  <a:srgbClr val="374151"/>
-                </a:solidFill>
-                <a:effectLst/>
-                <a:latin typeface="Söhne"/>
-              </a:rPr>
-              <a:t>librerie</a:t>
-            </a:r>
-            <a:r>
-              <a:rPr lang="en-GB" b="0" i="0" dirty="0">
-                <a:solidFill>
-                  <a:srgbClr val="374151"/>
-                </a:solidFill>
-                <a:effectLst/>
-                <a:latin typeface="Söhne"/>
-              </a:rPr>
-              <a:t> </a:t>
-            </a:r>
-            <a:r>
-              <a:rPr lang="en-GB" b="0" i="0" dirty="0" err="1">
-                <a:solidFill>
-                  <a:srgbClr val="374151"/>
-                </a:solidFill>
-                <a:effectLst/>
-                <a:latin typeface="Söhne"/>
-              </a:rPr>
-              <a:t>della</a:t>
-            </a:r>
-            <a:r>
-              <a:rPr lang="en-GB" b="0" i="0" dirty="0">
-                <a:solidFill>
-                  <a:srgbClr val="374151"/>
-                </a:solidFill>
-                <a:effectLst/>
-                <a:latin typeface="Söhne"/>
-              </a:rPr>
-              <a:t> community.</a:t>
-            </a:r>
-          </a:p>
-          <a:p>
-            <a:pPr algn="l"/>
-            <a:endParaRPr lang="en-GB" b="0" i="0" dirty="0">
-              <a:solidFill>
-                <a:srgbClr val="374151"/>
-              </a:solidFill>
-              <a:effectLst/>
-              <a:latin typeface="Söhne"/>
-            </a:endParaRPr>
-          </a:p>
-          <a:p>
-            <a:endParaRPr lang="en-IT" dirty="0"/>
-          </a:p>
-        </p:txBody>
-      </p:sp>
-      <p:sp>
-        <p:nvSpPr>
-          <p:cNvPr id="4" name="TextBox 3">
-            <a:extLst>
-              <a:ext uri="{FF2B5EF4-FFF2-40B4-BE49-F238E27FC236}">
-                <a16:creationId xmlns:a16="http://schemas.microsoft.com/office/drawing/2014/main" id="{8C45A6E3-2DAE-D404-1AB9-B6309BF05F6A}"/>
-              </a:ext>
-            </a:extLst>
-          </p:cNvPr>
-          <p:cNvSpPr txBox="1"/>
-          <p:nvPr/>
-        </p:nvSpPr>
-        <p:spPr>
-          <a:xfrm>
-            <a:off x="606829" y="426315"/>
-            <a:ext cx="3042821" cy="369332"/>
-          </a:xfrm>
-          <a:prstGeom prst="rect">
-            <a:avLst/>
-          </a:prstGeom>
-          <a:noFill/>
-        </p:spPr>
-        <p:txBody>
-          <a:bodyPr wrap="none" rtlCol="0">
-            <a:spAutoFit/>
-          </a:bodyPr>
-          <a:lstStyle/>
-          <a:p>
-            <a:r>
-              <a:rPr lang="en-IT" dirty="0"/>
-              <a:t>PROGRAMMA DEL CORSO</a:t>
-            </a:r>
-          </a:p>
-        </p:txBody>
-      </p:sp>
-      <p:sp>
-        <p:nvSpPr>
-          <p:cNvPr id="5" name="TextBox 4">
-            <a:extLst>
-              <a:ext uri="{FF2B5EF4-FFF2-40B4-BE49-F238E27FC236}">
-                <a16:creationId xmlns:a16="http://schemas.microsoft.com/office/drawing/2014/main" id="{4A5AD20D-399C-729F-5208-DFF750BDE795}"/>
-              </a:ext>
-            </a:extLst>
-          </p:cNvPr>
-          <p:cNvSpPr txBox="1"/>
-          <p:nvPr/>
-        </p:nvSpPr>
-        <p:spPr>
-          <a:xfrm>
-            <a:off x="606829" y="1017117"/>
-            <a:ext cx="1077539" cy="369332"/>
-          </a:xfrm>
-          <a:prstGeom prst="rect">
-            <a:avLst/>
-          </a:prstGeom>
-          <a:noFill/>
-        </p:spPr>
-        <p:txBody>
-          <a:bodyPr wrap="none" rtlCol="0">
-            <a:spAutoFit/>
-          </a:bodyPr>
-          <a:lstStyle/>
-          <a:p>
-            <a:r>
-              <a:rPr lang="en-IT" dirty="0"/>
-              <a:t>Giorno 1</a:t>
-            </a:r>
-          </a:p>
-        </p:txBody>
-      </p:sp>
-      <p:sp>
-        <p:nvSpPr>
-          <p:cNvPr id="6" name="CasellaDiTesto 1">
-            <a:extLst>
-              <a:ext uri="{FF2B5EF4-FFF2-40B4-BE49-F238E27FC236}">
-                <a16:creationId xmlns:a16="http://schemas.microsoft.com/office/drawing/2014/main" id="{35D6CF70-56AF-A22D-3A00-8DCF34467A4A}"/>
-              </a:ext>
-            </a:extLst>
-          </p:cNvPr>
-          <p:cNvSpPr txBox="1"/>
-          <p:nvPr/>
-        </p:nvSpPr>
-        <p:spPr>
-          <a:xfrm>
-            <a:off x="2682240" y="2470243"/>
-            <a:ext cx="184731" cy="369332"/>
-          </a:xfrm>
-          <a:prstGeom prst="rect">
-            <a:avLst/>
-          </a:prstGeom>
-          <a:noFill/>
-        </p:spPr>
-        <p:txBody>
-          <a:bodyPr wrap="none" rtlCol="0">
-            <a:spAutoFit/>
-          </a:bodyPr>
-          <a:lstStyle/>
-          <a:p>
-            <a:endParaRPr lang="it-IT" dirty="0"/>
-          </a:p>
-        </p:txBody>
-      </p:sp>
-      <p:sp>
-        <p:nvSpPr>
-          <p:cNvPr id="7" name="TextBox 6">
-            <a:extLst>
-              <a:ext uri="{FF2B5EF4-FFF2-40B4-BE49-F238E27FC236}">
-                <a16:creationId xmlns:a16="http://schemas.microsoft.com/office/drawing/2014/main" id="{B661FA2B-9321-2725-A254-39147327D77A}"/>
-              </a:ext>
-            </a:extLst>
-          </p:cNvPr>
-          <p:cNvSpPr txBox="1"/>
-          <p:nvPr/>
-        </p:nvSpPr>
-        <p:spPr>
-          <a:xfrm>
-            <a:off x="606829" y="3338329"/>
-            <a:ext cx="11363498" cy="2031325"/>
-          </a:xfrm>
-          <a:prstGeom prst="rect">
-            <a:avLst/>
-          </a:prstGeom>
-          <a:noFill/>
-        </p:spPr>
-        <p:txBody>
-          <a:bodyPr wrap="square" rtlCol="0">
-            <a:spAutoFit/>
-          </a:bodyPr>
-          <a:lstStyle/>
-          <a:p>
-            <a:pPr algn="l"/>
-            <a:endParaRPr lang="en-GB" b="0" i="0" dirty="0">
-              <a:solidFill>
-                <a:srgbClr val="374151"/>
-              </a:solidFill>
-              <a:effectLst/>
-              <a:latin typeface="Söhne"/>
-            </a:endParaRPr>
-          </a:p>
-          <a:p>
-            <a:pPr marL="285750" indent="-285750" algn="l">
-              <a:buFont typeface="Arial" panose="020B0604020202020204" pitchFamily="34" charset="0"/>
-              <a:buChar char="•"/>
-            </a:pPr>
-            <a:r>
-              <a:rPr lang="en-GB" b="1" i="0" dirty="0">
-                <a:solidFill>
-                  <a:srgbClr val="374151"/>
-                </a:solidFill>
-                <a:effectLst/>
-                <a:latin typeface="Söhne"/>
-              </a:rPr>
-              <a:t>  Tipi di Dato e </a:t>
-            </a:r>
-            <a:r>
-              <a:rPr lang="en-GB" b="1" i="0" dirty="0" err="1">
-                <a:solidFill>
-                  <a:srgbClr val="374151"/>
-                </a:solidFill>
-                <a:effectLst/>
-                <a:latin typeface="Söhne"/>
-              </a:rPr>
-              <a:t>Manipolazione</a:t>
-            </a:r>
-            <a:r>
-              <a:rPr lang="en-GB" b="0" i="0" dirty="0">
-                <a:solidFill>
-                  <a:srgbClr val="374151"/>
-                </a:solidFill>
-                <a:effectLst/>
-                <a:latin typeface="Söhne"/>
-              </a:rPr>
-              <a:t>:</a:t>
-            </a:r>
-          </a:p>
-          <a:p>
-            <a:pPr algn="l"/>
-            <a:r>
-              <a:rPr lang="en-GB" b="0" i="0" dirty="0" err="1">
-                <a:solidFill>
-                  <a:srgbClr val="374151"/>
-                </a:solidFill>
-                <a:effectLst/>
-                <a:latin typeface="Söhne"/>
-              </a:rPr>
-              <a:t>Utilizzo</a:t>
-            </a:r>
-            <a:r>
-              <a:rPr lang="en-GB" b="0" i="0" dirty="0">
-                <a:solidFill>
-                  <a:srgbClr val="374151"/>
-                </a:solidFill>
-                <a:effectLst/>
-                <a:latin typeface="Söhne"/>
-              </a:rPr>
-              <a:t> di </a:t>
-            </a:r>
-            <a:r>
-              <a:rPr lang="en-GB" b="0" i="0" dirty="0" err="1">
-                <a:solidFill>
-                  <a:srgbClr val="374151"/>
-                </a:solidFill>
-                <a:effectLst/>
-                <a:latin typeface="Söhne"/>
-              </a:rPr>
-              <a:t>liste</a:t>
-            </a:r>
-            <a:r>
-              <a:rPr lang="en-GB" b="0" i="0" dirty="0">
-                <a:solidFill>
-                  <a:srgbClr val="374151"/>
-                </a:solidFill>
-                <a:effectLst/>
-                <a:latin typeface="Söhne"/>
-              </a:rPr>
-              <a:t>, tuple e </a:t>
-            </a:r>
-            <a:r>
-              <a:rPr lang="en-GB" b="0" i="0" dirty="0" err="1">
-                <a:solidFill>
-                  <a:srgbClr val="374151"/>
-                </a:solidFill>
-                <a:effectLst/>
-                <a:latin typeface="Söhne"/>
-              </a:rPr>
-              <a:t>dizionari</a:t>
-            </a:r>
-            <a:r>
-              <a:rPr lang="en-GB" b="0" i="0" dirty="0">
-                <a:solidFill>
-                  <a:srgbClr val="374151"/>
-                </a:solidFill>
-                <a:effectLst/>
-                <a:latin typeface="Söhne"/>
-              </a:rPr>
-              <a:t> per </a:t>
-            </a:r>
-            <a:r>
-              <a:rPr lang="en-GB" b="0" i="0" dirty="0" err="1">
-                <a:solidFill>
-                  <a:srgbClr val="374151"/>
-                </a:solidFill>
-                <a:effectLst/>
-                <a:latin typeface="Söhne"/>
-              </a:rPr>
-              <a:t>rappresentare</a:t>
-            </a:r>
-            <a:r>
-              <a:rPr lang="en-GB" b="0" i="0" dirty="0">
-                <a:solidFill>
-                  <a:srgbClr val="374151"/>
-                </a:solidFill>
-                <a:effectLst/>
-                <a:latin typeface="Söhne"/>
-              </a:rPr>
-              <a:t> </a:t>
-            </a:r>
-            <a:r>
-              <a:rPr lang="en-GB" b="0" i="0" dirty="0" err="1">
-                <a:solidFill>
-                  <a:srgbClr val="374151"/>
-                </a:solidFill>
-                <a:effectLst/>
-                <a:latin typeface="Söhne"/>
-              </a:rPr>
-              <a:t>dati</a:t>
-            </a:r>
-            <a:r>
-              <a:rPr lang="en-GB" b="0" i="0" dirty="0">
-                <a:solidFill>
-                  <a:srgbClr val="374151"/>
-                </a:solidFill>
-                <a:effectLst/>
-                <a:latin typeface="Söhne"/>
-              </a:rPr>
-              <a:t> e </a:t>
-            </a:r>
-            <a:r>
-              <a:rPr lang="en-GB" b="0" i="0" dirty="0" err="1">
-                <a:solidFill>
-                  <a:srgbClr val="374151"/>
-                </a:solidFill>
-                <a:effectLst/>
-                <a:latin typeface="Söhne"/>
-              </a:rPr>
-              <a:t>svolgere</a:t>
-            </a:r>
-            <a:r>
-              <a:rPr lang="en-GB" b="0" i="0" dirty="0">
-                <a:solidFill>
-                  <a:srgbClr val="374151"/>
-                </a:solidFill>
-                <a:effectLst/>
-                <a:latin typeface="Söhne"/>
-              </a:rPr>
-              <a:t> </a:t>
-            </a:r>
-            <a:r>
-              <a:rPr lang="en-GB" b="0" i="0" dirty="0" err="1">
-                <a:solidFill>
-                  <a:srgbClr val="374151"/>
-                </a:solidFill>
-                <a:effectLst/>
-                <a:latin typeface="Söhne"/>
-              </a:rPr>
-              <a:t>operazioni</a:t>
-            </a:r>
-            <a:r>
-              <a:rPr lang="en-GB" b="0" i="0" dirty="0">
-                <a:solidFill>
-                  <a:srgbClr val="374151"/>
-                </a:solidFill>
-                <a:effectLst/>
-                <a:latin typeface="Söhne"/>
-              </a:rPr>
-              <a:t> </a:t>
-            </a:r>
-            <a:r>
-              <a:rPr lang="en-GB" b="0" i="0" dirty="0" err="1">
-                <a:solidFill>
-                  <a:srgbClr val="374151"/>
-                </a:solidFill>
-                <a:effectLst/>
-                <a:latin typeface="Söhne"/>
-              </a:rPr>
-              <a:t>su</a:t>
-            </a:r>
-            <a:r>
-              <a:rPr lang="en-GB" b="0" i="0" dirty="0">
-                <a:solidFill>
-                  <a:srgbClr val="374151"/>
-                </a:solidFill>
-                <a:effectLst/>
-                <a:latin typeface="Söhne"/>
-              </a:rPr>
-              <a:t> di </a:t>
-            </a:r>
-            <a:r>
-              <a:rPr lang="en-GB" b="0" i="0" dirty="0" err="1">
-                <a:solidFill>
-                  <a:srgbClr val="374151"/>
-                </a:solidFill>
-                <a:effectLst/>
-                <a:latin typeface="Söhne"/>
-              </a:rPr>
-              <a:t>essi</a:t>
-            </a:r>
-            <a:r>
-              <a:rPr lang="en-GB" b="0" i="0" dirty="0">
-                <a:solidFill>
-                  <a:srgbClr val="374151"/>
-                </a:solidFill>
-                <a:effectLst/>
-                <a:latin typeface="Söhne"/>
-              </a:rPr>
-              <a:t>.</a:t>
-            </a:r>
-          </a:p>
-          <a:p>
-            <a:pPr algn="l"/>
-            <a:endParaRPr lang="en-GB" b="0" i="0" dirty="0">
-              <a:solidFill>
-                <a:srgbClr val="374151"/>
-              </a:solidFill>
-              <a:effectLst/>
-              <a:latin typeface="Söhne"/>
-            </a:endParaRPr>
-          </a:p>
-          <a:p>
-            <a:pPr marL="285750" indent="-285750" algn="l">
-              <a:buFont typeface="Arial" panose="020B0604020202020204" pitchFamily="34" charset="0"/>
-              <a:buChar char="•"/>
-            </a:pPr>
-            <a:r>
-              <a:rPr lang="en-GB" b="1" i="0" dirty="0">
-                <a:solidFill>
-                  <a:srgbClr val="374151"/>
-                </a:solidFill>
-                <a:effectLst/>
-                <a:latin typeface="Söhne"/>
-              </a:rPr>
-              <a:t>  </a:t>
-            </a:r>
-            <a:r>
-              <a:rPr lang="en-GB" b="1" i="0" dirty="0" err="1">
-                <a:solidFill>
-                  <a:srgbClr val="374151"/>
-                </a:solidFill>
-                <a:effectLst/>
-                <a:latin typeface="Söhne"/>
-              </a:rPr>
-              <a:t>Funzioni</a:t>
-            </a:r>
-            <a:r>
-              <a:rPr lang="en-GB" b="1" i="0" dirty="0">
-                <a:solidFill>
-                  <a:srgbClr val="374151"/>
-                </a:solidFill>
-                <a:effectLst/>
-                <a:latin typeface="Söhne"/>
-              </a:rPr>
-              <a:t> e </a:t>
-            </a:r>
-            <a:r>
-              <a:rPr lang="en-GB" b="1" i="0" dirty="0" err="1">
-                <a:solidFill>
-                  <a:srgbClr val="374151"/>
-                </a:solidFill>
-                <a:effectLst/>
-                <a:latin typeface="Söhne"/>
-              </a:rPr>
-              <a:t>Gestione</a:t>
-            </a:r>
-            <a:r>
-              <a:rPr lang="en-GB" b="1" i="0" dirty="0">
-                <a:solidFill>
-                  <a:srgbClr val="374151"/>
-                </a:solidFill>
-                <a:effectLst/>
-                <a:latin typeface="Söhne"/>
-              </a:rPr>
-              <a:t> </a:t>
-            </a:r>
-            <a:r>
-              <a:rPr lang="en-GB" b="1" i="0" dirty="0" err="1">
-                <a:solidFill>
-                  <a:srgbClr val="374151"/>
-                </a:solidFill>
-                <a:effectLst/>
-                <a:latin typeface="Söhne"/>
-              </a:rPr>
-              <a:t>delle</a:t>
-            </a:r>
-            <a:r>
-              <a:rPr lang="en-GB" b="1" i="0" dirty="0">
-                <a:solidFill>
-                  <a:srgbClr val="374151"/>
-                </a:solidFill>
-                <a:effectLst/>
-                <a:latin typeface="Söhne"/>
-              </a:rPr>
-              <a:t> </a:t>
-            </a:r>
-            <a:r>
-              <a:rPr lang="en-GB" b="1" i="0" dirty="0" err="1">
-                <a:solidFill>
-                  <a:srgbClr val="374151"/>
-                </a:solidFill>
-                <a:effectLst/>
-                <a:latin typeface="Söhne"/>
-              </a:rPr>
-              <a:t>Eccezioni</a:t>
-            </a:r>
-            <a:r>
-              <a:rPr lang="en-GB" b="0" i="0" dirty="0">
-                <a:solidFill>
-                  <a:srgbClr val="374151"/>
-                </a:solidFill>
-                <a:effectLst/>
-                <a:latin typeface="Söhne"/>
-              </a:rPr>
-              <a:t>:</a:t>
-            </a:r>
-          </a:p>
-          <a:p>
-            <a:pPr algn="l"/>
-            <a:r>
-              <a:rPr lang="en-GB" b="0" i="0" dirty="0" err="1">
-                <a:solidFill>
-                  <a:srgbClr val="374151"/>
-                </a:solidFill>
-                <a:effectLst/>
-                <a:latin typeface="Söhne"/>
-              </a:rPr>
-              <a:t>Gestione</a:t>
-            </a:r>
-            <a:r>
-              <a:rPr lang="en-GB" b="0" i="0" dirty="0">
-                <a:solidFill>
-                  <a:srgbClr val="374151"/>
-                </a:solidFill>
-                <a:effectLst/>
-                <a:latin typeface="Söhne"/>
-              </a:rPr>
-              <a:t> </a:t>
-            </a:r>
-            <a:r>
-              <a:rPr lang="en-GB" b="0" i="0" dirty="0" err="1">
-                <a:solidFill>
-                  <a:srgbClr val="374151"/>
-                </a:solidFill>
-                <a:effectLst/>
-                <a:latin typeface="Söhne"/>
-              </a:rPr>
-              <a:t>delle</a:t>
-            </a:r>
-            <a:r>
-              <a:rPr lang="en-GB" b="0" i="0" dirty="0">
-                <a:solidFill>
-                  <a:srgbClr val="374151"/>
-                </a:solidFill>
-                <a:effectLst/>
-                <a:latin typeface="Söhne"/>
-              </a:rPr>
-              <a:t> </a:t>
-            </a:r>
-            <a:r>
-              <a:rPr lang="en-GB" b="0" i="0" dirty="0" err="1">
-                <a:solidFill>
-                  <a:srgbClr val="374151"/>
-                </a:solidFill>
-                <a:effectLst/>
-                <a:latin typeface="Söhne"/>
-              </a:rPr>
-              <a:t>eccezioni</a:t>
-            </a:r>
-            <a:r>
-              <a:rPr lang="en-GB" b="0" i="0" dirty="0">
-                <a:solidFill>
-                  <a:srgbClr val="374151"/>
-                </a:solidFill>
-                <a:effectLst/>
-                <a:latin typeface="Söhne"/>
-              </a:rPr>
-              <a:t>, </a:t>
-            </a:r>
-            <a:r>
-              <a:rPr lang="en-GB" b="0" i="0" dirty="0" err="1">
-                <a:solidFill>
-                  <a:srgbClr val="374151"/>
-                </a:solidFill>
-                <a:effectLst/>
-                <a:latin typeface="Söhne"/>
-              </a:rPr>
-              <a:t>cicli</a:t>
-            </a:r>
-            <a:r>
-              <a:rPr lang="en-GB" b="0" i="0" dirty="0">
-                <a:solidFill>
-                  <a:srgbClr val="374151"/>
-                </a:solidFill>
-                <a:effectLst/>
-                <a:latin typeface="Söhne"/>
-              </a:rPr>
-              <a:t> di </a:t>
-            </a:r>
-            <a:r>
-              <a:rPr lang="en-GB" b="0" i="0" dirty="0" err="1">
-                <a:solidFill>
-                  <a:srgbClr val="374151"/>
-                </a:solidFill>
-                <a:effectLst/>
-                <a:latin typeface="Söhne"/>
-              </a:rPr>
-              <a:t>dati</a:t>
-            </a:r>
-            <a:r>
-              <a:rPr lang="en-GB" b="0" i="0" dirty="0">
-                <a:solidFill>
-                  <a:srgbClr val="374151"/>
-                </a:solidFill>
-                <a:effectLst/>
-                <a:latin typeface="Söhne"/>
-              </a:rPr>
-              <a:t>, </a:t>
-            </a:r>
-            <a:r>
-              <a:rPr lang="en-GB" b="0" i="0" dirty="0" err="1">
-                <a:solidFill>
-                  <a:srgbClr val="374151"/>
-                </a:solidFill>
-                <a:effectLst/>
-                <a:latin typeface="Söhne"/>
-              </a:rPr>
-              <a:t>creazione</a:t>
-            </a:r>
-            <a:r>
-              <a:rPr lang="en-GB" b="0" i="0" dirty="0">
-                <a:solidFill>
-                  <a:srgbClr val="374151"/>
-                </a:solidFill>
-                <a:effectLst/>
-                <a:latin typeface="Söhne"/>
-              </a:rPr>
-              <a:t> di </a:t>
-            </a:r>
-            <a:r>
-              <a:rPr lang="en-GB" b="0" i="0" dirty="0" err="1">
-                <a:solidFill>
-                  <a:srgbClr val="374151"/>
-                </a:solidFill>
-                <a:effectLst/>
-                <a:latin typeface="Söhne"/>
-              </a:rPr>
-              <a:t>funzioni</a:t>
-            </a:r>
-            <a:r>
-              <a:rPr lang="en-GB" b="0" i="0" dirty="0">
-                <a:solidFill>
-                  <a:srgbClr val="374151"/>
-                </a:solidFill>
-                <a:effectLst/>
-                <a:latin typeface="Söhne"/>
-              </a:rPr>
-              <a:t> </a:t>
-            </a:r>
-            <a:r>
-              <a:rPr lang="en-GB" b="0" i="0" dirty="0" err="1">
-                <a:solidFill>
-                  <a:srgbClr val="374151"/>
-                </a:solidFill>
-                <a:effectLst/>
-                <a:latin typeface="Söhne"/>
-              </a:rPr>
-              <a:t>personalizzate</a:t>
-            </a:r>
-            <a:r>
-              <a:rPr lang="en-GB" b="0" i="0" dirty="0">
-                <a:solidFill>
-                  <a:srgbClr val="374151"/>
-                </a:solidFill>
-                <a:effectLst/>
-                <a:latin typeface="Söhne"/>
-              </a:rPr>
-              <a:t> e </a:t>
-            </a:r>
-            <a:r>
-              <a:rPr lang="en-GB" b="0" i="0" dirty="0" err="1">
-                <a:solidFill>
-                  <a:srgbClr val="374151"/>
-                </a:solidFill>
-                <a:effectLst/>
-                <a:latin typeface="Söhne"/>
-              </a:rPr>
-              <a:t>gestione</a:t>
-            </a:r>
-            <a:r>
-              <a:rPr lang="en-GB" b="0" i="0" dirty="0">
-                <a:solidFill>
-                  <a:srgbClr val="374151"/>
-                </a:solidFill>
-                <a:effectLst/>
-                <a:latin typeface="Söhne"/>
-              </a:rPr>
-              <a:t> di </a:t>
-            </a:r>
-            <a:r>
-              <a:rPr lang="en-GB" b="0" i="0" dirty="0" err="1">
-                <a:solidFill>
-                  <a:srgbClr val="374151"/>
-                </a:solidFill>
-                <a:effectLst/>
-                <a:latin typeface="Söhne"/>
-              </a:rPr>
-              <a:t>errori</a:t>
-            </a:r>
-            <a:r>
-              <a:rPr lang="en-GB" b="0" i="0" dirty="0">
-                <a:solidFill>
-                  <a:srgbClr val="374151"/>
-                </a:solidFill>
-                <a:effectLst/>
-                <a:latin typeface="Söhne"/>
-              </a:rPr>
-              <a:t>.</a:t>
-            </a:r>
-          </a:p>
-          <a:p>
-            <a:endParaRPr lang="en-IT" dirty="0"/>
-          </a:p>
-        </p:txBody>
-      </p:sp>
-      <p:sp>
-        <p:nvSpPr>
-          <p:cNvPr id="8" name="TextBox 7">
-            <a:extLst>
-              <a:ext uri="{FF2B5EF4-FFF2-40B4-BE49-F238E27FC236}">
-                <a16:creationId xmlns:a16="http://schemas.microsoft.com/office/drawing/2014/main" id="{05EE9C7C-16CC-A340-15CD-F70447B8428D}"/>
-              </a:ext>
-            </a:extLst>
-          </p:cNvPr>
-          <p:cNvSpPr txBox="1"/>
-          <p:nvPr/>
-        </p:nvSpPr>
-        <p:spPr>
-          <a:xfrm>
-            <a:off x="606829" y="2839575"/>
-            <a:ext cx="1077539" cy="369332"/>
-          </a:xfrm>
-          <a:prstGeom prst="rect">
-            <a:avLst/>
-          </a:prstGeom>
-          <a:noFill/>
-        </p:spPr>
-        <p:txBody>
-          <a:bodyPr wrap="none" rtlCol="0">
-            <a:spAutoFit/>
-          </a:bodyPr>
-          <a:lstStyle/>
-          <a:p>
-            <a:r>
-              <a:rPr lang="en-IT" dirty="0"/>
-              <a:t>Giorno 2</a:t>
-            </a:r>
-          </a:p>
-        </p:txBody>
-      </p:sp>
-    </p:spTree>
-    <p:extLst>
-      <p:ext uri="{BB962C8B-B14F-4D97-AF65-F5344CB8AC3E}">
-        <p14:creationId xmlns:p14="http://schemas.microsoft.com/office/powerpoint/2010/main" val="45302024"/>
-      </p:ext>
-    </p:extLst>
-  </p:cSld>
-  <p:clrMapOvr>
-    <a:masterClrMapping/>
-  </p:clrMapOvr>
-</p:sld>
-</file>
-
-<file path=ppt/slides/slide5.xml><?xml version="1.0" encoding="utf-8"?>
-<p:sld xmlns:a="http://schemas.openxmlformats.org/drawingml/2006/main" xmlns:r="http://schemas.openxmlformats.org/officeDocument/2006/relationships" xmlns:p="http://schemas.openxmlformats.org/presentationml/2006/main">
-  <p:cSld>
-    <p:spTree>
-      <p:nvGrpSpPr>
-        <p:cNvPr id="1" name=""/>
-        <p:cNvGrpSpPr/>
-        <p:nvPr/>
-      </p:nvGrpSpPr>
-      <p:grpSpPr>
-        <a:xfrm>
-          <a:off x="0" y="0"/>
-          <a:ext cx="0" cy="0"/>
-          <a:chOff x="0" y="0"/>
-          <a:chExt cx="0" cy="0"/>
-        </a:xfrm>
-      </p:grpSpPr>
-      <p:sp>
-        <p:nvSpPr>
-          <p:cNvPr id="2" name="CasellaDiTesto 1">
-            <a:extLst>
-              <a:ext uri="{FF2B5EF4-FFF2-40B4-BE49-F238E27FC236}">
-                <a16:creationId xmlns:a16="http://schemas.microsoft.com/office/drawing/2014/main" id="{0D44854F-2D30-FA80-801A-BA45E86EE13F}"/>
-              </a:ext>
-            </a:extLst>
-          </p:cNvPr>
-          <p:cNvSpPr txBox="1"/>
-          <p:nvPr/>
-        </p:nvSpPr>
-        <p:spPr>
-          <a:xfrm>
-            <a:off x="2682240" y="1052698"/>
-            <a:ext cx="184731" cy="369332"/>
-          </a:xfrm>
-          <a:prstGeom prst="rect">
-            <a:avLst/>
-          </a:prstGeom>
-          <a:noFill/>
-        </p:spPr>
-        <p:txBody>
-          <a:bodyPr wrap="none" rtlCol="0">
-            <a:spAutoFit/>
-          </a:bodyPr>
-          <a:lstStyle/>
-          <a:p>
-            <a:endParaRPr lang="it-IT" dirty="0"/>
-          </a:p>
-        </p:txBody>
-      </p:sp>
-      <p:sp>
-        <p:nvSpPr>
-          <p:cNvPr id="3" name="TextBox 2">
-            <a:extLst>
-              <a:ext uri="{FF2B5EF4-FFF2-40B4-BE49-F238E27FC236}">
-                <a16:creationId xmlns:a16="http://schemas.microsoft.com/office/drawing/2014/main" id="{FD4C1B9D-E7DA-35FA-614D-09C18F2CD006}"/>
-              </a:ext>
-            </a:extLst>
-          </p:cNvPr>
-          <p:cNvSpPr txBox="1"/>
-          <p:nvPr/>
-        </p:nvSpPr>
-        <p:spPr>
-          <a:xfrm>
-            <a:off x="606829" y="1237780"/>
-            <a:ext cx="11363498" cy="2031325"/>
-          </a:xfrm>
-          <a:prstGeom prst="rect">
-            <a:avLst/>
-          </a:prstGeom>
-          <a:noFill/>
-        </p:spPr>
-        <p:txBody>
-          <a:bodyPr wrap="square" rtlCol="0">
-            <a:spAutoFit/>
-          </a:bodyPr>
-          <a:lstStyle/>
-          <a:p>
-            <a:pPr algn="l"/>
-            <a:endParaRPr lang="en-GB" b="0" i="0" dirty="0">
-              <a:solidFill>
-                <a:srgbClr val="374151"/>
-              </a:solidFill>
-              <a:effectLst/>
-              <a:latin typeface="Söhne"/>
-            </a:endParaRPr>
-          </a:p>
-          <a:p>
-            <a:pPr indent="-342900">
-              <a:buFont typeface="Arial" panose="020B0604020202020204" pitchFamily="34" charset="0"/>
-              <a:buChar char="•"/>
-            </a:pPr>
-            <a:r>
-              <a:rPr lang="en-GB" b="1" dirty="0">
-                <a:solidFill>
-                  <a:srgbClr val="374151"/>
-                </a:solidFill>
-                <a:latin typeface="Söhne"/>
-              </a:rPr>
-              <a:t>La </a:t>
-            </a:r>
-            <a:r>
-              <a:rPr lang="en-GB" b="1" dirty="0" err="1">
-                <a:solidFill>
-                  <a:srgbClr val="374151"/>
-                </a:solidFill>
-                <a:latin typeface="Söhne"/>
-              </a:rPr>
-              <a:t>programmazione</a:t>
-            </a:r>
-            <a:r>
-              <a:rPr lang="en-GB" b="1" dirty="0">
-                <a:solidFill>
-                  <a:srgbClr val="374151"/>
-                </a:solidFill>
-                <a:latin typeface="Söhne"/>
-              </a:rPr>
-              <a:t> a </a:t>
-            </a:r>
-            <a:r>
-              <a:rPr lang="en-GB" b="1" dirty="0" err="1">
-                <a:solidFill>
-                  <a:srgbClr val="374151"/>
-                </a:solidFill>
-                <a:latin typeface="Söhne"/>
-              </a:rPr>
-              <a:t>oggetti</a:t>
-            </a:r>
-            <a:r>
-              <a:rPr lang="en-GB" b="1" dirty="0">
-                <a:solidFill>
-                  <a:srgbClr val="374151"/>
-                </a:solidFill>
-                <a:latin typeface="Söhne"/>
-              </a:rPr>
-              <a:t>, Python </a:t>
-            </a:r>
-            <a:r>
-              <a:rPr lang="en-GB" b="1" dirty="0" err="1">
-                <a:solidFill>
-                  <a:srgbClr val="374151"/>
-                </a:solidFill>
-                <a:latin typeface="Söhne"/>
-              </a:rPr>
-              <a:t>nella</a:t>
-            </a:r>
-            <a:r>
-              <a:rPr lang="en-GB" b="1" dirty="0">
-                <a:solidFill>
-                  <a:srgbClr val="374151"/>
-                </a:solidFill>
-                <a:latin typeface="Söhne"/>
-              </a:rPr>
-              <a:t> </a:t>
-            </a:r>
-            <a:r>
-              <a:rPr lang="en-GB" b="1" dirty="0" err="1">
-                <a:solidFill>
-                  <a:srgbClr val="374151"/>
-                </a:solidFill>
-                <a:latin typeface="Söhne"/>
-              </a:rPr>
-              <a:t>pratica</a:t>
-            </a:r>
-            <a:r>
-              <a:rPr lang="en-GB" b="1" dirty="0">
-                <a:solidFill>
-                  <a:srgbClr val="374151"/>
-                </a:solidFill>
-                <a:latin typeface="Söhne"/>
-              </a:rPr>
-              <a:t>:</a:t>
-            </a:r>
-          </a:p>
-          <a:p>
-            <a:pPr algn="l"/>
-            <a:r>
-              <a:rPr lang="en-GB" b="0" i="0" dirty="0" err="1">
-                <a:solidFill>
-                  <a:srgbClr val="374151"/>
-                </a:solidFill>
-                <a:effectLst/>
-                <a:latin typeface="Söhne"/>
-              </a:rPr>
-              <a:t>Programmazione</a:t>
-            </a:r>
-            <a:r>
-              <a:rPr lang="en-GB" b="0" i="0" dirty="0">
-                <a:solidFill>
-                  <a:srgbClr val="374151"/>
-                </a:solidFill>
-                <a:effectLst/>
-                <a:latin typeface="Söhne"/>
-              </a:rPr>
-              <a:t> a </a:t>
-            </a:r>
-            <a:r>
-              <a:rPr lang="en-GB" b="0" i="0" dirty="0" err="1">
-                <a:solidFill>
-                  <a:srgbClr val="374151"/>
-                </a:solidFill>
-                <a:effectLst/>
-                <a:latin typeface="Söhne"/>
-              </a:rPr>
-              <a:t>oggetti</a:t>
-            </a:r>
-            <a:r>
-              <a:rPr lang="en-GB" b="0" i="0" dirty="0">
-                <a:solidFill>
-                  <a:srgbClr val="374151"/>
-                </a:solidFill>
-                <a:effectLst/>
-                <a:latin typeface="Söhne"/>
-              </a:rPr>
-              <a:t> e </a:t>
-            </a:r>
-            <a:r>
-              <a:rPr lang="en-GB" b="0" i="0" dirty="0" err="1">
-                <a:solidFill>
-                  <a:srgbClr val="374151"/>
-                </a:solidFill>
-                <a:effectLst/>
-                <a:latin typeface="Söhne"/>
-              </a:rPr>
-              <a:t>gestione</a:t>
-            </a:r>
-            <a:r>
-              <a:rPr lang="en-GB" b="0" i="0" dirty="0">
-                <a:solidFill>
-                  <a:srgbClr val="374151"/>
-                </a:solidFill>
-                <a:effectLst/>
-                <a:latin typeface="Söhne"/>
-              </a:rPr>
-              <a:t> di file con Python.</a:t>
-            </a:r>
-          </a:p>
-          <a:p>
-            <a:pPr algn="l"/>
-            <a:endParaRPr lang="en-GB" b="0" i="0" dirty="0">
-              <a:solidFill>
-                <a:srgbClr val="374151"/>
-              </a:solidFill>
-              <a:effectLst/>
-              <a:latin typeface="Söhne"/>
-            </a:endParaRPr>
-          </a:p>
-          <a:p>
-            <a:pPr marL="285750" indent="-285750">
-              <a:buFont typeface="Arial" panose="020B0604020202020204" pitchFamily="34" charset="0"/>
-              <a:buChar char="•"/>
-            </a:pPr>
-            <a:r>
-              <a:rPr lang="en-GB" b="1" dirty="0">
-                <a:solidFill>
-                  <a:srgbClr val="374151"/>
-                </a:solidFill>
-                <a:latin typeface="Söhne"/>
-              </a:rPr>
-              <a:t> Le </a:t>
-            </a:r>
-            <a:r>
-              <a:rPr lang="en-GB" b="1" dirty="0" err="1">
-                <a:solidFill>
-                  <a:srgbClr val="374151"/>
-                </a:solidFill>
-                <a:latin typeface="Söhne"/>
-              </a:rPr>
-              <a:t>librerie</a:t>
-            </a:r>
-            <a:r>
-              <a:rPr lang="en-GB" b="1" dirty="0">
-                <a:solidFill>
-                  <a:srgbClr val="374151"/>
-                </a:solidFill>
-                <a:latin typeface="Söhne"/>
-              </a:rPr>
-              <a:t> </a:t>
-            </a:r>
-            <a:r>
-              <a:rPr lang="en-GB" b="1" dirty="0" err="1">
-                <a:solidFill>
-                  <a:srgbClr val="374151"/>
-                </a:solidFill>
-                <a:latin typeface="Söhne"/>
-              </a:rPr>
-              <a:t>numeriche</a:t>
-            </a:r>
-            <a:r>
-              <a:rPr lang="en-GB" b="1" dirty="0">
-                <a:solidFill>
-                  <a:srgbClr val="374151"/>
-                </a:solidFill>
-                <a:latin typeface="Söhne"/>
-              </a:rPr>
-              <a:t>, </a:t>
-            </a:r>
-            <a:r>
-              <a:rPr lang="en-GB" b="1" dirty="0" err="1">
-                <a:solidFill>
-                  <a:srgbClr val="374151"/>
-                </a:solidFill>
-                <a:latin typeface="Söhne"/>
-              </a:rPr>
-              <a:t>scientifiche</a:t>
-            </a:r>
-            <a:r>
-              <a:rPr lang="en-GB" b="1" dirty="0">
-                <a:solidFill>
-                  <a:srgbClr val="374151"/>
-                </a:solidFill>
-                <a:latin typeface="Söhne"/>
-              </a:rPr>
-              <a:t> e di data preparation e visualization </a:t>
-            </a:r>
-            <a:r>
-              <a:rPr lang="en-GB" b="1" dirty="0" err="1">
-                <a:solidFill>
-                  <a:srgbClr val="374151"/>
-                </a:solidFill>
-                <a:latin typeface="Söhne"/>
-              </a:rPr>
-              <a:t>utilizzate</a:t>
-            </a:r>
-            <a:r>
-              <a:rPr lang="en-GB" b="1" dirty="0">
-                <a:solidFill>
-                  <a:srgbClr val="374151"/>
-                </a:solidFill>
-                <a:latin typeface="Söhne"/>
-              </a:rPr>
-              <a:t> </a:t>
-            </a:r>
-            <a:r>
-              <a:rPr lang="en-GB" b="1" dirty="0" err="1">
-                <a:solidFill>
-                  <a:srgbClr val="374151"/>
-                </a:solidFill>
-                <a:latin typeface="Söhne"/>
-              </a:rPr>
-              <a:t>nei</a:t>
-            </a:r>
-            <a:r>
-              <a:rPr lang="en-GB" b="1" dirty="0">
-                <a:solidFill>
-                  <a:srgbClr val="374151"/>
-                </a:solidFill>
-                <a:latin typeface="Söhne"/>
-              </a:rPr>
-              <a:t> </a:t>
-            </a:r>
-            <a:r>
-              <a:rPr lang="en-GB" b="1" dirty="0" err="1">
-                <a:solidFill>
-                  <a:srgbClr val="374151"/>
-                </a:solidFill>
-                <a:latin typeface="Söhne"/>
-              </a:rPr>
-              <a:t>progetti</a:t>
-            </a:r>
-            <a:r>
-              <a:rPr lang="en-GB" b="1" dirty="0">
-                <a:solidFill>
-                  <a:srgbClr val="374151"/>
-                </a:solidFill>
-                <a:latin typeface="Söhne"/>
-              </a:rPr>
-              <a:t> di Data Science (1/2):</a:t>
-            </a:r>
-          </a:p>
-          <a:p>
-            <a:pPr algn="l"/>
-            <a:r>
-              <a:rPr lang="en-GB" b="0" i="0" dirty="0" err="1">
-                <a:solidFill>
-                  <a:srgbClr val="374151"/>
-                </a:solidFill>
-                <a:effectLst/>
-                <a:latin typeface="Söhne"/>
-              </a:rPr>
-              <a:t>Librerie</a:t>
-            </a:r>
-            <a:r>
-              <a:rPr lang="en-GB" b="0" i="0" dirty="0">
-                <a:solidFill>
-                  <a:srgbClr val="374151"/>
-                </a:solidFill>
-                <a:effectLst/>
-                <a:latin typeface="Söhne"/>
-              </a:rPr>
-              <a:t> </a:t>
-            </a:r>
-            <a:r>
-              <a:rPr lang="en-GB" b="0" i="0" dirty="0" err="1">
-                <a:solidFill>
-                  <a:srgbClr val="374151"/>
-                </a:solidFill>
-                <a:effectLst/>
-                <a:latin typeface="Söhne"/>
-              </a:rPr>
-              <a:t>utilizzate</a:t>
-            </a:r>
-            <a:r>
-              <a:rPr lang="en-GB" b="0" i="0" dirty="0">
-                <a:solidFill>
-                  <a:srgbClr val="374151"/>
-                </a:solidFill>
-                <a:effectLst/>
-                <a:latin typeface="Söhne"/>
-              </a:rPr>
-              <a:t> in Data Science: NumPy, SciPy, </a:t>
-            </a:r>
-            <a:endParaRPr lang="en-GB" dirty="0">
-              <a:solidFill>
-                <a:srgbClr val="374151"/>
-              </a:solidFill>
-              <a:latin typeface="Söhne"/>
-            </a:endParaRPr>
-          </a:p>
-          <a:p>
-            <a:endParaRPr lang="en-IT" dirty="0"/>
-          </a:p>
-        </p:txBody>
-      </p:sp>
-      <p:sp>
-        <p:nvSpPr>
-          <p:cNvPr id="4" name="TextBox 3">
-            <a:extLst>
-              <a:ext uri="{FF2B5EF4-FFF2-40B4-BE49-F238E27FC236}">
-                <a16:creationId xmlns:a16="http://schemas.microsoft.com/office/drawing/2014/main" id="{8C45A6E3-2DAE-D404-1AB9-B6309BF05F6A}"/>
-              </a:ext>
-            </a:extLst>
-          </p:cNvPr>
-          <p:cNvSpPr txBox="1"/>
-          <p:nvPr/>
-        </p:nvSpPr>
-        <p:spPr>
-          <a:xfrm>
-            <a:off x="606829" y="426315"/>
-            <a:ext cx="3042821" cy="369332"/>
-          </a:xfrm>
-          <a:prstGeom prst="rect">
-            <a:avLst/>
-          </a:prstGeom>
-          <a:noFill/>
-        </p:spPr>
-        <p:txBody>
-          <a:bodyPr wrap="none" rtlCol="0">
-            <a:spAutoFit/>
-          </a:bodyPr>
-          <a:lstStyle/>
-          <a:p>
-            <a:r>
-              <a:rPr lang="en-IT" dirty="0"/>
-              <a:t>PROGRAMMA DEL CORSO</a:t>
-            </a:r>
-          </a:p>
-        </p:txBody>
-      </p:sp>
-      <p:sp>
-        <p:nvSpPr>
-          <p:cNvPr id="5" name="TextBox 4">
-            <a:extLst>
-              <a:ext uri="{FF2B5EF4-FFF2-40B4-BE49-F238E27FC236}">
-                <a16:creationId xmlns:a16="http://schemas.microsoft.com/office/drawing/2014/main" id="{4A5AD20D-399C-729F-5208-DFF750BDE795}"/>
-              </a:ext>
-            </a:extLst>
-          </p:cNvPr>
-          <p:cNvSpPr txBox="1"/>
-          <p:nvPr/>
-        </p:nvSpPr>
-        <p:spPr>
-          <a:xfrm>
-            <a:off x="606829" y="1019852"/>
-            <a:ext cx="1077539" cy="369332"/>
-          </a:xfrm>
-          <a:prstGeom prst="rect">
-            <a:avLst/>
-          </a:prstGeom>
-          <a:noFill/>
-        </p:spPr>
-        <p:txBody>
-          <a:bodyPr wrap="none" rtlCol="0">
-            <a:spAutoFit/>
-          </a:bodyPr>
-          <a:lstStyle/>
-          <a:p>
-            <a:r>
-              <a:rPr lang="en-IT" dirty="0"/>
-              <a:t>Giorno 3</a:t>
-            </a:r>
-          </a:p>
-        </p:txBody>
-      </p:sp>
-      <p:sp>
-        <p:nvSpPr>
-          <p:cNvPr id="6" name="CasellaDiTesto 1">
-            <a:extLst>
-              <a:ext uri="{FF2B5EF4-FFF2-40B4-BE49-F238E27FC236}">
-                <a16:creationId xmlns:a16="http://schemas.microsoft.com/office/drawing/2014/main" id="{51652B5A-8054-7C9C-4AAB-FD2822BDA600}"/>
-              </a:ext>
-            </a:extLst>
-          </p:cNvPr>
-          <p:cNvSpPr txBox="1"/>
-          <p:nvPr/>
-        </p:nvSpPr>
-        <p:spPr>
-          <a:xfrm>
-            <a:off x="2682240" y="3279915"/>
-            <a:ext cx="184731" cy="369332"/>
-          </a:xfrm>
-          <a:prstGeom prst="rect">
-            <a:avLst/>
-          </a:prstGeom>
-          <a:noFill/>
-        </p:spPr>
-        <p:txBody>
-          <a:bodyPr wrap="none" rtlCol="0">
-            <a:spAutoFit/>
-          </a:bodyPr>
-          <a:lstStyle/>
-          <a:p>
-            <a:endParaRPr lang="it-IT" dirty="0"/>
-          </a:p>
-        </p:txBody>
-      </p:sp>
-      <p:sp>
-        <p:nvSpPr>
-          <p:cNvPr id="7" name="TextBox 6">
-            <a:extLst>
-              <a:ext uri="{FF2B5EF4-FFF2-40B4-BE49-F238E27FC236}">
-                <a16:creationId xmlns:a16="http://schemas.microsoft.com/office/drawing/2014/main" id="{903BC5A7-BAAE-4D0C-1D2E-017031AD364E}"/>
-              </a:ext>
-            </a:extLst>
-          </p:cNvPr>
-          <p:cNvSpPr txBox="1"/>
-          <p:nvPr/>
-        </p:nvSpPr>
-        <p:spPr>
-          <a:xfrm>
-            <a:off x="606829" y="3945816"/>
-            <a:ext cx="11363498" cy="2031325"/>
-          </a:xfrm>
-          <a:prstGeom prst="rect">
-            <a:avLst/>
-          </a:prstGeom>
-          <a:noFill/>
-        </p:spPr>
-        <p:txBody>
-          <a:bodyPr wrap="square" rtlCol="0">
-            <a:spAutoFit/>
-          </a:bodyPr>
-          <a:lstStyle/>
-          <a:p>
-            <a:pPr algn="l"/>
-            <a:endParaRPr lang="en-GB" b="0" i="0" dirty="0">
-              <a:solidFill>
-                <a:srgbClr val="374151"/>
-              </a:solidFill>
-              <a:effectLst/>
-              <a:latin typeface="Söhne"/>
-            </a:endParaRPr>
-          </a:p>
-          <a:p>
-            <a:pPr marL="285750" indent="-285750">
-              <a:buFont typeface="Arial" panose="020B0604020202020204" pitchFamily="34" charset="0"/>
-              <a:buChar char="•"/>
-            </a:pPr>
-            <a:r>
-              <a:rPr lang="en-GB" b="1" dirty="0">
-                <a:solidFill>
-                  <a:srgbClr val="374151"/>
-                </a:solidFill>
-                <a:latin typeface="Söhne"/>
-              </a:rPr>
-              <a:t> Le </a:t>
-            </a:r>
-            <a:r>
-              <a:rPr lang="en-GB" b="1" dirty="0" err="1">
-                <a:solidFill>
-                  <a:srgbClr val="374151"/>
-                </a:solidFill>
-                <a:latin typeface="Söhne"/>
-              </a:rPr>
-              <a:t>librerie</a:t>
-            </a:r>
-            <a:r>
-              <a:rPr lang="en-GB" b="1" dirty="0">
-                <a:solidFill>
-                  <a:srgbClr val="374151"/>
-                </a:solidFill>
-                <a:latin typeface="Söhne"/>
-              </a:rPr>
-              <a:t> </a:t>
-            </a:r>
-            <a:r>
-              <a:rPr lang="en-GB" b="1" dirty="0" err="1">
-                <a:solidFill>
-                  <a:srgbClr val="374151"/>
-                </a:solidFill>
-                <a:latin typeface="Söhne"/>
-              </a:rPr>
-              <a:t>numeriche</a:t>
-            </a:r>
-            <a:r>
-              <a:rPr lang="en-GB" b="1" dirty="0">
-                <a:solidFill>
-                  <a:srgbClr val="374151"/>
-                </a:solidFill>
-                <a:latin typeface="Söhne"/>
-              </a:rPr>
-              <a:t>, </a:t>
-            </a:r>
-            <a:r>
-              <a:rPr lang="en-GB" b="1" dirty="0" err="1">
-                <a:solidFill>
-                  <a:srgbClr val="374151"/>
-                </a:solidFill>
-                <a:latin typeface="Söhne"/>
-              </a:rPr>
-              <a:t>scientifiche</a:t>
-            </a:r>
-            <a:r>
-              <a:rPr lang="en-GB" b="1" dirty="0">
-                <a:solidFill>
-                  <a:srgbClr val="374151"/>
-                </a:solidFill>
-                <a:latin typeface="Söhne"/>
-              </a:rPr>
-              <a:t> e di data preparation e visualization </a:t>
-            </a:r>
-            <a:r>
-              <a:rPr lang="en-GB" b="1" dirty="0" err="1">
-                <a:solidFill>
-                  <a:srgbClr val="374151"/>
-                </a:solidFill>
-                <a:latin typeface="Söhne"/>
-              </a:rPr>
-              <a:t>utilizzate</a:t>
-            </a:r>
-            <a:r>
-              <a:rPr lang="en-GB" b="1" dirty="0">
-                <a:solidFill>
-                  <a:srgbClr val="374151"/>
-                </a:solidFill>
-                <a:latin typeface="Söhne"/>
-              </a:rPr>
-              <a:t> </a:t>
-            </a:r>
-            <a:r>
-              <a:rPr lang="en-GB" b="1" dirty="0" err="1">
-                <a:solidFill>
-                  <a:srgbClr val="374151"/>
-                </a:solidFill>
-                <a:latin typeface="Söhne"/>
-              </a:rPr>
-              <a:t>nei</a:t>
-            </a:r>
-            <a:r>
-              <a:rPr lang="en-GB" b="1" dirty="0">
-                <a:solidFill>
-                  <a:srgbClr val="374151"/>
-                </a:solidFill>
-                <a:latin typeface="Söhne"/>
-              </a:rPr>
-              <a:t> </a:t>
-            </a:r>
-            <a:r>
-              <a:rPr lang="en-GB" b="1" dirty="0" err="1">
-                <a:solidFill>
-                  <a:srgbClr val="374151"/>
-                </a:solidFill>
-                <a:latin typeface="Söhne"/>
-              </a:rPr>
-              <a:t>progetti</a:t>
-            </a:r>
-            <a:r>
-              <a:rPr lang="en-GB" b="1" dirty="0">
-                <a:solidFill>
-                  <a:srgbClr val="374151"/>
-                </a:solidFill>
-                <a:latin typeface="Söhne"/>
-              </a:rPr>
-              <a:t> di Data Science (2/2):</a:t>
-            </a:r>
-          </a:p>
-          <a:p>
-            <a:pPr algn="l"/>
-            <a:r>
-              <a:rPr lang="en-GB" b="0" i="0" dirty="0" err="1">
-                <a:solidFill>
-                  <a:srgbClr val="374151"/>
-                </a:solidFill>
-                <a:effectLst/>
-                <a:latin typeface="Söhne"/>
-              </a:rPr>
-              <a:t>Librerie</a:t>
-            </a:r>
-            <a:r>
-              <a:rPr lang="en-GB" b="0" i="0" dirty="0">
-                <a:solidFill>
-                  <a:srgbClr val="374151"/>
-                </a:solidFill>
-                <a:effectLst/>
-                <a:latin typeface="Söhne"/>
-              </a:rPr>
-              <a:t> </a:t>
-            </a:r>
-            <a:r>
-              <a:rPr lang="en-GB" b="0" i="0" dirty="0" err="1">
-                <a:solidFill>
-                  <a:srgbClr val="374151"/>
-                </a:solidFill>
-                <a:effectLst/>
-                <a:latin typeface="Söhne"/>
-              </a:rPr>
-              <a:t>utilizzate</a:t>
-            </a:r>
-            <a:r>
-              <a:rPr lang="en-GB" b="0" i="0" dirty="0">
-                <a:solidFill>
-                  <a:srgbClr val="374151"/>
-                </a:solidFill>
-                <a:effectLst/>
-                <a:latin typeface="Söhne"/>
-              </a:rPr>
-              <a:t> in Data Science: Pandas per la </a:t>
-            </a:r>
-            <a:r>
-              <a:rPr lang="en-GB" b="0" i="0" dirty="0" err="1">
-                <a:solidFill>
-                  <a:srgbClr val="374151"/>
-                </a:solidFill>
-                <a:effectLst/>
-                <a:latin typeface="Söhne"/>
-              </a:rPr>
-              <a:t>preparazione</a:t>
-            </a:r>
-            <a:r>
-              <a:rPr lang="en-GB" b="0" i="0" dirty="0">
-                <a:solidFill>
-                  <a:srgbClr val="374151"/>
-                </a:solidFill>
-                <a:effectLst/>
-                <a:latin typeface="Söhne"/>
-              </a:rPr>
-              <a:t> e </a:t>
-            </a:r>
-            <a:r>
-              <a:rPr lang="en-GB" b="0" i="0" dirty="0" err="1">
-                <a:solidFill>
-                  <a:srgbClr val="374151"/>
-                </a:solidFill>
-                <a:effectLst/>
-                <a:latin typeface="Söhne"/>
-              </a:rPr>
-              <a:t>analisi</a:t>
-            </a:r>
-            <a:r>
-              <a:rPr lang="en-GB" b="0" i="0" dirty="0">
-                <a:solidFill>
-                  <a:srgbClr val="374151"/>
-                </a:solidFill>
-                <a:effectLst/>
-                <a:latin typeface="Söhne"/>
-              </a:rPr>
-              <a:t> </a:t>
-            </a:r>
-            <a:r>
-              <a:rPr lang="en-GB" b="0" i="0" dirty="0" err="1">
-                <a:solidFill>
-                  <a:srgbClr val="374151"/>
-                </a:solidFill>
-                <a:effectLst/>
-                <a:latin typeface="Söhne"/>
-              </a:rPr>
-              <a:t>dei</a:t>
-            </a:r>
-            <a:r>
-              <a:rPr lang="en-GB" b="0" i="0" dirty="0">
-                <a:solidFill>
-                  <a:srgbClr val="374151"/>
-                </a:solidFill>
-                <a:effectLst/>
-                <a:latin typeface="Söhne"/>
-              </a:rPr>
-              <a:t> </a:t>
-            </a:r>
-            <a:r>
-              <a:rPr lang="en-GB" b="0" i="0" dirty="0" err="1">
-                <a:solidFill>
-                  <a:srgbClr val="374151"/>
-                </a:solidFill>
-                <a:effectLst/>
-                <a:latin typeface="Söhne"/>
-              </a:rPr>
-              <a:t>dati</a:t>
-            </a:r>
-            <a:r>
-              <a:rPr lang="en-GB" b="0" i="0" dirty="0">
-                <a:solidFill>
-                  <a:srgbClr val="374151"/>
-                </a:solidFill>
-                <a:effectLst/>
-                <a:latin typeface="Söhne"/>
-              </a:rPr>
-              <a:t> e Matplotlib per la </a:t>
-            </a:r>
-            <a:r>
-              <a:rPr lang="en-GB" b="0" i="0" dirty="0" err="1">
-                <a:solidFill>
-                  <a:srgbClr val="374151"/>
-                </a:solidFill>
-                <a:effectLst/>
-                <a:latin typeface="Söhne"/>
-              </a:rPr>
-              <a:t>visualizzazione</a:t>
-            </a:r>
-            <a:r>
-              <a:rPr lang="en-GB" b="0" i="0" dirty="0">
-                <a:solidFill>
-                  <a:srgbClr val="374151"/>
-                </a:solidFill>
-                <a:effectLst/>
-                <a:latin typeface="Söhne"/>
-              </a:rPr>
-              <a:t>.</a:t>
-            </a:r>
-          </a:p>
-          <a:p>
-            <a:pPr algn="l"/>
-            <a:endParaRPr lang="en-GB" dirty="0">
-              <a:solidFill>
-                <a:srgbClr val="374151"/>
-              </a:solidFill>
-              <a:latin typeface="Söhne"/>
-            </a:endParaRPr>
-          </a:p>
-          <a:p>
-            <a:pPr algn="l"/>
-            <a:endParaRPr lang="en-GB" b="0" i="0" dirty="0">
-              <a:solidFill>
-                <a:srgbClr val="374151"/>
-              </a:solidFill>
-              <a:effectLst/>
-              <a:latin typeface="Söhne"/>
-            </a:endParaRPr>
-          </a:p>
-          <a:p>
-            <a:pPr algn="l"/>
-            <a:r>
-              <a:rPr lang="en-GB" b="0" i="0" dirty="0" err="1">
-                <a:solidFill>
-                  <a:srgbClr val="374151"/>
-                </a:solidFill>
-                <a:effectLst/>
-                <a:latin typeface="Söhne"/>
-              </a:rPr>
-              <a:t>Esercitazione</a:t>
-            </a:r>
-            <a:r>
-              <a:rPr lang="en-GB" b="0" i="0" dirty="0">
-                <a:solidFill>
-                  <a:srgbClr val="374151"/>
-                </a:solidFill>
-                <a:effectLst/>
-                <a:latin typeface="Söhne"/>
-              </a:rPr>
-              <a:t>: </a:t>
-            </a:r>
-            <a:r>
-              <a:rPr lang="en-GB" b="0" i="0" dirty="0" err="1">
-                <a:solidFill>
-                  <a:srgbClr val="374151"/>
-                </a:solidFill>
-                <a:effectLst/>
-                <a:latin typeface="Söhne"/>
-              </a:rPr>
-              <a:t>analisi</a:t>
-            </a:r>
-            <a:r>
-              <a:rPr lang="en-GB" b="0" i="0" dirty="0">
-                <a:solidFill>
-                  <a:srgbClr val="374151"/>
-                </a:solidFill>
-                <a:effectLst/>
-                <a:latin typeface="Söhne"/>
-              </a:rPr>
-              <a:t> </a:t>
-            </a:r>
-            <a:r>
-              <a:rPr lang="en-GB" b="0" i="0" dirty="0" err="1">
-                <a:solidFill>
-                  <a:srgbClr val="374151"/>
-                </a:solidFill>
-                <a:effectLst/>
-                <a:latin typeface="Söhne"/>
-              </a:rPr>
-              <a:t>esplorativa</a:t>
-            </a:r>
-            <a:r>
-              <a:rPr lang="en-GB" b="0" i="0" dirty="0">
-                <a:solidFill>
-                  <a:srgbClr val="374151"/>
-                </a:solidFill>
-                <a:effectLst/>
-                <a:latin typeface="Söhne"/>
-              </a:rPr>
-              <a:t> </a:t>
-            </a:r>
-            <a:r>
-              <a:rPr lang="en-GB" b="0" i="0" dirty="0" err="1">
-                <a:solidFill>
-                  <a:srgbClr val="374151"/>
-                </a:solidFill>
-                <a:effectLst/>
-                <a:latin typeface="Söhne"/>
-              </a:rPr>
-              <a:t>dei</a:t>
-            </a:r>
-            <a:r>
-              <a:rPr lang="en-GB" b="0" i="0" dirty="0">
-                <a:solidFill>
-                  <a:srgbClr val="374151"/>
-                </a:solidFill>
-                <a:effectLst/>
-                <a:latin typeface="Söhne"/>
-              </a:rPr>
-              <a:t> </a:t>
-            </a:r>
-            <a:r>
-              <a:rPr lang="en-GB" b="0" i="0" dirty="0" err="1">
-                <a:solidFill>
-                  <a:srgbClr val="374151"/>
-                </a:solidFill>
-                <a:effectLst/>
-                <a:latin typeface="Söhne"/>
-              </a:rPr>
-              <a:t>dati</a:t>
-            </a:r>
-            <a:r>
-              <a:rPr lang="en-GB" b="0" i="0" dirty="0">
-                <a:solidFill>
-                  <a:srgbClr val="374151"/>
-                </a:solidFill>
-                <a:effectLst/>
-                <a:latin typeface="Söhne"/>
-              </a:rPr>
-              <a:t>.</a:t>
-            </a:r>
-          </a:p>
-          <a:p>
-            <a:endParaRPr lang="en-IT" dirty="0"/>
-          </a:p>
-        </p:txBody>
-      </p:sp>
-      <p:sp>
-        <p:nvSpPr>
-          <p:cNvPr id="8" name="TextBox 7">
-            <a:extLst>
-              <a:ext uri="{FF2B5EF4-FFF2-40B4-BE49-F238E27FC236}">
-                <a16:creationId xmlns:a16="http://schemas.microsoft.com/office/drawing/2014/main" id="{F2EF58FD-7948-8FC7-360A-C582A5954AE0}"/>
-              </a:ext>
-            </a:extLst>
-          </p:cNvPr>
-          <p:cNvSpPr txBox="1"/>
-          <p:nvPr/>
-        </p:nvSpPr>
-        <p:spPr>
-          <a:xfrm>
-            <a:off x="606829" y="3649247"/>
-            <a:ext cx="1077539" cy="369332"/>
-          </a:xfrm>
-          <a:prstGeom prst="rect">
-            <a:avLst/>
-          </a:prstGeom>
-          <a:noFill/>
-        </p:spPr>
-        <p:txBody>
-          <a:bodyPr wrap="none" rtlCol="0">
-            <a:spAutoFit/>
-          </a:bodyPr>
-          <a:lstStyle/>
-          <a:p>
-            <a:r>
-              <a:rPr lang="en-IT" dirty="0"/>
-              <a:t>Giorno 4</a:t>
-            </a:r>
-          </a:p>
-        </p:txBody>
-      </p:sp>
-    </p:spTree>
-    <p:extLst>
-      <p:ext uri="{BB962C8B-B14F-4D97-AF65-F5344CB8AC3E}">
-        <p14:creationId xmlns:p14="http://schemas.microsoft.com/office/powerpoint/2010/main" val="2403033022"/>
-      </p:ext>
-    </p:extLst>
-  </p:cSld>
-  <p:clrMapOvr>
-    <a:masterClrMapping/>
-  </p:clrMapOvr>
-</p:sld>
-</file>
-
-<file path=ppt/slides/slide6.xml><?xml version="1.0" encoding="utf-8"?>
-<p:sld xmlns:a="http://schemas.openxmlformats.org/drawingml/2006/main" xmlns:r="http://schemas.openxmlformats.org/officeDocument/2006/relationships" xmlns:p="http://schemas.openxmlformats.org/presentationml/2006/main">
-  <p:cSld>
-    <p:spTree>
-      <p:nvGrpSpPr>
-        <p:cNvPr id="1" name=""/>
-        <p:cNvGrpSpPr/>
-        <p:nvPr/>
-      </p:nvGrpSpPr>
-      <p:grpSpPr>
-        <a:xfrm>
-          <a:off x="0" y="0"/>
-          <a:ext cx="0" cy="0"/>
-          <a:chOff x="0" y="0"/>
-          <a:chExt cx="0" cy="0"/>
-        </a:xfrm>
-      </p:grpSpPr>
-      <p:sp>
-        <p:nvSpPr>
-          <p:cNvPr id="2" name="CasellaDiTesto 1">
-            <a:extLst>
-              <a:ext uri="{FF2B5EF4-FFF2-40B4-BE49-F238E27FC236}">
-                <a16:creationId xmlns:a16="http://schemas.microsoft.com/office/drawing/2014/main" id="{0D44854F-2D30-FA80-801A-BA45E86EE13F}"/>
-              </a:ext>
-            </a:extLst>
-          </p:cNvPr>
-          <p:cNvSpPr txBox="1"/>
-          <p:nvPr/>
-        </p:nvSpPr>
-        <p:spPr>
-          <a:xfrm>
-            <a:off x="2682240" y="1201783"/>
-            <a:ext cx="184731" cy="369332"/>
-          </a:xfrm>
-          <a:prstGeom prst="rect">
-            <a:avLst/>
-          </a:prstGeom>
-          <a:noFill/>
-        </p:spPr>
-        <p:txBody>
-          <a:bodyPr wrap="none" rtlCol="0">
-            <a:spAutoFit/>
-          </a:bodyPr>
-          <a:lstStyle/>
-          <a:p>
-            <a:endParaRPr lang="it-IT" dirty="0"/>
-          </a:p>
-        </p:txBody>
-      </p:sp>
-      <p:sp>
-        <p:nvSpPr>
           <p:cNvPr id="4" name="TextBox 3">
             <a:extLst>
               <a:ext uri="{FF2B5EF4-FFF2-40B4-BE49-F238E27FC236}">
@@ -17760,7 +16099,25 @@
                 </a:solidFill>
                 <a:latin typeface="Söhne"/>
               </a:rPr>
-              <a:t>otrete per ogni argomento teorico che affrontiamo vedere il codice, modificarlo e farlo girare. </a:t>
+              <a:t>otrete per ogni argomento teorico che affrontiamo vedere il codice, modificarlo e </a:t>
+            </a:r>
+            <a:r>
+              <a:rPr lang="it-IT" dirty="0">
+                <a:solidFill>
+                  <a:srgbClr val="374151"/>
+                </a:solidFill>
+                <a:latin typeface="Söhne"/>
+              </a:rPr>
+              <a:t>provarlo</a:t>
+            </a:r>
+            <a:r>
+              <a:rPr lang="en-IT" dirty="0">
+                <a:solidFill>
+                  <a:srgbClr val="374151"/>
+                </a:solidFill>
+                <a:latin typeface="Söhne"/>
+              </a:rPr>
+              <a:t>. </a:t>
             </a:r>
           </a:p>
           <a:p>
@@ -17808,7 +16165,7 @@
 </p:sld>
 </file>
 
-<file path=ppt/slides/slide7.xml><?xml version="1.0" encoding="utf-8"?>
+<file path=ppt/slides/slide6.xml><?xml version="1.0" encoding="utf-8"?>
 <p:sld xmlns:a="http://schemas.openxmlformats.org/drawingml/2006/main" xmlns:r="http://schemas.openxmlformats.org/officeDocument/2006/relationships" xmlns:p="http://schemas.openxmlformats.org/presentationml/2006/main">
   <p:cSld>
     <p:spTree>
@@ -18844,7 +17201,7 @@
 </p:sld>
 </file>
 
-<file path=ppt/slides/slide8.xml><?xml version="1.0" encoding="utf-8"?>
+<file path=ppt/slides/slide7.xml><?xml version="1.0" encoding="utf-8"?>
 <p:sld xmlns:a="http://schemas.openxmlformats.org/drawingml/2006/main" xmlns:r="http://schemas.openxmlformats.org/officeDocument/2006/relationships" xmlns:p="http://schemas.openxmlformats.org/presentationml/2006/main">
   <p:cSld>
     <p:spTree>
@@ -20286,7 +18643,7 @@
 </p:sld>
 </file>
 
-<file path=ppt/slides/slide9.xml><?xml version="1.0" encoding="utf-8"?>
+<file path=ppt/slides/slide8.xml><?xml version="1.0" encoding="utf-8"?>
 <p:sld xmlns:a="http://schemas.openxmlformats.org/drawingml/2006/main" xmlns:r="http://schemas.openxmlformats.org/officeDocument/2006/relationships" xmlns:p="http://schemas.openxmlformats.org/presentationml/2006/main">
   <p:cSld>
     <p:spTree>
@@ -21214,6 +19571,512 @@
     <p:extLst>
       <p:ext uri="{BB962C8B-B14F-4D97-AF65-F5344CB8AC3E}">
         <p14:creationId xmlns:p14="http://schemas.microsoft.com/office/powerpoint/2010/main" val="1815386391"/>
+      </p:ext>
+    </p:extLst>
+  </p:cSld>
+  <p:clrMapOvr>
+    <a:masterClrMapping/>
+  </p:clrMapOvr>
+</p:sld>
+</file>
+
+<file path=ppt/slides/slide9.xml><?xml version="1.0" encoding="utf-8"?>
+<p:sld xmlns:a="http://schemas.openxmlformats.org/drawingml/2006/main" xmlns:r="http://schemas.openxmlformats.org/officeDocument/2006/relationships" xmlns:p="http://schemas.openxmlformats.org/presentationml/2006/main">
+  <p:cSld>
+    <p:spTree>
+      <p:nvGrpSpPr>
+        <p:cNvPr id="1" name=""/>
+        <p:cNvGrpSpPr/>
+        <p:nvPr/>
+      </p:nvGrpSpPr>
+      <p:grpSpPr>
+        <a:xfrm>
+          <a:off x="0" y="0"/>
+          <a:ext cx="0" cy="0"/>
+          <a:chOff x="0" y="0"/>
+          <a:chExt cx="0" cy="0"/>
+        </a:xfrm>
+      </p:grpSpPr>
+      <p:sp>
+        <p:nvSpPr>
+          <p:cNvPr id="3" name="TextBox 2">
+            <a:extLst>
+              <a:ext uri="{FF2B5EF4-FFF2-40B4-BE49-F238E27FC236}">
+                <a16:creationId xmlns:a16="http://schemas.microsoft.com/office/drawing/2014/main" id="{BD722CEC-4EC5-32E1-87A6-A5CB6E3713B1}"/>
+              </a:ext>
+            </a:extLst>
+          </p:cNvPr>
+          <p:cNvSpPr txBox="1"/>
+          <p:nvPr/>
+        </p:nvSpPr>
+        <p:spPr>
+          <a:xfrm>
+            <a:off x="606829" y="426315"/>
+            <a:ext cx="5872120" cy="369332"/>
+          </a:xfrm>
+          <a:prstGeom prst="rect">
+            <a:avLst/>
+          </a:prstGeom>
+          <a:noFill/>
+        </p:spPr>
+        <p:txBody>
+          <a:bodyPr wrap="none" rtlCol="0">
+            <a:spAutoFit/>
+          </a:bodyPr>
+          <a:lstStyle/>
+          <a:p>
+            <a:r>
+              <a:rPr lang="en-IT" dirty="0"/>
+              <a:t>SET UP DELL’AMBIENTE : JUPYTER NOTEBOOK e GIT</a:t>
+            </a:r>
+          </a:p>
+        </p:txBody>
+      </p:sp>
+      <p:sp>
+        <p:nvSpPr>
+          <p:cNvPr id="2" name="TextBox 1">
+            <a:extLst>
+              <a:ext uri="{FF2B5EF4-FFF2-40B4-BE49-F238E27FC236}">
+                <a16:creationId xmlns:a16="http://schemas.microsoft.com/office/drawing/2014/main" id="{617948EC-24CE-9AC8-D840-C8937CCA029C}"/>
+              </a:ext>
+            </a:extLst>
+          </p:cNvPr>
+          <p:cNvSpPr txBox="1"/>
+          <p:nvPr/>
+        </p:nvSpPr>
+        <p:spPr>
+          <a:xfrm>
+            <a:off x="419238" y="1060704"/>
+            <a:ext cx="11499827" cy="4801314"/>
+          </a:xfrm>
+          <a:prstGeom prst="rect">
+            <a:avLst/>
+          </a:prstGeom>
+          <a:noFill/>
+        </p:spPr>
+        <p:txBody>
+          <a:bodyPr wrap="square" rtlCol="0">
+            <a:spAutoFit/>
+          </a:bodyPr>
+          <a:lstStyle/>
+          <a:p>
+            <a:r>
+              <a:rPr lang="en-IT" dirty="0">
+                <a:solidFill>
+                  <a:srgbClr val="374151"/>
+                </a:solidFill>
+                <a:latin typeface="Söhne"/>
+              </a:rPr>
+              <a:t>Dopo l’installazione di anaconda, procediamo con l’apertura di anaconda navigator. Nella home saranno visibili diverse applicazioni, apriamo </a:t>
+            </a:r>
+            <a:r>
+              <a:rPr lang="en-IT" b="1" dirty="0">
+                <a:solidFill>
+                  <a:srgbClr val="374151"/>
+                </a:solidFill>
+                <a:latin typeface="Söhne"/>
+              </a:rPr>
+              <a:t>jupyter notebook</a:t>
+            </a:r>
+            <a:r>
+              <a:rPr lang="en-IT" dirty="0">
+                <a:solidFill>
+                  <a:srgbClr val="374151"/>
+                </a:solidFill>
+                <a:latin typeface="Söhne"/>
+              </a:rPr>
+              <a:t>.</a:t>
+            </a:r>
+          </a:p>
+          <a:p>
+            <a:r>
+              <a:rPr lang="en-IT" dirty="0">
+                <a:solidFill>
+                  <a:srgbClr val="374151"/>
+                </a:solidFill>
+                <a:latin typeface="Söhne"/>
+              </a:rPr>
+              <a:t>Per recuperare in modo semplice il materiale preparato per il corso possiamo usare GitHub.</a:t>
+            </a:r>
+          </a:p>
+          <a:p>
+            <a:endParaRPr lang="en-IT" dirty="0">
+              <a:solidFill>
+                <a:srgbClr val="374151"/>
+              </a:solidFill>
+              <a:latin typeface="Söhne"/>
+            </a:endParaRPr>
+          </a:p>
+          <a:p>
+            <a:r>
+              <a:rPr lang="it-IT" b="1" dirty="0" err="1">
+                <a:solidFill>
+                  <a:srgbClr val="374151"/>
+                </a:solidFill>
+                <a:latin typeface="Söhne"/>
+              </a:rPr>
+              <a:t>Git</a:t>
+            </a:r>
+            <a:r>
+              <a:rPr lang="it-IT" dirty="0">
+                <a:solidFill>
+                  <a:srgbClr val="374151"/>
+                </a:solidFill>
+                <a:latin typeface="Söhne"/>
+              </a:rPr>
+              <a:t> è un sistema di controllo versione distribuito per gestire le modifiche al codice</a:t>
+            </a:r>
+            <a:r>
+              <a:rPr lang="en-IT" dirty="0">
+                <a:solidFill>
+                  <a:srgbClr val="374151"/>
+                </a:solidFill>
+                <a:latin typeface="Söhne"/>
+              </a:rPr>
+              <a:t>, mentre </a:t>
+            </a:r>
+            <a:r>
+              <a:rPr lang="it-IT" dirty="0">
+                <a:solidFill>
+                  <a:srgbClr val="374151"/>
+                </a:solidFill>
+                <a:latin typeface="Söhne"/>
+              </a:rPr>
+              <a:t>GitHub è una piattaforma di hosting di repository </a:t>
+            </a:r>
+            <a:r>
+              <a:rPr lang="it-IT" dirty="0" err="1">
+                <a:solidFill>
+                  <a:srgbClr val="374151"/>
+                </a:solidFill>
+                <a:latin typeface="Söhne"/>
+              </a:rPr>
+              <a:t>Git</a:t>
+            </a:r>
+            <a:r>
+              <a:rPr lang="en-IT" dirty="0">
+                <a:solidFill>
+                  <a:srgbClr val="374151"/>
+                </a:solidFill>
+                <a:latin typeface="Söhne"/>
+              </a:rPr>
+              <a:t>, che permette </a:t>
+            </a:r>
+            <a:r>
+              <a:rPr lang="it-IT" dirty="0">
+                <a:solidFill>
+                  <a:srgbClr val="374151"/>
+                </a:solidFill>
+                <a:latin typeface="Söhne"/>
+              </a:rPr>
+              <a:t>agli sviluppatori di condividere e collaborare su progetti in modo efficiente.</a:t>
+            </a:r>
+            <a:endParaRPr lang="en-IT" dirty="0">
+              <a:solidFill>
+                <a:srgbClr val="374151"/>
+              </a:solidFill>
+              <a:latin typeface="Söhne"/>
+            </a:endParaRPr>
+          </a:p>
+          <a:p>
+            <a:r>
+              <a:rPr lang="it-IT" dirty="0">
+                <a:solidFill>
+                  <a:srgbClr val="374151"/>
+                </a:solidFill>
+                <a:latin typeface="Söhne"/>
+              </a:rPr>
+              <a:t>Useremo una delle funzioni di </a:t>
+            </a:r>
+            <a:r>
+              <a:rPr lang="it-IT" dirty="0" err="1">
+                <a:solidFill>
+                  <a:srgbClr val="374151"/>
+                </a:solidFill>
+                <a:latin typeface="Söhne"/>
+              </a:rPr>
+              <a:t>git</a:t>
+            </a:r>
+            <a:r>
+              <a:rPr lang="it-IT" dirty="0">
+                <a:solidFill>
+                  <a:srgbClr val="374151"/>
+                </a:solidFill>
+                <a:latin typeface="Söhne"/>
+              </a:rPr>
+              <a:t>, </a:t>
+            </a:r>
+            <a:r>
+              <a:rPr lang="it-IT" i="1" dirty="0" err="1">
+                <a:solidFill>
+                  <a:srgbClr val="374151"/>
+                </a:solidFill>
+                <a:latin typeface="Söhne"/>
+              </a:rPr>
+              <a:t>git</a:t>
+            </a:r>
+            <a:r>
+              <a:rPr lang="it-IT" i="1" dirty="0">
+                <a:solidFill>
+                  <a:srgbClr val="374151"/>
+                </a:solidFill>
+                <a:latin typeface="Söhne"/>
+              </a:rPr>
+              <a:t> clone, </a:t>
+            </a:r>
+            <a:r>
+              <a:rPr lang="it-IT" dirty="0">
+                <a:solidFill>
+                  <a:srgbClr val="374151"/>
+                </a:solidFill>
+                <a:latin typeface="Söhne"/>
+              </a:rPr>
+              <a:t>per scaricare il materiale che ho caricato su una repository </a:t>
+            </a:r>
+            <a:r>
+              <a:rPr lang="it-IT" dirty="0" err="1">
+                <a:solidFill>
+                  <a:srgbClr val="374151"/>
+                </a:solidFill>
+                <a:latin typeface="Söhne"/>
+              </a:rPr>
+              <a:t>Github</a:t>
+            </a:r>
+            <a:r>
+              <a:rPr lang="en-IT" dirty="0">
+                <a:solidFill>
+                  <a:srgbClr val="374151"/>
+                </a:solidFill>
+                <a:latin typeface="Söhne"/>
+              </a:rPr>
+              <a:t>.</a:t>
+            </a:r>
+          </a:p>
+          <a:p>
+            <a:endParaRPr lang="en-IT" dirty="0">
+              <a:solidFill>
+                <a:srgbClr val="374151"/>
+              </a:solidFill>
+              <a:latin typeface="Söhne"/>
+            </a:endParaRPr>
+          </a:p>
+          <a:p>
+            <a:r>
+              <a:rPr lang="en-IT" dirty="0">
+                <a:solidFill>
+                  <a:srgbClr val="374151"/>
+                </a:solidFill>
+                <a:latin typeface="Söhne"/>
+              </a:rPr>
+              <a:t>Dalla schermata che si è aperta dopo aver eseguito jupyter notebook, apriamo un terminale (tasto new in alto a destra).</a:t>
+            </a:r>
+          </a:p>
+          <a:p>
+            <a:r>
+              <a:rPr lang="en-IT" dirty="0">
+                <a:solidFill>
+                  <a:srgbClr val="374151"/>
+                </a:solidFill>
+                <a:latin typeface="Söhne"/>
+              </a:rPr>
+              <a:t>Nel terminale eseguiamo il comando:</a:t>
+            </a:r>
+          </a:p>
+          <a:p>
+            <a:endParaRPr lang="en-IT" dirty="0">
+              <a:latin typeface="Calibri" panose="020F0502020204030204" pitchFamily="34" charset="0"/>
+              <a:cs typeface="Times New Roman" panose="02020603050405020304" pitchFamily="18" charset="0"/>
+            </a:endParaRPr>
+          </a:p>
+          <a:p>
+            <a:r>
+              <a:rPr lang="en-US" sz="1800" i="1" kern="100" dirty="0">
+                <a:effectLst/>
+                <a:latin typeface="Calibri" panose="020F0502020204030204" pitchFamily="34" charset="0"/>
+                <a:ea typeface="Calibri" panose="020F0502020204030204" pitchFamily="34" charset="0"/>
+                <a:cs typeface="Times New Roman" panose="02020603050405020304" pitchFamily="18" charset="0"/>
+              </a:rPr>
+              <a:t>git clone </a:t>
+            </a:r>
+            <a:r>
+              <a:rPr lang="en-US" sz="1800" u="sng" kern="100" dirty="0">
+                <a:solidFill>
+                  <a:srgbClr val="0563C1"/>
+                </a:solidFill>
+                <a:effectLst/>
+                <a:latin typeface="Calibri" panose="020F0502020204030204" pitchFamily="34" charset="0"/>
+                <a:ea typeface="Calibri" panose="020F0502020204030204" pitchFamily="34" charset="0"/>
+                <a:cs typeface="Times New Roman" panose="02020603050405020304" pitchFamily="18" charset="0"/>
+                <a:hlinkClick r:id="rId2"/>
+              </a:rPr>
+              <a:t>https://github.com/AndreaCorvaglia0/python-base</a:t>
+            </a:r>
+            <a:r>
+              <a:rPr lang="it-IT" sz="1800" kern="100" dirty="0">
+                <a:effectLst/>
+                <a:latin typeface="Calibri" panose="020F0502020204030204" pitchFamily="34" charset="0"/>
+                <a:ea typeface="Calibri" panose="020F0502020204030204" pitchFamily="34" charset="0"/>
+                <a:cs typeface="Times New Roman" panose="02020603050405020304" pitchFamily="18" charset="0"/>
+              </a:rPr>
+              <a:t> </a:t>
+            </a:r>
+            <a:endParaRPr lang="en-IT" sz="1800" kern="100" dirty="0">
+              <a:effectLst/>
+              <a:latin typeface="Calibri" panose="020F0502020204030204" pitchFamily="34" charset="0"/>
+              <a:ea typeface="Calibri" panose="020F0502020204030204" pitchFamily="34" charset="0"/>
+              <a:cs typeface="Times New Roman" panose="02020603050405020304" pitchFamily="18" charset="0"/>
+            </a:endParaRPr>
+          </a:p>
+          <a:p>
+            <a:endParaRPr lang="en-IT" dirty="0"/>
+          </a:p>
+          <a:p>
+            <a:r>
+              <a:rPr lang="it-IT" dirty="0">
+                <a:solidFill>
+                  <a:srgbClr val="374151"/>
+                </a:solidFill>
+                <a:latin typeface="Söhne"/>
+              </a:rPr>
+              <a:t>Nel caso in cui non risultasse installato </a:t>
+            </a:r>
+            <a:r>
+              <a:rPr lang="it-IT" dirty="0" err="1">
+                <a:solidFill>
+                  <a:srgbClr val="374151"/>
+                </a:solidFill>
+                <a:latin typeface="Söhne"/>
+              </a:rPr>
+              <a:t>git</a:t>
+            </a:r>
+            <a:r>
+              <a:rPr lang="it-IT" dirty="0">
+                <a:solidFill>
+                  <a:srgbClr val="374151"/>
+                </a:solidFill>
+                <a:latin typeface="Söhne"/>
+              </a:rPr>
+              <a:t>, basterà sempre da terminale installarlo usando </a:t>
+            </a:r>
+            <a:r>
+              <a:rPr lang="it-IT" dirty="0" err="1">
+                <a:solidFill>
+                  <a:srgbClr val="374151"/>
+                </a:solidFill>
+                <a:latin typeface="Söhne"/>
+              </a:rPr>
+              <a:t>conda</a:t>
+            </a:r>
+            <a:r>
+              <a:rPr lang="en-IT" dirty="0">
+                <a:solidFill>
+                  <a:srgbClr val="374151"/>
+                </a:solidFill>
+                <a:latin typeface="Söhne"/>
+              </a:rPr>
+              <a:t>:</a:t>
+            </a:r>
+          </a:p>
+          <a:p>
+            <a:endParaRPr lang="en-IT" sz="1800" kern="100" dirty="0">
+              <a:effectLst/>
+              <a:latin typeface="Calibri" panose="020F0502020204030204" pitchFamily="34" charset="0"/>
+              <a:ea typeface="Calibri" panose="020F0502020204030204" pitchFamily="34" charset="0"/>
+              <a:cs typeface="Times New Roman" panose="02020603050405020304" pitchFamily="18" charset="0"/>
+            </a:endParaRPr>
+          </a:p>
+          <a:p>
+            <a:r>
+              <a:rPr lang="it-IT" sz="1800" i="1" kern="100" dirty="0" err="1">
+                <a:effectLst/>
+                <a:latin typeface="Calibri" panose="020F0502020204030204" pitchFamily="34" charset="0"/>
+                <a:ea typeface="Calibri" panose="020F0502020204030204" pitchFamily="34" charset="0"/>
+                <a:cs typeface="Times New Roman" panose="02020603050405020304" pitchFamily="18" charset="0"/>
+              </a:rPr>
+              <a:t>conda</a:t>
+            </a:r>
+            <a:r>
+              <a:rPr lang="it-IT" sz="1800" i="1" kern="100" dirty="0">
+                <a:effectLst/>
+                <a:latin typeface="Calibri" panose="020F0502020204030204" pitchFamily="34" charset="0"/>
+                <a:ea typeface="Calibri" panose="020F0502020204030204" pitchFamily="34" charset="0"/>
+                <a:cs typeface="Times New Roman" panose="02020603050405020304" pitchFamily="18" charset="0"/>
+              </a:rPr>
+              <a:t> </a:t>
+            </a:r>
+            <a:r>
+              <a:rPr lang="it-IT" sz="1800" i="1" kern="100" dirty="0" err="1">
+                <a:effectLst/>
+                <a:latin typeface="Calibri" panose="020F0502020204030204" pitchFamily="34" charset="0"/>
+                <a:ea typeface="Calibri" panose="020F0502020204030204" pitchFamily="34" charset="0"/>
+                <a:cs typeface="Times New Roman" panose="02020603050405020304" pitchFamily="18" charset="0"/>
+              </a:rPr>
+              <a:t>install</a:t>
+            </a:r>
+            <a:r>
+              <a:rPr lang="it-IT" sz="1800" i="1" kern="100" dirty="0">
+                <a:effectLst/>
+                <a:latin typeface="Calibri" panose="020F0502020204030204" pitchFamily="34" charset="0"/>
+                <a:ea typeface="Calibri" panose="020F0502020204030204" pitchFamily="34" charset="0"/>
+                <a:cs typeface="Times New Roman" panose="02020603050405020304" pitchFamily="18" charset="0"/>
+              </a:rPr>
+              <a:t> -c anaconda </a:t>
+            </a:r>
+            <a:r>
+              <a:rPr lang="it-IT" sz="1800" i="1" kern="100" dirty="0" err="1">
+                <a:effectLst/>
+                <a:latin typeface="Calibri" panose="020F0502020204030204" pitchFamily="34" charset="0"/>
+                <a:ea typeface="Calibri" panose="020F0502020204030204" pitchFamily="34" charset="0"/>
+                <a:cs typeface="Times New Roman" panose="02020603050405020304" pitchFamily="18" charset="0"/>
+              </a:rPr>
+              <a:t>git</a:t>
+            </a:r>
+            <a:endParaRPr lang="en-IT" sz="1800" i="1" kern="100" dirty="0">
+              <a:effectLst/>
+              <a:latin typeface="Calibri" panose="020F0502020204030204" pitchFamily="34" charset="0"/>
+              <a:ea typeface="Calibri" panose="020F0502020204030204" pitchFamily="34" charset="0"/>
+              <a:cs typeface="Times New Roman" panose="02020603050405020304" pitchFamily="18" charset="0"/>
+            </a:endParaRPr>
+          </a:p>
+          <a:p>
+            <a:endParaRPr lang="en-IT" dirty="0"/>
+          </a:p>
+        </p:txBody>
+      </p:sp>
+      <p:pic>
+        <p:nvPicPr>
+          <p:cNvPr id="4" name="Picture 3">
+            <a:extLst>
+              <a:ext uri="{FF2B5EF4-FFF2-40B4-BE49-F238E27FC236}">
+                <a16:creationId xmlns:a16="http://schemas.microsoft.com/office/drawing/2014/main" id="{7AECE1EB-CF63-DC28-FF98-D11FAB1033F1}"/>
+              </a:ext>
+            </a:extLst>
+          </p:cNvPr>
+          <p:cNvPicPr>
+            <a:picLocks noChangeAspect="1"/>
+          </p:cNvPicPr>
+          <p:nvPr/>
+        </p:nvPicPr>
+        <p:blipFill>
+          <a:blip r:embed="rId3"/>
+          <a:stretch>
+            <a:fillRect/>
+          </a:stretch>
+        </p:blipFill>
+        <p:spPr>
+          <a:xfrm>
+            <a:off x="10378440" y="3838175"/>
+            <a:ext cx="1661921" cy="1870475"/>
+          </a:xfrm>
+          <a:prstGeom prst="rect">
+            <a:avLst/>
+          </a:prstGeom>
+        </p:spPr>
+      </p:pic>
+    </p:spTree>
+    <p:extLst>
+      <p:ext uri="{BB962C8B-B14F-4D97-AF65-F5344CB8AC3E}">
+        <p14:creationId xmlns:p14="http://schemas.microsoft.com/office/powerpoint/2010/main" val="3120711540"/>
       </p:ext>
     </p:extLst>
   </p:cSld>
@@ -22015,15 +20878,6 @@
 </file>
 
 <file path=customXml/item1.xml><?xml version="1.0" encoding="utf-8"?>
-<?mso-contentType ?>
-<FormTemplates xmlns="http://schemas.microsoft.com/sharepoint/v3/contenttype/forms">
-  <Display>DocumentLibraryForm</Display>
-  <Edit>DocumentLibraryForm</Edit>
-  <New>DocumentLibraryForm</New>
-</FormTemplates>
-</file>
-
-<file path=customXml/item2.xml><?xml version="1.0" encoding="utf-8"?>
 <p:properties xmlns:p="http://schemas.microsoft.com/office/2006/metadata/properties" xmlns:xsi="http://www.w3.org/2001/XMLSchema-instance" xmlns:pc="http://schemas.microsoft.com/office/infopath/2007/PartnerControls">
   <documentManagement>
     <TaxCatchAll xmlns="2433660c-feb5-4128-8540-15a171772da6" xsi:nil="true"/>
@@ -22032,6 +20886,15 @@
     </lcf76f155ced4ddcb4097134ff3c332f>
   </documentManagement>
 </p:properties>
+</file>
+
+<file path=customXml/item2.xml><?xml version="1.0" encoding="utf-8"?>
+<?mso-contentType ?>
+<FormTemplates xmlns="http://schemas.microsoft.com/sharepoint/v3/contenttype/forms">
+  <Display>DocumentLibraryForm</Display>
+  <Edit>DocumentLibraryForm</Edit>
+  <New>DocumentLibraryForm</New>
+</FormTemplates>
 </file>
 
 <file path=customXml/item3.xml><?xml version="1.0" encoding="utf-8"?>
@@ -22252,20 +21115,20 @@
 </file>
 
 <file path=customXml/itemProps1.xml><?xml version="1.0" encoding="utf-8"?>
-<ds:datastoreItem xmlns:ds="http://schemas.openxmlformats.org/officeDocument/2006/customXml" ds:itemID="{3B7929D8-7F94-4DD8-89C5-765AD6E14F6A}">
-  <ds:schemaRefs>
-    <ds:schemaRef ds:uri="http://schemas.microsoft.com/sharepoint/v3/contenttype/forms"/>
-  </ds:schemaRefs>
-</ds:datastoreItem>
-</file>
-
-<file path=customXml/itemProps2.xml><?xml version="1.0" encoding="utf-8"?>
 <ds:datastoreItem xmlns:ds="http://schemas.openxmlformats.org/officeDocument/2006/customXml" ds:itemID="{F550C1AF-50D7-4AF8-99E6-A8110CED6891}">
   <ds:schemaRefs>
     <ds:schemaRef ds:uri="http://schemas.microsoft.com/office/2006/metadata/properties"/>
     <ds:schemaRef ds:uri="http://schemas.microsoft.com/office/infopath/2007/PartnerControls"/>
     <ds:schemaRef ds:uri="2433660c-feb5-4128-8540-15a171772da6"/>
     <ds:schemaRef ds:uri="e4231d99-7c26-474c-b5f4-3357e8fa85e0"/>
+  </ds:schemaRefs>
+</ds:datastoreItem>
+</file>
+
+<file path=customXml/itemProps2.xml><?xml version="1.0" encoding="utf-8"?>
+<ds:datastoreItem xmlns:ds="http://schemas.openxmlformats.org/officeDocument/2006/customXml" ds:itemID="{3B7929D8-7F94-4DD8-89C5-765AD6E14F6A}">
+  <ds:schemaRefs>
+    <ds:schemaRef ds:uri="http://schemas.microsoft.com/sharepoint/v3/contenttype/forms"/>
   </ds:schemaRefs>
 </ds:datastoreItem>
 </file>

--- a/Presentazione_python_base.pptx
+++ b/Presentazione_python_base.pptx
@@ -6895,7 +6895,7 @@
                 <a:ea typeface="Lato" panose="020F0502020204030203" pitchFamily="34" charset="0"/>
                 <a:cs typeface="Lato" panose="020F0502020204030203" pitchFamily="34" charset="0"/>
               </a:rPr>
-              <a:t>29 Maggio, 2023</a:t>
+              <a:t>20 Maggio, 2024</a:t>
             </a:r>
           </a:p>
         </p:txBody>
@@ -20878,26 +20878,6 @@
 </file>
 
 <file path=customXml/item1.xml><?xml version="1.0" encoding="utf-8"?>
-<p:properties xmlns:p="http://schemas.microsoft.com/office/2006/metadata/properties" xmlns:xsi="http://www.w3.org/2001/XMLSchema-instance" xmlns:pc="http://schemas.microsoft.com/office/infopath/2007/PartnerControls">
-  <documentManagement>
-    <TaxCatchAll xmlns="2433660c-feb5-4128-8540-15a171772da6" xsi:nil="true"/>
-    <lcf76f155ced4ddcb4097134ff3c332f xmlns="e4231d99-7c26-474c-b5f4-3357e8fa85e0">
-      <Terms xmlns="http://schemas.microsoft.com/office/infopath/2007/PartnerControls"/>
-    </lcf76f155ced4ddcb4097134ff3c332f>
-  </documentManagement>
-</p:properties>
-</file>
-
-<file path=customXml/item2.xml><?xml version="1.0" encoding="utf-8"?>
-<?mso-contentType ?>
-<FormTemplates xmlns="http://schemas.microsoft.com/sharepoint/v3/contenttype/forms">
-  <Display>DocumentLibraryForm</Display>
-  <Edit>DocumentLibraryForm</Edit>
-  <New>DocumentLibraryForm</New>
-</FormTemplates>
-</file>
-
-<file path=customXml/item3.xml><?xml version="1.0" encoding="utf-8"?>
 <ct:contentTypeSchema xmlns:ct="http://schemas.microsoft.com/office/2006/metadata/contentType" xmlns:ma="http://schemas.microsoft.com/office/2006/metadata/properties/metaAttributes" ct:_="" ma:_="" ma:contentTypeName="Documento" ma:contentTypeID="0x01010041E5CD625E675A42B6040BD7E58EFFBA" ma:contentTypeVersion="12" ma:contentTypeDescription="Creare un nuovo documento." ma:contentTypeScope="" ma:versionID="fb807d1fa8a06276b1e97d58e4ac795d">
   <xsd:schema xmlns:xsd="http://www.w3.org/2001/XMLSchema" xmlns:xs="http://www.w3.org/2001/XMLSchema" xmlns:p="http://schemas.microsoft.com/office/2006/metadata/properties" xmlns:ns2="e4231d99-7c26-474c-b5f4-3357e8fa85e0" xmlns:ns3="2433660c-feb5-4128-8540-15a171772da6" targetNamespace="http://schemas.microsoft.com/office/2006/metadata/properties" ma:root="true" ma:fieldsID="954fedd8067609b9d82db79984110376" ns2:_="" ns3:_="">
     <xsd:import namespace="e4231d99-7c26-474c-b5f4-3357e8fa85e0"/>
@@ -21114,26 +21094,27 @@
 </ct:contentTypeSchema>
 </file>
 
-<file path=customXml/itemProps1.xml><?xml version="1.0" encoding="utf-8"?>
-<ds:datastoreItem xmlns:ds="http://schemas.openxmlformats.org/officeDocument/2006/customXml" ds:itemID="{F550C1AF-50D7-4AF8-99E6-A8110CED6891}">
-  <ds:schemaRefs>
-    <ds:schemaRef ds:uri="http://schemas.microsoft.com/office/2006/metadata/properties"/>
-    <ds:schemaRef ds:uri="http://schemas.microsoft.com/office/infopath/2007/PartnerControls"/>
-    <ds:schemaRef ds:uri="2433660c-feb5-4128-8540-15a171772da6"/>
-    <ds:schemaRef ds:uri="e4231d99-7c26-474c-b5f4-3357e8fa85e0"/>
-  </ds:schemaRefs>
-</ds:datastoreItem>
+<file path=customXml/item2.xml><?xml version="1.0" encoding="utf-8"?>
+<p:properties xmlns:p="http://schemas.microsoft.com/office/2006/metadata/properties" xmlns:xsi="http://www.w3.org/2001/XMLSchema-instance" xmlns:pc="http://schemas.microsoft.com/office/infopath/2007/PartnerControls">
+  <documentManagement>
+    <TaxCatchAll xmlns="2433660c-feb5-4128-8540-15a171772da6" xsi:nil="true"/>
+    <lcf76f155ced4ddcb4097134ff3c332f xmlns="e4231d99-7c26-474c-b5f4-3357e8fa85e0">
+      <Terms xmlns="http://schemas.microsoft.com/office/infopath/2007/PartnerControls"/>
+    </lcf76f155ced4ddcb4097134ff3c332f>
+  </documentManagement>
+</p:properties>
 </file>
 
-<file path=customXml/itemProps2.xml><?xml version="1.0" encoding="utf-8"?>
-<ds:datastoreItem xmlns:ds="http://schemas.openxmlformats.org/officeDocument/2006/customXml" ds:itemID="{3B7929D8-7F94-4DD8-89C5-765AD6E14F6A}">
-  <ds:schemaRefs>
-    <ds:schemaRef ds:uri="http://schemas.microsoft.com/sharepoint/v3/contenttype/forms"/>
-  </ds:schemaRefs>
-</ds:datastoreItem>
+<file path=customXml/item3.xml><?xml version="1.0" encoding="utf-8"?>
+<?mso-contentType ?>
+<FormTemplates xmlns="http://schemas.microsoft.com/sharepoint/v3/contenttype/forms">
+  <Display>DocumentLibraryForm</Display>
+  <Edit>DocumentLibraryForm</Edit>
+  <New>DocumentLibraryForm</New>
+</FormTemplates>
 </file>
 
-<file path=customXml/itemProps3.xml><?xml version="1.0" encoding="utf-8"?>
+<file path=customXml/itemProps1.xml><?xml version="1.0" encoding="utf-8"?>
 <ds:datastoreItem xmlns:ds="http://schemas.openxmlformats.org/officeDocument/2006/customXml" ds:itemID="{39638608-AC74-4D89-871F-5A43E986A906}">
   <ds:schemaRefs>
     <ds:schemaRef ds:uri="http://schemas.microsoft.com/office/2006/metadata/contentType"/>
@@ -21150,4 +21131,23 @@
     <ds:schemaRef ds:uri="http://schemas.microsoft.com/internal/obd"/>
   </ds:schemaRefs>
 </ds:datastoreItem>
+</file>
+
+<file path=customXml/itemProps2.xml><?xml version="1.0" encoding="utf-8"?>
+<ds:datastoreItem xmlns:ds="http://schemas.openxmlformats.org/officeDocument/2006/customXml" ds:itemID="{F550C1AF-50D7-4AF8-99E6-A8110CED6891}">
+  <ds:schemaRefs>
+    <ds:schemaRef ds:uri="http://schemas.microsoft.com/office/2006/metadata/properties"/>
+    <ds:schemaRef ds:uri="http://schemas.microsoft.com/office/infopath/2007/PartnerControls"/>
+    <ds:schemaRef ds:uri="2433660c-feb5-4128-8540-15a171772da6"/>
+    <ds:schemaRef ds:uri="e4231d99-7c26-474c-b5f4-3357e8fa85e0"/>
+  </ds:schemaRefs>
+</ds:datastoreItem>
+</file>
+
+<file path=customXml/itemProps3.xml><?xml version="1.0" encoding="utf-8"?>
+<ds:datastoreItem xmlns:ds="http://schemas.openxmlformats.org/officeDocument/2006/customXml" ds:itemID="{3B7929D8-7F94-4DD8-89C5-765AD6E14F6A}">
+  <ds:schemaRefs>
+    <ds:schemaRef ds:uri="http://schemas.microsoft.com/sharepoint/v3/contenttype/forms"/>
+  </ds:schemaRefs>
+</ds:datastoreItem>
 </file>